--- a/ppt/EasyPolitic.pptx
+++ b/ppt/EasyPolitic.pptx
@@ -5,28 +5,29 @@
     <p:sldMasterId id="2147483648" r:id="rId1"/>
   </p:sldMasterIdLst>
   <p:notesMasterIdLst>
-    <p:notesMasterId r:id="rId13"/>
+    <p:notesMasterId r:id="rId14"/>
   </p:notesMasterIdLst>
   <p:sldIdLst>
     <p:sldId id="256" r:id="rId2"/>
     <p:sldId id="258" r:id="rId3"/>
-    <p:sldId id="276" r:id="rId4"/>
-    <p:sldId id="300" r:id="rId5"/>
-    <p:sldId id="299" r:id="rId6"/>
-    <p:sldId id="277" r:id="rId7"/>
-    <p:sldId id="293" r:id="rId8"/>
-    <p:sldId id="301" r:id="rId9"/>
-    <p:sldId id="297" r:id="rId10"/>
-    <p:sldId id="261" r:id="rId11"/>
-    <p:sldId id="302" r:id="rId12"/>
+    <p:sldId id="300" r:id="rId4"/>
+    <p:sldId id="276" r:id="rId5"/>
+    <p:sldId id="303" r:id="rId6"/>
+    <p:sldId id="299" r:id="rId7"/>
+    <p:sldId id="277" r:id="rId8"/>
+    <p:sldId id="297" r:id="rId9"/>
+    <p:sldId id="293" r:id="rId10"/>
+    <p:sldId id="301" r:id="rId11"/>
+    <p:sldId id="261" r:id="rId12"/>
+    <p:sldId id="302" r:id="rId13"/>
   </p:sldIdLst>
   <p:sldSz cx="12192000" cy="6858000"/>
   <p:notesSz cx="6858000" cy="9144000"/>
   <p:embeddedFontLst>
     <p:embeddedFont>
       <p:font typeface="맑은 고딕" panose="020B0503020000020004" pitchFamily="50" charset="-127"/>
-      <p:regular r:id="rId14"/>
-      <p:bold r:id="rId15"/>
+      <p:regular r:id="rId15"/>
+      <p:bold r:id="rId16"/>
     </p:embeddedFont>
   </p:embeddedFontLst>
   <p:defaultTextStyle>
@@ -126,7 +127,18 @@
   </p:defaultTextStyle>
   <p:extLst>
     <p:ext uri="{EFAFB233-063F-42B5-8137-9DF3F51BA10A}">
-      <p15:sldGuideLst xmlns:p15="http://schemas.microsoft.com/office/powerpoint/2012/main" xmlns=""/>
+      <p15:sldGuideLst xmlns:p15="http://schemas.microsoft.com/office/powerpoint/2012/main">
+        <p15:guide id="1" orient="horz" pos="2160">
+          <p15:clr>
+            <a:srgbClr val="A4A3A4"/>
+          </p15:clr>
+        </p15:guide>
+        <p15:guide id="2" pos="3840">
+          <p15:clr>
+            <a:srgbClr val="A4A3A4"/>
+          </p15:clr>
+        </p15:guide>
+      </p15:sldGuideLst>
     </p:ext>
   </p:extLst>
 </p:presentation>
@@ -218,7 +230,7 @@
           <a:p>
             <a:fld id="{21061775-4EE4-47A5-99EF-314E4F87EA63}" type="datetimeFigureOut">
               <a:rPr lang="ko-KR" altLang="en-US" smtClean="0"/>
-              <a:t>2017-08-18</a:t>
+              <a:t>2017-08-19</a:t>
             </a:fld>
             <a:endParaRPr lang="ko-KR" altLang="en-US"/>
           </a:p>
@@ -282,38 +294,37 @@
           <a:p>
             <a:pPr lvl="0"/>
             <a:r>
-              <a:rPr lang="ko-KR" altLang="en-US" smtClean="0"/>
+              <a:rPr lang="ko-KR" altLang="en-US"/>
               <a:t>마스터 텍스트 스타일을 편집합니다</a:t>
             </a:r>
           </a:p>
           <a:p>
             <a:pPr lvl="1"/>
             <a:r>
-              <a:rPr lang="ko-KR" altLang="en-US" smtClean="0"/>
+              <a:rPr lang="ko-KR" altLang="en-US"/>
               <a:t>둘째 수준</a:t>
             </a:r>
           </a:p>
           <a:p>
             <a:pPr lvl="2"/>
             <a:r>
-              <a:rPr lang="ko-KR" altLang="en-US" smtClean="0"/>
+              <a:rPr lang="ko-KR" altLang="en-US"/>
               <a:t>셋째 수준</a:t>
             </a:r>
           </a:p>
           <a:p>
             <a:pPr lvl="3"/>
             <a:r>
-              <a:rPr lang="ko-KR" altLang="en-US" smtClean="0"/>
+              <a:rPr lang="ko-KR" altLang="en-US"/>
               <a:t>넷째 수준</a:t>
             </a:r>
           </a:p>
           <a:p>
             <a:pPr lvl="4"/>
             <a:r>
-              <a:rPr lang="ko-KR" altLang="en-US" smtClean="0"/>
+              <a:rPr lang="ko-KR" altLang="en-US"/>
               <a:t>다섯째 수준</a:t>
             </a:r>
-            <a:endParaRPr lang="ko-KR" altLang="en-US"/>
           </a:p>
         </p:txBody>
       </p:sp>
@@ -508,7 +519,7 @@
           <p:cNvPr id="2" name="제목 1">
             <a:extLst>
               <a:ext uri="{FF2B5EF4-FFF2-40B4-BE49-F238E27FC236}">
-                <a16:creationId xmlns:a16="http://schemas.microsoft.com/office/drawing/2014/main" xmlns="" id="{7162BA3D-E367-4484-8B49-CBC4C91063D3}"/>
+                <a16:creationId xmlns:a16="http://schemas.microsoft.com/office/drawing/2014/main" id="{7162BA3D-E367-4484-8B49-CBC4C91063D3}"/>
               </a:ext>
             </a:extLst>
           </p:cNvPr>
@@ -545,7 +556,7 @@
           <p:cNvPr id="3" name="부제목 2">
             <a:extLst>
               <a:ext uri="{FF2B5EF4-FFF2-40B4-BE49-F238E27FC236}">
-                <a16:creationId xmlns:a16="http://schemas.microsoft.com/office/drawing/2014/main" xmlns="" id="{2339AF60-0B61-4238-9BDD-B1E156D2D750}"/>
+                <a16:creationId xmlns:a16="http://schemas.microsoft.com/office/drawing/2014/main" id="{2339AF60-0B61-4238-9BDD-B1E156D2D750}"/>
               </a:ext>
             </a:extLst>
           </p:cNvPr>
@@ -615,7 +626,7 @@
           <p:cNvPr id="4" name="날짜 개체 틀 3">
             <a:extLst>
               <a:ext uri="{FF2B5EF4-FFF2-40B4-BE49-F238E27FC236}">
-                <a16:creationId xmlns:a16="http://schemas.microsoft.com/office/drawing/2014/main" xmlns="" id="{65694EAF-27F3-419A-B978-B998ED9EA6C1}"/>
+                <a16:creationId xmlns:a16="http://schemas.microsoft.com/office/drawing/2014/main" id="{65694EAF-27F3-419A-B978-B998ED9EA6C1}"/>
               </a:ext>
             </a:extLst>
           </p:cNvPr>
@@ -633,7 +644,7 @@
           <a:p>
             <a:fld id="{18E4296C-5229-424A-BA6C-1AFD24A20696}" type="datetimeFigureOut">
               <a:rPr lang="ko-KR" altLang="en-US" smtClean="0"/>
-              <a:t>2017-08-18</a:t>
+              <a:t>2017-08-19</a:t>
             </a:fld>
             <a:endParaRPr lang="ko-KR" altLang="en-US"/>
           </a:p>
@@ -644,7 +655,7 @@
           <p:cNvPr id="5" name="바닥글 개체 틀 4">
             <a:extLst>
               <a:ext uri="{FF2B5EF4-FFF2-40B4-BE49-F238E27FC236}">
-                <a16:creationId xmlns:a16="http://schemas.microsoft.com/office/drawing/2014/main" xmlns="" id="{F9177C11-6308-46F9-AC6B-452D589E051A}"/>
+                <a16:creationId xmlns:a16="http://schemas.microsoft.com/office/drawing/2014/main" id="{F9177C11-6308-46F9-AC6B-452D589E051A}"/>
               </a:ext>
             </a:extLst>
           </p:cNvPr>
@@ -669,7 +680,7 @@
           <p:cNvPr id="6" name="슬라이드 번호 개체 틀 5">
             <a:extLst>
               <a:ext uri="{FF2B5EF4-FFF2-40B4-BE49-F238E27FC236}">
-                <a16:creationId xmlns:a16="http://schemas.microsoft.com/office/drawing/2014/main" xmlns="" id="{0FD7DE17-584D-42D3-B86D-F6EF0C79C87D}"/>
+                <a16:creationId xmlns:a16="http://schemas.microsoft.com/office/drawing/2014/main" id="{0FD7DE17-584D-42D3-B86D-F6EF0C79C87D}"/>
               </a:ext>
             </a:extLst>
           </p:cNvPr>
@@ -728,7 +739,7 @@
           <p:cNvPr id="2" name="제목 1">
             <a:extLst>
               <a:ext uri="{FF2B5EF4-FFF2-40B4-BE49-F238E27FC236}">
-                <a16:creationId xmlns:a16="http://schemas.microsoft.com/office/drawing/2014/main" xmlns="" id="{9B96BF55-831E-4C7B-9250-1BA4FE4B85A0}"/>
+                <a16:creationId xmlns:a16="http://schemas.microsoft.com/office/drawing/2014/main" id="{9B96BF55-831E-4C7B-9250-1BA4FE4B85A0}"/>
               </a:ext>
             </a:extLst>
           </p:cNvPr>
@@ -756,7 +767,7 @@
           <p:cNvPr id="3" name="세로 텍스트 개체 틀 2">
             <a:extLst>
               <a:ext uri="{FF2B5EF4-FFF2-40B4-BE49-F238E27FC236}">
-                <a16:creationId xmlns:a16="http://schemas.microsoft.com/office/drawing/2014/main" xmlns="" id="{A7FD5450-2CBE-470A-8CE4-AFFC3B9CEE46}"/>
+                <a16:creationId xmlns:a16="http://schemas.microsoft.com/office/drawing/2014/main" id="{A7FD5450-2CBE-470A-8CE4-AFFC3B9CEE46}"/>
               </a:ext>
             </a:extLst>
           </p:cNvPr>
@@ -813,7 +824,7 @@
           <p:cNvPr id="4" name="날짜 개체 틀 3">
             <a:extLst>
               <a:ext uri="{FF2B5EF4-FFF2-40B4-BE49-F238E27FC236}">
-                <a16:creationId xmlns:a16="http://schemas.microsoft.com/office/drawing/2014/main" xmlns="" id="{6E340C6F-F140-4680-B4E6-1FE2ECFD0ED4}"/>
+                <a16:creationId xmlns:a16="http://schemas.microsoft.com/office/drawing/2014/main" id="{6E340C6F-F140-4680-B4E6-1FE2ECFD0ED4}"/>
               </a:ext>
             </a:extLst>
           </p:cNvPr>
@@ -831,7 +842,7 @@
           <a:p>
             <a:fld id="{18E4296C-5229-424A-BA6C-1AFD24A20696}" type="datetimeFigureOut">
               <a:rPr lang="ko-KR" altLang="en-US" smtClean="0"/>
-              <a:t>2017-08-18</a:t>
+              <a:t>2017-08-19</a:t>
             </a:fld>
             <a:endParaRPr lang="ko-KR" altLang="en-US"/>
           </a:p>
@@ -842,7 +853,7 @@
           <p:cNvPr id="5" name="바닥글 개체 틀 4">
             <a:extLst>
               <a:ext uri="{FF2B5EF4-FFF2-40B4-BE49-F238E27FC236}">
-                <a16:creationId xmlns:a16="http://schemas.microsoft.com/office/drawing/2014/main" xmlns="" id="{22997852-A930-4BB1-B320-7802DBE76724}"/>
+                <a16:creationId xmlns:a16="http://schemas.microsoft.com/office/drawing/2014/main" id="{22997852-A930-4BB1-B320-7802DBE76724}"/>
               </a:ext>
             </a:extLst>
           </p:cNvPr>
@@ -867,7 +878,7 @@
           <p:cNvPr id="6" name="슬라이드 번호 개체 틀 5">
             <a:extLst>
               <a:ext uri="{FF2B5EF4-FFF2-40B4-BE49-F238E27FC236}">
-                <a16:creationId xmlns:a16="http://schemas.microsoft.com/office/drawing/2014/main" xmlns="" id="{B6549597-6D37-4337-BC09-F938B468E4C4}"/>
+                <a16:creationId xmlns:a16="http://schemas.microsoft.com/office/drawing/2014/main" id="{B6549597-6D37-4337-BC09-F938B468E4C4}"/>
               </a:ext>
             </a:extLst>
           </p:cNvPr>
@@ -926,7 +937,7 @@
           <p:cNvPr id="2" name="세로 제목 1">
             <a:extLst>
               <a:ext uri="{FF2B5EF4-FFF2-40B4-BE49-F238E27FC236}">
-                <a16:creationId xmlns:a16="http://schemas.microsoft.com/office/drawing/2014/main" xmlns="" id="{71C2011F-4245-4210-8BA1-8EA598B7A66A}"/>
+                <a16:creationId xmlns:a16="http://schemas.microsoft.com/office/drawing/2014/main" id="{71C2011F-4245-4210-8BA1-8EA598B7A66A}"/>
               </a:ext>
             </a:extLst>
           </p:cNvPr>
@@ -959,7 +970,7 @@
           <p:cNvPr id="3" name="세로 텍스트 개체 틀 2">
             <a:extLst>
               <a:ext uri="{FF2B5EF4-FFF2-40B4-BE49-F238E27FC236}">
-                <a16:creationId xmlns:a16="http://schemas.microsoft.com/office/drawing/2014/main" xmlns="" id="{D680A3B3-91DC-46F9-9994-5962B2C57DC8}"/>
+                <a16:creationId xmlns:a16="http://schemas.microsoft.com/office/drawing/2014/main" id="{D680A3B3-91DC-46F9-9994-5962B2C57DC8}"/>
               </a:ext>
             </a:extLst>
           </p:cNvPr>
@@ -1021,7 +1032,7 @@
           <p:cNvPr id="4" name="날짜 개체 틀 3">
             <a:extLst>
               <a:ext uri="{FF2B5EF4-FFF2-40B4-BE49-F238E27FC236}">
-                <a16:creationId xmlns:a16="http://schemas.microsoft.com/office/drawing/2014/main" xmlns="" id="{A7458B51-4696-46EA-BE49-F0494D5A7F75}"/>
+                <a16:creationId xmlns:a16="http://schemas.microsoft.com/office/drawing/2014/main" id="{A7458B51-4696-46EA-BE49-F0494D5A7F75}"/>
               </a:ext>
             </a:extLst>
           </p:cNvPr>
@@ -1039,7 +1050,7 @@
           <a:p>
             <a:fld id="{18E4296C-5229-424A-BA6C-1AFD24A20696}" type="datetimeFigureOut">
               <a:rPr lang="ko-KR" altLang="en-US" smtClean="0"/>
-              <a:t>2017-08-18</a:t>
+              <a:t>2017-08-19</a:t>
             </a:fld>
             <a:endParaRPr lang="ko-KR" altLang="en-US"/>
           </a:p>
@@ -1050,7 +1061,7 @@
           <p:cNvPr id="5" name="바닥글 개체 틀 4">
             <a:extLst>
               <a:ext uri="{FF2B5EF4-FFF2-40B4-BE49-F238E27FC236}">
-                <a16:creationId xmlns:a16="http://schemas.microsoft.com/office/drawing/2014/main" xmlns="" id="{F93BD348-78BD-4065-AB67-6241B09BECA2}"/>
+                <a16:creationId xmlns:a16="http://schemas.microsoft.com/office/drawing/2014/main" id="{F93BD348-78BD-4065-AB67-6241B09BECA2}"/>
               </a:ext>
             </a:extLst>
           </p:cNvPr>
@@ -1075,7 +1086,7 @@
           <p:cNvPr id="6" name="슬라이드 번호 개체 틀 5">
             <a:extLst>
               <a:ext uri="{FF2B5EF4-FFF2-40B4-BE49-F238E27FC236}">
-                <a16:creationId xmlns:a16="http://schemas.microsoft.com/office/drawing/2014/main" xmlns="" id="{F5AACD72-6EA6-4380-B12A-2405FB8C1459}"/>
+                <a16:creationId xmlns:a16="http://schemas.microsoft.com/office/drawing/2014/main" id="{F5AACD72-6EA6-4380-B12A-2405FB8C1459}"/>
               </a:ext>
             </a:extLst>
           </p:cNvPr>
@@ -1134,7 +1145,7 @@
           <p:cNvPr id="2" name="제목 1">
             <a:extLst>
               <a:ext uri="{FF2B5EF4-FFF2-40B4-BE49-F238E27FC236}">
-                <a16:creationId xmlns:a16="http://schemas.microsoft.com/office/drawing/2014/main" xmlns="" id="{C3494594-6426-4CB8-8B8F-F0709623761B}"/>
+                <a16:creationId xmlns:a16="http://schemas.microsoft.com/office/drawing/2014/main" id="{C3494594-6426-4CB8-8B8F-F0709623761B}"/>
               </a:ext>
             </a:extLst>
           </p:cNvPr>
@@ -1162,7 +1173,7 @@
           <p:cNvPr id="3" name="내용 개체 틀 2">
             <a:extLst>
               <a:ext uri="{FF2B5EF4-FFF2-40B4-BE49-F238E27FC236}">
-                <a16:creationId xmlns:a16="http://schemas.microsoft.com/office/drawing/2014/main" xmlns="" id="{B2E8600B-0EB2-401E-BED0-79AF8AE8EBD6}"/>
+                <a16:creationId xmlns:a16="http://schemas.microsoft.com/office/drawing/2014/main" id="{B2E8600B-0EB2-401E-BED0-79AF8AE8EBD6}"/>
               </a:ext>
             </a:extLst>
           </p:cNvPr>
@@ -1219,7 +1230,7 @@
           <p:cNvPr id="4" name="날짜 개체 틀 3">
             <a:extLst>
               <a:ext uri="{FF2B5EF4-FFF2-40B4-BE49-F238E27FC236}">
-                <a16:creationId xmlns:a16="http://schemas.microsoft.com/office/drawing/2014/main" xmlns="" id="{7B117735-731E-4062-B25C-B791A18E703C}"/>
+                <a16:creationId xmlns:a16="http://schemas.microsoft.com/office/drawing/2014/main" id="{7B117735-731E-4062-B25C-B791A18E703C}"/>
               </a:ext>
             </a:extLst>
           </p:cNvPr>
@@ -1237,7 +1248,7 @@
           <a:p>
             <a:fld id="{18E4296C-5229-424A-BA6C-1AFD24A20696}" type="datetimeFigureOut">
               <a:rPr lang="ko-KR" altLang="en-US" smtClean="0"/>
-              <a:t>2017-08-18</a:t>
+              <a:t>2017-08-19</a:t>
             </a:fld>
             <a:endParaRPr lang="ko-KR" altLang="en-US"/>
           </a:p>
@@ -1248,7 +1259,7 @@
           <p:cNvPr id="5" name="바닥글 개체 틀 4">
             <a:extLst>
               <a:ext uri="{FF2B5EF4-FFF2-40B4-BE49-F238E27FC236}">
-                <a16:creationId xmlns:a16="http://schemas.microsoft.com/office/drawing/2014/main" xmlns="" id="{8905185A-C12A-4C20-A26F-5F5813BEA447}"/>
+                <a16:creationId xmlns:a16="http://schemas.microsoft.com/office/drawing/2014/main" id="{8905185A-C12A-4C20-A26F-5F5813BEA447}"/>
               </a:ext>
             </a:extLst>
           </p:cNvPr>
@@ -1273,7 +1284,7 @@
           <p:cNvPr id="6" name="슬라이드 번호 개체 틀 5">
             <a:extLst>
               <a:ext uri="{FF2B5EF4-FFF2-40B4-BE49-F238E27FC236}">
-                <a16:creationId xmlns:a16="http://schemas.microsoft.com/office/drawing/2014/main" xmlns="" id="{281C3D82-2993-406E-BD13-FC6C9614A304}"/>
+                <a16:creationId xmlns:a16="http://schemas.microsoft.com/office/drawing/2014/main" id="{281C3D82-2993-406E-BD13-FC6C9614A304}"/>
               </a:ext>
             </a:extLst>
           </p:cNvPr>
@@ -1332,7 +1343,7 @@
           <p:cNvPr id="2" name="제목 1">
             <a:extLst>
               <a:ext uri="{FF2B5EF4-FFF2-40B4-BE49-F238E27FC236}">
-                <a16:creationId xmlns:a16="http://schemas.microsoft.com/office/drawing/2014/main" xmlns="" id="{5D0FA514-E592-45B4-9827-0048B263BA48}"/>
+                <a16:creationId xmlns:a16="http://schemas.microsoft.com/office/drawing/2014/main" id="{5D0FA514-E592-45B4-9827-0048B263BA48}"/>
               </a:ext>
             </a:extLst>
           </p:cNvPr>
@@ -1369,7 +1380,7 @@
           <p:cNvPr id="3" name="텍스트 개체 틀 2">
             <a:extLst>
               <a:ext uri="{FF2B5EF4-FFF2-40B4-BE49-F238E27FC236}">
-                <a16:creationId xmlns:a16="http://schemas.microsoft.com/office/drawing/2014/main" xmlns="" id="{4850C686-5FE6-40AF-BF70-CE986A2F8702}"/>
+                <a16:creationId xmlns:a16="http://schemas.microsoft.com/office/drawing/2014/main" id="{4850C686-5FE6-40AF-BF70-CE986A2F8702}"/>
               </a:ext>
             </a:extLst>
           </p:cNvPr>
@@ -1494,7 +1505,7 @@
           <p:cNvPr id="4" name="날짜 개체 틀 3">
             <a:extLst>
               <a:ext uri="{FF2B5EF4-FFF2-40B4-BE49-F238E27FC236}">
-                <a16:creationId xmlns:a16="http://schemas.microsoft.com/office/drawing/2014/main" xmlns="" id="{E7446271-C97F-49FF-97F3-33BD75A52462}"/>
+                <a16:creationId xmlns:a16="http://schemas.microsoft.com/office/drawing/2014/main" id="{E7446271-C97F-49FF-97F3-33BD75A52462}"/>
               </a:ext>
             </a:extLst>
           </p:cNvPr>
@@ -1512,7 +1523,7 @@
           <a:p>
             <a:fld id="{18E4296C-5229-424A-BA6C-1AFD24A20696}" type="datetimeFigureOut">
               <a:rPr lang="ko-KR" altLang="en-US" smtClean="0"/>
-              <a:t>2017-08-18</a:t>
+              <a:t>2017-08-19</a:t>
             </a:fld>
             <a:endParaRPr lang="ko-KR" altLang="en-US"/>
           </a:p>
@@ -1523,7 +1534,7 @@
           <p:cNvPr id="5" name="바닥글 개체 틀 4">
             <a:extLst>
               <a:ext uri="{FF2B5EF4-FFF2-40B4-BE49-F238E27FC236}">
-                <a16:creationId xmlns:a16="http://schemas.microsoft.com/office/drawing/2014/main" xmlns="" id="{5BFD4B33-3AA2-49CC-A541-A0F9940F9CBD}"/>
+                <a16:creationId xmlns:a16="http://schemas.microsoft.com/office/drawing/2014/main" id="{5BFD4B33-3AA2-49CC-A541-A0F9940F9CBD}"/>
               </a:ext>
             </a:extLst>
           </p:cNvPr>
@@ -1548,7 +1559,7 @@
           <p:cNvPr id="6" name="슬라이드 번호 개체 틀 5">
             <a:extLst>
               <a:ext uri="{FF2B5EF4-FFF2-40B4-BE49-F238E27FC236}">
-                <a16:creationId xmlns:a16="http://schemas.microsoft.com/office/drawing/2014/main" xmlns="" id="{8A8A5E4E-E44F-43BE-B9F7-E62A727E0DF2}"/>
+                <a16:creationId xmlns:a16="http://schemas.microsoft.com/office/drawing/2014/main" id="{8A8A5E4E-E44F-43BE-B9F7-E62A727E0DF2}"/>
               </a:ext>
             </a:extLst>
           </p:cNvPr>
@@ -1607,7 +1618,7 @@
           <p:cNvPr id="2" name="제목 1">
             <a:extLst>
               <a:ext uri="{FF2B5EF4-FFF2-40B4-BE49-F238E27FC236}">
-                <a16:creationId xmlns:a16="http://schemas.microsoft.com/office/drawing/2014/main" xmlns="" id="{960C80F3-851F-452D-8ED7-08A90F917438}"/>
+                <a16:creationId xmlns:a16="http://schemas.microsoft.com/office/drawing/2014/main" id="{960C80F3-851F-452D-8ED7-08A90F917438}"/>
               </a:ext>
             </a:extLst>
           </p:cNvPr>
@@ -1635,7 +1646,7 @@
           <p:cNvPr id="3" name="내용 개체 틀 2">
             <a:extLst>
               <a:ext uri="{FF2B5EF4-FFF2-40B4-BE49-F238E27FC236}">
-                <a16:creationId xmlns:a16="http://schemas.microsoft.com/office/drawing/2014/main" xmlns="" id="{318929D9-A1D0-469D-B7FD-60BE5EEDA363}"/>
+                <a16:creationId xmlns:a16="http://schemas.microsoft.com/office/drawing/2014/main" id="{318929D9-A1D0-469D-B7FD-60BE5EEDA363}"/>
               </a:ext>
             </a:extLst>
           </p:cNvPr>
@@ -1697,7 +1708,7 @@
           <p:cNvPr id="4" name="내용 개체 틀 3">
             <a:extLst>
               <a:ext uri="{FF2B5EF4-FFF2-40B4-BE49-F238E27FC236}">
-                <a16:creationId xmlns:a16="http://schemas.microsoft.com/office/drawing/2014/main" xmlns="" id="{0980A01F-AEE7-4400-94A8-B2DD946548C9}"/>
+                <a16:creationId xmlns:a16="http://schemas.microsoft.com/office/drawing/2014/main" id="{0980A01F-AEE7-4400-94A8-B2DD946548C9}"/>
               </a:ext>
             </a:extLst>
           </p:cNvPr>
@@ -1759,7 +1770,7 @@
           <p:cNvPr id="5" name="날짜 개체 틀 4">
             <a:extLst>
               <a:ext uri="{FF2B5EF4-FFF2-40B4-BE49-F238E27FC236}">
-                <a16:creationId xmlns:a16="http://schemas.microsoft.com/office/drawing/2014/main" xmlns="" id="{1B1F0DAD-48B3-4A04-A6CB-8E07B26D0847}"/>
+                <a16:creationId xmlns:a16="http://schemas.microsoft.com/office/drawing/2014/main" id="{1B1F0DAD-48B3-4A04-A6CB-8E07B26D0847}"/>
               </a:ext>
             </a:extLst>
           </p:cNvPr>
@@ -1777,7 +1788,7 @@
           <a:p>
             <a:fld id="{18E4296C-5229-424A-BA6C-1AFD24A20696}" type="datetimeFigureOut">
               <a:rPr lang="ko-KR" altLang="en-US" smtClean="0"/>
-              <a:t>2017-08-18</a:t>
+              <a:t>2017-08-19</a:t>
             </a:fld>
             <a:endParaRPr lang="ko-KR" altLang="en-US"/>
           </a:p>
@@ -1788,7 +1799,7 @@
           <p:cNvPr id="6" name="바닥글 개체 틀 5">
             <a:extLst>
               <a:ext uri="{FF2B5EF4-FFF2-40B4-BE49-F238E27FC236}">
-                <a16:creationId xmlns:a16="http://schemas.microsoft.com/office/drawing/2014/main" xmlns="" id="{7AC6EFFF-490E-4442-A1AD-E8642206C96C}"/>
+                <a16:creationId xmlns:a16="http://schemas.microsoft.com/office/drawing/2014/main" id="{7AC6EFFF-490E-4442-A1AD-E8642206C96C}"/>
               </a:ext>
             </a:extLst>
           </p:cNvPr>
@@ -1813,7 +1824,7 @@
           <p:cNvPr id="7" name="슬라이드 번호 개체 틀 6">
             <a:extLst>
               <a:ext uri="{FF2B5EF4-FFF2-40B4-BE49-F238E27FC236}">
-                <a16:creationId xmlns:a16="http://schemas.microsoft.com/office/drawing/2014/main" xmlns="" id="{30F13988-4AE7-4870-A9CD-F83FB87287BD}"/>
+                <a16:creationId xmlns:a16="http://schemas.microsoft.com/office/drawing/2014/main" id="{30F13988-4AE7-4870-A9CD-F83FB87287BD}"/>
               </a:ext>
             </a:extLst>
           </p:cNvPr>
@@ -1872,7 +1883,7 @@
           <p:cNvPr id="2" name="제목 1">
             <a:extLst>
               <a:ext uri="{FF2B5EF4-FFF2-40B4-BE49-F238E27FC236}">
-                <a16:creationId xmlns:a16="http://schemas.microsoft.com/office/drawing/2014/main" xmlns="" id="{8C247B17-7561-4521-A8D8-51E7DE173183}"/>
+                <a16:creationId xmlns:a16="http://schemas.microsoft.com/office/drawing/2014/main" id="{8C247B17-7561-4521-A8D8-51E7DE173183}"/>
               </a:ext>
             </a:extLst>
           </p:cNvPr>
@@ -1905,7 +1916,7 @@
           <p:cNvPr id="3" name="텍스트 개체 틀 2">
             <a:extLst>
               <a:ext uri="{FF2B5EF4-FFF2-40B4-BE49-F238E27FC236}">
-                <a16:creationId xmlns:a16="http://schemas.microsoft.com/office/drawing/2014/main" xmlns="" id="{4B993BF0-388D-436D-8D81-6BA299103834}"/>
+                <a16:creationId xmlns:a16="http://schemas.microsoft.com/office/drawing/2014/main" id="{4B993BF0-388D-436D-8D81-6BA299103834}"/>
               </a:ext>
             </a:extLst>
           </p:cNvPr>
@@ -1976,7 +1987,7 @@
           <p:cNvPr id="4" name="내용 개체 틀 3">
             <a:extLst>
               <a:ext uri="{FF2B5EF4-FFF2-40B4-BE49-F238E27FC236}">
-                <a16:creationId xmlns:a16="http://schemas.microsoft.com/office/drawing/2014/main" xmlns="" id="{B2D24AC6-1AD5-4E13-87D9-87DED0680E69}"/>
+                <a16:creationId xmlns:a16="http://schemas.microsoft.com/office/drawing/2014/main" id="{B2D24AC6-1AD5-4E13-87D9-87DED0680E69}"/>
               </a:ext>
             </a:extLst>
           </p:cNvPr>
@@ -2038,7 +2049,7 @@
           <p:cNvPr id="5" name="텍스트 개체 틀 4">
             <a:extLst>
               <a:ext uri="{FF2B5EF4-FFF2-40B4-BE49-F238E27FC236}">
-                <a16:creationId xmlns:a16="http://schemas.microsoft.com/office/drawing/2014/main" xmlns="" id="{4C22DFF1-6A1F-4760-8AEC-C941A1CA8292}"/>
+                <a16:creationId xmlns:a16="http://schemas.microsoft.com/office/drawing/2014/main" id="{4C22DFF1-6A1F-4760-8AEC-C941A1CA8292}"/>
               </a:ext>
             </a:extLst>
           </p:cNvPr>
@@ -2109,7 +2120,7 @@
           <p:cNvPr id="6" name="내용 개체 틀 5">
             <a:extLst>
               <a:ext uri="{FF2B5EF4-FFF2-40B4-BE49-F238E27FC236}">
-                <a16:creationId xmlns:a16="http://schemas.microsoft.com/office/drawing/2014/main" xmlns="" id="{34057209-4690-4819-BB81-5193C9A1D1C4}"/>
+                <a16:creationId xmlns:a16="http://schemas.microsoft.com/office/drawing/2014/main" id="{34057209-4690-4819-BB81-5193C9A1D1C4}"/>
               </a:ext>
             </a:extLst>
           </p:cNvPr>
@@ -2171,7 +2182,7 @@
           <p:cNvPr id="7" name="날짜 개체 틀 6">
             <a:extLst>
               <a:ext uri="{FF2B5EF4-FFF2-40B4-BE49-F238E27FC236}">
-                <a16:creationId xmlns:a16="http://schemas.microsoft.com/office/drawing/2014/main" xmlns="" id="{75F6D4E3-DEDA-4FF3-9C26-EA83FC487D94}"/>
+                <a16:creationId xmlns:a16="http://schemas.microsoft.com/office/drawing/2014/main" id="{75F6D4E3-DEDA-4FF3-9C26-EA83FC487D94}"/>
               </a:ext>
             </a:extLst>
           </p:cNvPr>
@@ -2189,7 +2200,7 @@
           <a:p>
             <a:fld id="{18E4296C-5229-424A-BA6C-1AFD24A20696}" type="datetimeFigureOut">
               <a:rPr lang="ko-KR" altLang="en-US" smtClean="0"/>
-              <a:t>2017-08-18</a:t>
+              <a:t>2017-08-19</a:t>
             </a:fld>
             <a:endParaRPr lang="ko-KR" altLang="en-US"/>
           </a:p>
@@ -2200,7 +2211,7 @@
           <p:cNvPr id="8" name="바닥글 개체 틀 7">
             <a:extLst>
               <a:ext uri="{FF2B5EF4-FFF2-40B4-BE49-F238E27FC236}">
-                <a16:creationId xmlns:a16="http://schemas.microsoft.com/office/drawing/2014/main" xmlns="" id="{36191DDC-70AD-412B-ADAF-DE8BF95C5A7F}"/>
+                <a16:creationId xmlns:a16="http://schemas.microsoft.com/office/drawing/2014/main" id="{36191DDC-70AD-412B-ADAF-DE8BF95C5A7F}"/>
               </a:ext>
             </a:extLst>
           </p:cNvPr>
@@ -2225,7 +2236,7 @@
           <p:cNvPr id="9" name="슬라이드 번호 개체 틀 8">
             <a:extLst>
               <a:ext uri="{FF2B5EF4-FFF2-40B4-BE49-F238E27FC236}">
-                <a16:creationId xmlns:a16="http://schemas.microsoft.com/office/drawing/2014/main" xmlns="" id="{224FA5AE-DEC6-43E5-915F-7C9B7E6D39E4}"/>
+                <a16:creationId xmlns:a16="http://schemas.microsoft.com/office/drawing/2014/main" id="{224FA5AE-DEC6-43E5-915F-7C9B7E6D39E4}"/>
               </a:ext>
             </a:extLst>
           </p:cNvPr>
@@ -2284,7 +2295,7 @@
           <p:cNvPr id="2" name="제목 1">
             <a:extLst>
               <a:ext uri="{FF2B5EF4-FFF2-40B4-BE49-F238E27FC236}">
-                <a16:creationId xmlns:a16="http://schemas.microsoft.com/office/drawing/2014/main" xmlns="" id="{93218A32-9CE6-486B-ACE9-9E02AE9B30D8}"/>
+                <a16:creationId xmlns:a16="http://schemas.microsoft.com/office/drawing/2014/main" id="{93218A32-9CE6-486B-ACE9-9E02AE9B30D8}"/>
               </a:ext>
             </a:extLst>
           </p:cNvPr>
@@ -2312,7 +2323,7 @@
           <p:cNvPr id="3" name="날짜 개체 틀 2">
             <a:extLst>
               <a:ext uri="{FF2B5EF4-FFF2-40B4-BE49-F238E27FC236}">
-                <a16:creationId xmlns:a16="http://schemas.microsoft.com/office/drawing/2014/main" xmlns="" id="{479E2557-2DF3-4B1E-A52E-5D9963865AC2}"/>
+                <a16:creationId xmlns:a16="http://schemas.microsoft.com/office/drawing/2014/main" id="{479E2557-2DF3-4B1E-A52E-5D9963865AC2}"/>
               </a:ext>
             </a:extLst>
           </p:cNvPr>
@@ -2330,7 +2341,7 @@
           <a:p>
             <a:fld id="{18E4296C-5229-424A-BA6C-1AFD24A20696}" type="datetimeFigureOut">
               <a:rPr lang="ko-KR" altLang="en-US" smtClean="0"/>
-              <a:t>2017-08-18</a:t>
+              <a:t>2017-08-19</a:t>
             </a:fld>
             <a:endParaRPr lang="ko-KR" altLang="en-US"/>
           </a:p>
@@ -2341,7 +2352,7 @@
           <p:cNvPr id="4" name="바닥글 개체 틀 3">
             <a:extLst>
               <a:ext uri="{FF2B5EF4-FFF2-40B4-BE49-F238E27FC236}">
-                <a16:creationId xmlns:a16="http://schemas.microsoft.com/office/drawing/2014/main" xmlns="" id="{DA48667C-674A-473F-B7EA-9AB9456DA171}"/>
+                <a16:creationId xmlns:a16="http://schemas.microsoft.com/office/drawing/2014/main" id="{DA48667C-674A-473F-B7EA-9AB9456DA171}"/>
               </a:ext>
             </a:extLst>
           </p:cNvPr>
@@ -2366,7 +2377,7 @@
           <p:cNvPr id="5" name="슬라이드 번호 개체 틀 4">
             <a:extLst>
               <a:ext uri="{FF2B5EF4-FFF2-40B4-BE49-F238E27FC236}">
-                <a16:creationId xmlns:a16="http://schemas.microsoft.com/office/drawing/2014/main" xmlns="" id="{1AA1FB4B-1594-4773-8103-00FA2CA40B65}"/>
+                <a16:creationId xmlns:a16="http://schemas.microsoft.com/office/drawing/2014/main" id="{1AA1FB4B-1594-4773-8103-00FA2CA40B65}"/>
               </a:ext>
             </a:extLst>
           </p:cNvPr>
@@ -2425,7 +2436,7 @@
           <p:cNvPr id="2" name="날짜 개체 틀 1">
             <a:extLst>
               <a:ext uri="{FF2B5EF4-FFF2-40B4-BE49-F238E27FC236}">
-                <a16:creationId xmlns:a16="http://schemas.microsoft.com/office/drawing/2014/main" xmlns="" id="{06BB99C6-7A03-4F29-9C47-06F6FA0ED107}"/>
+                <a16:creationId xmlns:a16="http://schemas.microsoft.com/office/drawing/2014/main" id="{06BB99C6-7A03-4F29-9C47-06F6FA0ED107}"/>
               </a:ext>
             </a:extLst>
           </p:cNvPr>
@@ -2443,7 +2454,7 @@
           <a:p>
             <a:fld id="{18E4296C-5229-424A-BA6C-1AFD24A20696}" type="datetimeFigureOut">
               <a:rPr lang="ko-KR" altLang="en-US" smtClean="0"/>
-              <a:t>2017-08-18</a:t>
+              <a:t>2017-08-19</a:t>
             </a:fld>
             <a:endParaRPr lang="ko-KR" altLang="en-US"/>
           </a:p>
@@ -2454,7 +2465,7 @@
           <p:cNvPr id="3" name="바닥글 개체 틀 2">
             <a:extLst>
               <a:ext uri="{FF2B5EF4-FFF2-40B4-BE49-F238E27FC236}">
-                <a16:creationId xmlns:a16="http://schemas.microsoft.com/office/drawing/2014/main" xmlns="" id="{9984AD06-F2B1-4EF5-B99B-38B94B47ACCD}"/>
+                <a16:creationId xmlns:a16="http://schemas.microsoft.com/office/drawing/2014/main" id="{9984AD06-F2B1-4EF5-B99B-38B94B47ACCD}"/>
               </a:ext>
             </a:extLst>
           </p:cNvPr>
@@ -2479,7 +2490,7 @@
           <p:cNvPr id="4" name="슬라이드 번호 개체 틀 3">
             <a:extLst>
               <a:ext uri="{FF2B5EF4-FFF2-40B4-BE49-F238E27FC236}">
-                <a16:creationId xmlns:a16="http://schemas.microsoft.com/office/drawing/2014/main" xmlns="" id="{E21157B1-F4D7-4CA1-A70C-726C7F42A95B}"/>
+                <a16:creationId xmlns:a16="http://schemas.microsoft.com/office/drawing/2014/main" id="{E21157B1-F4D7-4CA1-A70C-726C7F42A95B}"/>
               </a:ext>
             </a:extLst>
           </p:cNvPr>
@@ -2538,7 +2549,7 @@
           <p:cNvPr id="2" name="제목 1">
             <a:extLst>
               <a:ext uri="{FF2B5EF4-FFF2-40B4-BE49-F238E27FC236}">
-                <a16:creationId xmlns:a16="http://schemas.microsoft.com/office/drawing/2014/main" xmlns="" id="{B80CD09E-5A40-49D6-A7B5-91D7D263E5C2}"/>
+                <a16:creationId xmlns:a16="http://schemas.microsoft.com/office/drawing/2014/main" id="{B80CD09E-5A40-49D6-A7B5-91D7D263E5C2}"/>
               </a:ext>
             </a:extLst>
           </p:cNvPr>
@@ -2575,7 +2586,7 @@
           <p:cNvPr id="3" name="내용 개체 틀 2">
             <a:extLst>
               <a:ext uri="{FF2B5EF4-FFF2-40B4-BE49-F238E27FC236}">
-                <a16:creationId xmlns:a16="http://schemas.microsoft.com/office/drawing/2014/main" xmlns="" id="{480888DA-FBB2-4193-8932-008C187CB51D}"/>
+                <a16:creationId xmlns:a16="http://schemas.microsoft.com/office/drawing/2014/main" id="{480888DA-FBB2-4193-8932-008C187CB51D}"/>
               </a:ext>
             </a:extLst>
           </p:cNvPr>
@@ -2665,7 +2676,7 @@
           <p:cNvPr id="4" name="텍스트 개체 틀 3">
             <a:extLst>
               <a:ext uri="{FF2B5EF4-FFF2-40B4-BE49-F238E27FC236}">
-                <a16:creationId xmlns:a16="http://schemas.microsoft.com/office/drawing/2014/main" xmlns="" id="{9EF22A67-4E69-4845-ACFB-15BD330FDB4E}"/>
+                <a16:creationId xmlns:a16="http://schemas.microsoft.com/office/drawing/2014/main" id="{9EF22A67-4E69-4845-ACFB-15BD330FDB4E}"/>
               </a:ext>
             </a:extLst>
           </p:cNvPr>
@@ -2736,7 +2747,7 @@
           <p:cNvPr id="5" name="날짜 개체 틀 4">
             <a:extLst>
               <a:ext uri="{FF2B5EF4-FFF2-40B4-BE49-F238E27FC236}">
-                <a16:creationId xmlns:a16="http://schemas.microsoft.com/office/drawing/2014/main" xmlns="" id="{E06AFFA1-0EF9-4318-9F15-C35F00DF4D3A}"/>
+                <a16:creationId xmlns:a16="http://schemas.microsoft.com/office/drawing/2014/main" id="{E06AFFA1-0EF9-4318-9F15-C35F00DF4D3A}"/>
               </a:ext>
             </a:extLst>
           </p:cNvPr>
@@ -2754,7 +2765,7 @@
           <a:p>
             <a:fld id="{18E4296C-5229-424A-BA6C-1AFD24A20696}" type="datetimeFigureOut">
               <a:rPr lang="ko-KR" altLang="en-US" smtClean="0"/>
-              <a:t>2017-08-18</a:t>
+              <a:t>2017-08-19</a:t>
             </a:fld>
             <a:endParaRPr lang="ko-KR" altLang="en-US"/>
           </a:p>
@@ -2765,7 +2776,7 @@
           <p:cNvPr id="6" name="바닥글 개체 틀 5">
             <a:extLst>
               <a:ext uri="{FF2B5EF4-FFF2-40B4-BE49-F238E27FC236}">
-                <a16:creationId xmlns:a16="http://schemas.microsoft.com/office/drawing/2014/main" xmlns="" id="{C4C95F88-E0CE-4EC6-9A48-9826B2B7F485}"/>
+                <a16:creationId xmlns:a16="http://schemas.microsoft.com/office/drawing/2014/main" id="{C4C95F88-E0CE-4EC6-9A48-9826B2B7F485}"/>
               </a:ext>
             </a:extLst>
           </p:cNvPr>
@@ -2790,7 +2801,7 @@
           <p:cNvPr id="7" name="슬라이드 번호 개체 틀 6">
             <a:extLst>
               <a:ext uri="{FF2B5EF4-FFF2-40B4-BE49-F238E27FC236}">
-                <a16:creationId xmlns:a16="http://schemas.microsoft.com/office/drawing/2014/main" xmlns="" id="{AD733B07-A72B-49D7-ACD3-4A8A40B0F7A5}"/>
+                <a16:creationId xmlns:a16="http://schemas.microsoft.com/office/drawing/2014/main" id="{AD733B07-A72B-49D7-ACD3-4A8A40B0F7A5}"/>
               </a:ext>
             </a:extLst>
           </p:cNvPr>
@@ -2849,7 +2860,7 @@
           <p:cNvPr id="2" name="제목 1">
             <a:extLst>
               <a:ext uri="{FF2B5EF4-FFF2-40B4-BE49-F238E27FC236}">
-                <a16:creationId xmlns:a16="http://schemas.microsoft.com/office/drawing/2014/main" xmlns="" id="{6EA3AFCC-5F3E-4F0B-A1AF-766F9A35BFE1}"/>
+                <a16:creationId xmlns:a16="http://schemas.microsoft.com/office/drawing/2014/main" id="{6EA3AFCC-5F3E-4F0B-A1AF-766F9A35BFE1}"/>
               </a:ext>
             </a:extLst>
           </p:cNvPr>
@@ -2886,7 +2897,7 @@
           <p:cNvPr id="3" name="그림 개체 틀 2">
             <a:extLst>
               <a:ext uri="{FF2B5EF4-FFF2-40B4-BE49-F238E27FC236}">
-                <a16:creationId xmlns:a16="http://schemas.microsoft.com/office/drawing/2014/main" xmlns="" id="{5FDACBF2-AAA8-45D3-9F12-F3B4B8B54C84}"/>
+                <a16:creationId xmlns:a16="http://schemas.microsoft.com/office/drawing/2014/main" id="{5FDACBF2-AAA8-45D3-9F12-F3B4B8B54C84}"/>
               </a:ext>
             </a:extLst>
           </p:cNvPr>
@@ -2953,7 +2964,7 @@
           <p:cNvPr id="4" name="텍스트 개체 틀 3">
             <a:extLst>
               <a:ext uri="{FF2B5EF4-FFF2-40B4-BE49-F238E27FC236}">
-                <a16:creationId xmlns:a16="http://schemas.microsoft.com/office/drawing/2014/main" xmlns="" id="{14F8C726-8C10-47C9-A5D7-760D2AC56666}"/>
+                <a16:creationId xmlns:a16="http://schemas.microsoft.com/office/drawing/2014/main" id="{14F8C726-8C10-47C9-A5D7-760D2AC56666}"/>
               </a:ext>
             </a:extLst>
           </p:cNvPr>
@@ -3024,7 +3035,7 @@
           <p:cNvPr id="5" name="날짜 개체 틀 4">
             <a:extLst>
               <a:ext uri="{FF2B5EF4-FFF2-40B4-BE49-F238E27FC236}">
-                <a16:creationId xmlns:a16="http://schemas.microsoft.com/office/drawing/2014/main" xmlns="" id="{618AFF75-026E-4B00-8AC7-7923E7379B73}"/>
+                <a16:creationId xmlns:a16="http://schemas.microsoft.com/office/drawing/2014/main" id="{618AFF75-026E-4B00-8AC7-7923E7379B73}"/>
               </a:ext>
             </a:extLst>
           </p:cNvPr>
@@ -3042,7 +3053,7 @@
           <a:p>
             <a:fld id="{18E4296C-5229-424A-BA6C-1AFD24A20696}" type="datetimeFigureOut">
               <a:rPr lang="ko-KR" altLang="en-US" smtClean="0"/>
-              <a:t>2017-08-18</a:t>
+              <a:t>2017-08-19</a:t>
             </a:fld>
             <a:endParaRPr lang="ko-KR" altLang="en-US"/>
           </a:p>
@@ -3053,7 +3064,7 @@
           <p:cNvPr id="6" name="바닥글 개체 틀 5">
             <a:extLst>
               <a:ext uri="{FF2B5EF4-FFF2-40B4-BE49-F238E27FC236}">
-                <a16:creationId xmlns:a16="http://schemas.microsoft.com/office/drawing/2014/main" xmlns="" id="{E0B5EB30-6E53-42AD-AAFC-6622F4D2D3E9}"/>
+                <a16:creationId xmlns:a16="http://schemas.microsoft.com/office/drawing/2014/main" id="{E0B5EB30-6E53-42AD-AAFC-6622F4D2D3E9}"/>
               </a:ext>
             </a:extLst>
           </p:cNvPr>
@@ -3078,7 +3089,7 @@
           <p:cNvPr id="7" name="슬라이드 번호 개체 틀 6">
             <a:extLst>
               <a:ext uri="{FF2B5EF4-FFF2-40B4-BE49-F238E27FC236}">
-                <a16:creationId xmlns:a16="http://schemas.microsoft.com/office/drawing/2014/main" xmlns="" id="{63899724-A40E-41F7-8A12-7F65ECA7F2B9}"/>
+                <a16:creationId xmlns:a16="http://schemas.microsoft.com/office/drawing/2014/main" id="{63899724-A40E-41F7-8A12-7F65ECA7F2B9}"/>
               </a:ext>
             </a:extLst>
           </p:cNvPr>
@@ -3142,7 +3153,7 @@
           <p:cNvPr id="2" name="제목 개체 틀 1">
             <a:extLst>
               <a:ext uri="{FF2B5EF4-FFF2-40B4-BE49-F238E27FC236}">
-                <a16:creationId xmlns:a16="http://schemas.microsoft.com/office/drawing/2014/main" xmlns="" id="{A569FB37-F1C2-41FA-93E3-A7E5B1DB2E5F}"/>
+                <a16:creationId xmlns:a16="http://schemas.microsoft.com/office/drawing/2014/main" id="{A569FB37-F1C2-41FA-93E3-A7E5B1DB2E5F}"/>
               </a:ext>
             </a:extLst>
           </p:cNvPr>
@@ -3180,7 +3191,7 @@
           <p:cNvPr id="3" name="텍스트 개체 틀 2">
             <a:extLst>
               <a:ext uri="{FF2B5EF4-FFF2-40B4-BE49-F238E27FC236}">
-                <a16:creationId xmlns:a16="http://schemas.microsoft.com/office/drawing/2014/main" xmlns="" id="{3CA00594-968E-428F-B0B9-E9DBCC5F1FC5}"/>
+                <a16:creationId xmlns:a16="http://schemas.microsoft.com/office/drawing/2014/main" id="{3CA00594-968E-428F-B0B9-E9DBCC5F1FC5}"/>
               </a:ext>
             </a:extLst>
           </p:cNvPr>
@@ -3247,7 +3258,7 @@
           <p:cNvPr id="4" name="날짜 개체 틀 3">
             <a:extLst>
               <a:ext uri="{FF2B5EF4-FFF2-40B4-BE49-F238E27FC236}">
-                <a16:creationId xmlns:a16="http://schemas.microsoft.com/office/drawing/2014/main" xmlns="" id="{16DA013B-1D6B-4639-A7D3-108D0379D921}"/>
+                <a16:creationId xmlns:a16="http://schemas.microsoft.com/office/drawing/2014/main" id="{16DA013B-1D6B-4639-A7D3-108D0379D921}"/>
               </a:ext>
             </a:extLst>
           </p:cNvPr>
@@ -3283,7 +3294,7 @@
           <a:p>
             <a:fld id="{18E4296C-5229-424A-BA6C-1AFD24A20696}" type="datetimeFigureOut">
               <a:rPr lang="ko-KR" altLang="en-US" smtClean="0"/>
-              <a:t>2017-08-18</a:t>
+              <a:t>2017-08-19</a:t>
             </a:fld>
             <a:endParaRPr lang="ko-KR" altLang="en-US"/>
           </a:p>
@@ -3294,7 +3305,7 @@
           <p:cNvPr id="5" name="바닥글 개체 틀 4">
             <a:extLst>
               <a:ext uri="{FF2B5EF4-FFF2-40B4-BE49-F238E27FC236}">
-                <a16:creationId xmlns:a16="http://schemas.microsoft.com/office/drawing/2014/main" xmlns="" id="{60ED0BBC-B4B2-4AB1-BE8E-D3D20E817521}"/>
+                <a16:creationId xmlns:a16="http://schemas.microsoft.com/office/drawing/2014/main" id="{60ED0BBC-B4B2-4AB1-BE8E-D3D20E817521}"/>
               </a:ext>
             </a:extLst>
           </p:cNvPr>
@@ -3337,7 +3348,7 @@
           <p:cNvPr id="6" name="슬라이드 번호 개체 틀 5">
             <a:extLst>
               <a:ext uri="{FF2B5EF4-FFF2-40B4-BE49-F238E27FC236}">
-                <a16:creationId xmlns:a16="http://schemas.microsoft.com/office/drawing/2014/main" xmlns="" id="{FD88FCDD-1E74-4AA2-B3F9-8006C8BE4B80}"/>
+                <a16:creationId xmlns:a16="http://schemas.microsoft.com/office/drawing/2014/main" id="{FD88FCDD-1E74-4AA2-B3F9-8006C8BE4B80}"/>
               </a:ext>
             </a:extLst>
           </p:cNvPr>
@@ -3713,7 +3724,7 @@
           <p:cNvPr id="20" name="그림 19">
             <a:extLst>
               <a:ext uri="{FF2B5EF4-FFF2-40B4-BE49-F238E27FC236}">
-                <a16:creationId xmlns:a16="http://schemas.microsoft.com/office/drawing/2014/main" xmlns="" id="{26B20C5C-158F-4609-AA5A-487B051418F6}"/>
+                <a16:creationId xmlns:a16="http://schemas.microsoft.com/office/drawing/2014/main" id="{26B20C5C-158F-4609-AA5A-487B051418F6}"/>
               </a:ext>
             </a:extLst>
           </p:cNvPr>
@@ -3750,7 +3761,7 @@
           <p:cNvPr id="29" name="그룹 28">
             <a:extLst>
               <a:ext uri="{FF2B5EF4-FFF2-40B4-BE49-F238E27FC236}">
-                <a16:creationId xmlns:a16="http://schemas.microsoft.com/office/drawing/2014/main" xmlns="" id="{14FA8D11-D8C2-4669-82E3-54D388C1C830}"/>
+                <a16:creationId xmlns:a16="http://schemas.microsoft.com/office/drawing/2014/main" id="{14FA8D11-D8C2-4669-82E3-54D388C1C830}"/>
               </a:ext>
             </a:extLst>
           </p:cNvPr>
@@ -3770,7 +3781,7 @@
             <p:cNvPr id="5" name="그림 4">
               <a:extLst>
                 <a:ext uri="{FF2B5EF4-FFF2-40B4-BE49-F238E27FC236}">
-                  <a16:creationId xmlns:a16="http://schemas.microsoft.com/office/drawing/2014/main" xmlns="" id="{4FCD08F2-2C19-4190-86C8-A5FC143B9E87}"/>
+                  <a16:creationId xmlns:a16="http://schemas.microsoft.com/office/drawing/2014/main" id="{4FCD08F2-2C19-4190-86C8-A5FC143B9E87}"/>
                 </a:ext>
               </a:extLst>
             </p:cNvPr>
@@ -3808,7 +3819,7 @@
             <p:cNvPr id="21" name="그림 20">
               <a:extLst>
                 <a:ext uri="{FF2B5EF4-FFF2-40B4-BE49-F238E27FC236}">
-                  <a16:creationId xmlns:a16="http://schemas.microsoft.com/office/drawing/2014/main" xmlns="" id="{B83BE15B-07E0-4DDA-822E-86CEE6142720}"/>
+                  <a16:creationId xmlns:a16="http://schemas.microsoft.com/office/drawing/2014/main" id="{B83BE15B-07E0-4DDA-822E-86CEE6142720}"/>
                 </a:ext>
               </a:extLst>
             </p:cNvPr>
@@ -3847,7 +3858,7 @@
           <p:cNvPr id="28" name="그림 27">
             <a:extLst>
               <a:ext uri="{FF2B5EF4-FFF2-40B4-BE49-F238E27FC236}">
-                <a16:creationId xmlns:a16="http://schemas.microsoft.com/office/drawing/2014/main" xmlns="" id="{243B1C89-2027-452B-A06A-7AA690178025}"/>
+                <a16:creationId xmlns:a16="http://schemas.microsoft.com/office/drawing/2014/main" id="{243B1C89-2027-452B-A06A-7AA690178025}"/>
               </a:ext>
             </a:extLst>
           </p:cNvPr>
@@ -3883,7 +3894,7 @@
           <p:cNvPr id="3" name="그림 2">
             <a:extLst>
               <a:ext uri="{FF2B5EF4-FFF2-40B4-BE49-F238E27FC236}">
-                <a16:creationId xmlns:a16="http://schemas.microsoft.com/office/drawing/2014/main" xmlns="" id="{5F36DE23-2FB9-4CB0-B926-FBEC1A509403}"/>
+                <a16:creationId xmlns:a16="http://schemas.microsoft.com/office/drawing/2014/main" id="{5F36DE23-2FB9-4CB0-B926-FBEC1A509403}"/>
               </a:ext>
             </a:extLst>
           </p:cNvPr>
@@ -4209,12 +4220,1290 @@
           <a:chExt cx="0" cy="0"/>
         </a:xfrm>
       </p:grpSpPr>
+      <p:sp>
+        <p:nvSpPr>
+          <p:cNvPr id="4" name="직사각형 3">
+            <a:extLst>
+              <a:ext uri="{FF2B5EF4-FFF2-40B4-BE49-F238E27FC236}">
+                <a16:creationId xmlns:a16="http://schemas.microsoft.com/office/drawing/2014/main" id="{79290544-BADD-4BB5-AB18-D4C4569ACBF1}"/>
+              </a:ext>
+            </a:extLst>
+          </p:cNvPr>
+          <p:cNvSpPr/>
+          <p:nvPr/>
+        </p:nvSpPr>
+        <p:spPr>
+          <a:xfrm>
+            <a:off x="0" y="875211"/>
+            <a:ext cx="12192000" cy="5138058"/>
+          </a:xfrm>
+          <a:prstGeom prst="rect">
+            <a:avLst/>
+          </a:prstGeom>
+          <a:solidFill>
+            <a:schemeClr val="bg1"/>
+          </a:solidFill>
+        </p:spPr>
+        <p:style>
+          <a:lnRef idx="2">
+            <a:schemeClr val="accent1">
+              <a:shade val="50000"/>
+            </a:schemeClr>
+          </a:lnRef>
+          <a:fillRef idx="1">
+            <a:schemeClr val="accent1"/>
+          </a:fillRef>
+          <a:effectRef idx="0">
+            <a:schemeClr val="accent1"/>
+          </a:effectRef>
+          <a:fontRef idx="minor">
+            <a:schemeClr val="lt1"/>
+          </a:fontRef>
+        </p:style>
+        <p:txBody>
+          <a:bodyPr rtlCol="0" anchor="ctr"/>
+          <a:lstStyle/>
+          <a:p>
+            <a:pPr algn="ctr"/>
+            <a:endParaRPr lang="ko-KR" altLang="en-US">
+              <a:solidFill>
+                <a:schemeClr val="bg1"/>
+              </a:solidFill>
+            </a:endParaRPr>
+          </a:p>
+        </p:txBody>
+      </p:sp>
+      <p:pic>
+        <p:nvPicPr>
+          <p:cNvPr id="5" name="그림 4">
+            <a:extLst>
+              <a:ext uri="{FF2B5EF4-FFF2-40B4-BE49-F238E27FC236}">
+                <a16:creationId xmlns:a16="http://schemas.microsoft.com/office/drawing/2014/main" id="{9804FF94-E009-4DEE-8800-64F35DD3C5F8}"/>
+              </a:ext>
+            </a:extLst>
+          </p:cNvPr>
+          <p:cNvPicPr>
+            <a:picLocks noChangeAspect="1"/>
+          </p:cNvPicPr>
+          <p:nvPr/>
+        </p:nvPicPr>
+        <p:blipFill>
+          <a:blip r:embed="rId3">
+            <a:biLevel thresh="25000"/>
+            <a:extLst>
+              <a:ext uri="{28A0092B-C50C-407E-A947-70E740481C1C}">
+                <a14:useLocalDpi xmlns:a14="http://schemas.microsoft.com/office/drawing/2010/main" val="0"/>
+              </a:ext>
+            </a:extLst>
+          </a:blip>
+          <a:stretch>
+            <a:fillRect/>
+          </a:stretch>
+        </p:blipFill>
+        <p:spPr>
+          <a:xfrm>
+            <a:off x="176231" y="185583"/>
+            <a:ext cx="291510" cy="472600"/>
+          </a:xfrm>
+          <a:prstGeom prst="rect">
+            <a:avLst/>
+          </a:prstGeom>
+        </p:spPr>
+      </p:pic>
+      <p:graphicFrame>
+        <p:nvGraphicFramePr>
+          <p:cNvPr id="7" name="개체 6">
+            <a:extLst>
+              <a:ext uri="{FF2B5EF4-FFF2-40B4-BE49-F238E27FC236}">
+                <a16:creationId xmlns:a16="http://schemas.microsoft.com/office/drawing/2014/main" id="{70D06034-3B58-4132-B530-7E8EFFDBF094}"/>
+              </a:ext>
+            </a:extLst>
+          </p:cNvPr>
+          <p:cNvGraphicFramePr>
+            <a:graphicFrameLocks noChangeAspect="1"/>
+          </p:cNvGraphicFramePr>
+          <p:nvPr/>
+        </p:nvGraphicFramePr>
+        <p:xfrm>
+          <a:off x="4781550" y="3122613"/>
+          <a:ext cx="2628900" cy="609600"/>
+        </p:xfrm>
+        <a:graphic>
+          <a:graphicData uri="http://schemas.openxmlformats.org/presentationml/2006/ole">
+            <mc:AlternateContent xmlns:mc="http://schemas.openxmlformats.org/markup-compatibility/2006">
+              <mc:Choice xmlns:v="urn:schemas-microsoft-com:vml" Requires="v">
+                <p:oleObj spid="_x0000_s27664" r:id="rId4" imgW="2628360" imgH="609480" progId="">
+                  <p:embed/>
+                </p:oleObj>
+              </mc:Choice>
+              <mc:Fallback>
+                <p:oleObj r:id="rId4" imgW="2628360" imgH="609480" progId="">
+                  <p:embed/>
+                  <p:pic>
+                    <p:nvPicPr>
+                      <p:cNvPr id="0" name=""/>
+                      <p:cNvPicPr/>
+                      <p:nvPr/>
+                    </p:nvPicPr>
+                    <p:blipFill>
+                      <a:blip r:embed="rId5"/>
+                      <a:stretch>
+                        <a:fillRect/>
+                      </a:stretch>
+                    </p:blipFill>
+                    <p:spPr>
+                      <a:xfrm>
+                        <a:off x="4781550" y="3122613"/>
+                        <a:ext cx="2628900" cy="609600"/>
+                      </a:xfrm>
+                      <a:prstGeom prst="rect">
+                        <a:avLst/>
+                      </a:prstGeom>
+                    </p:spPr>
+                  </p:pic>
+                </p:oleObj>
+              </mc:Fallback>
+            </mc:AlternateContent>
+          </a:graphicData>
+        </a:graphic>
+      </p:graphicFrame>
+      <p:grpSp>
+        <p:nvGrpSpPr>
+          <p:cNvPr id="18" name="그룹 17">
+            <a:extLst>
+              <a:ext uri="{FF2B5EF4-FFF2-40B4-BE49-F238E27FC236}">
+                <a16:creationId xmlns:a16="http://schemas.microsoft.com/office/drawing/2014/main" id="{2906A96E-AE70-4CBA-A3D6-7326232CCD38}"/>
+              </a:ext>
+            </a:extLst>
+          </p:cNvPr>
+          <p:cNvGrpSpPr/>
+          <p:nvPr/>
+        </p:nvGrpSpPr>
+        <p:grpSpPr>
+          <a:xfrm>
+            <a:off x="11585256" y="6110895"/>
+            <a:ext cx="387670" cy="699480"/>
+            <a:chOff x="5479730" y="1917703"/>
+            <a:chExt cx="1488861" cy="2686379"/>
+          </a:xfrm>
+        </p:grpSpPr>
+        <p:pic>
+          <p:nvPicPr>
+            <p:cNvPr id="19" name="그림 18">
+              <a:extLst>
+                <a:ext uri="{FF2B5EF4-FFF2-40B4-BE49-F238E27FC236}">
+                  <a16:creationId xmlns:a16="http://schemas.microsoft.com/office/drawing/2014/main" id="{5E6D51A9-BA62-4876-83B4-2EBD80AC33F2}"/>
+                </a:ext>
+              </a:extLst>
+            </p:cNvPr>
+            <p:cNvPicPr>
+              <a:picLocks noChangeAspect="1"/>
+            </p:cNvPicPr>
+            <p:nvPr/>
+          </p:nvPicPr>
+          <p:blipFill>
+            <a:blip r:embed="rId6" cstate="print">
+              <a:biLevel thresh="25000"/>
+              <a:extLst>
+                <a:ext uri="{28A0092B-C50C-407E-A947-70E740481C1C}">
+                  <a14:useLocalDpi xmlns:a14="http://schemas.microsoft.com/office/drawing/2010/main" val="0"/>
+                </a:ext>
+              </a:extLst>
+            </a:blip>
+            <a:stretch>
+              <a:fillRect/>
+            </a:stretch>
+          </p:blipFill>
+          <p:spPr>
+            <a:xfrm>
+              <a:off x="5945295" y="1917703"/>
+              <a:ext cx="588660" cy="954343"/>
+            </a:xfrm>
+            <a:prstGeom prst="rect">
+              <a:avLst/>
+            </a:prstGeom>
+          </p:spPr>
+        </p:pic>
+        <p:grpSp>
+          <p:nvGrpSpPr>
+            <p:cNvPr id="20" name="그룹 19">
+              <a:extLst>
+                <a:ext uri="{FF2B5EF4-FFF2-40B4-BE49-F238E27FC236}">
+                  <a16:creationId xmlns:a16="http://schemas.microsoft.com/office/drawing/2014/main" id="{1476DE7F-FD5A-4025-923C-5A2ACABE130F}"/>
+                </a:ext>
+              </a:extLst>
+            </p:cNvPr>
+            <p:cNvGrpSpPr/>
+            <p:nvPr/>
+          </p:nvGrpSpPr>
+          <p:grpSpPr>
+            <a:xfrm>
+              <a:off x="5479730" y="2931603"/>
+              <a:ext cx="1488861" cy="1672479"/>
+              <a:chOff x="5479730" y="2931603"/>
+              <a:chExt cx="1488861" cy="1672479"/>
+            </a:xfrm>
+          </p:grpSpPr>
+          <p:pic>
+            <p:nvPicPr>
+              <p:cNvPr id="21" name="그림 20">
+                <a:extLst>
+                  <a:ext uri="{FF2B5EF4-FFF2-40B4-BE49-F238E27FC236}">
+                    <a16:creationId xmlns:a16="http://schemas.microsoft.com/office/drawing/2014/main" id="{B5515AC8-55CE-4E7B-BBF2-3258D64521F0}"/>
+                  </a:ext>
+                </a:extLst>
+              </p:cNvPr>
+              <p:cNvPicPr>
+                <a:picLocks noChangeAspect="1"/>
+              </p:cNvPicPr>
+              <p:nvPr/>
+            </p:nvPicPr>
+            <p:blipFill rotWithShape="1">
+              <a:blip r:embed="rId7" cstate="print">
+                <a:extLst>
+                  <a:ext uri="{28A0092B-C50C-407E-A947-70E740481C1C}">
+                    <a14:useLocalDpi xmlns:a14="http://schemas.microsoft.com/office/drawing/2010/main" val="0"/>
+                  </a:ext>
+                </a:extLst>
+              </a:blip>
+              <a:srcRect t="88318"/>
+              <a:stretch/>
+            </p:blipFill>
+            <p:spPr>
+              <a:xfrm>
+                <a:off x="5571177" y="4320359"/>
+                <a:ext cx="1336897" cy="283723"/>
+              </a:xfrm>
+              <a:prstGeom prst="rect">
+                <a:avLst/>
+              </a:prstGeom>
+              <a:solidFill>
+                <a:srgbClr val="446897"/>
+              </a:solidFill>
+            </p:spPr>
+          </p:pic>
+          <p:pic>
+            <p:nvPicPr>
+              <p:cNvPr id="22" name="그림 21">
+                <a:extLst>
+                  <a:ext uri="{FF2B5EF4-FFF2-40B4-BE49-F238E27FC236}">
+                    <a16:creationId xmlns:a16="http://schemas.microsoft.com/office/drawing/2014/main" id="{98CF109D-0B35-4A01-95B2-3C58FC6AF8AC}"/>
+                  </a:ext>
+                </a:extLst>
+              </p:cNvPr>
+              <p:cNvPicPr>
+                <a:picLocks noChangeAspect="1"/>
+              </p:cNvPicPr>
+              <p:nvPr/>
+            </p:nvPicPr>
+            <p:blipFill>
+              <a:blip r:embed="rId8" cstate="print">
+                <a:biLevel thresh="25000"/>
+                <a:extLst>
+                  <a:ext uri="{28A0092B-C50C-407E-A947-70E740481C1C}">
+                    <a14:useLocalDpi xmlns:a14="http://schemas.microsoft.com/office/drawing/2010/main" val="0"/>
+                  </a:ext>
+                </a:extLst>
+              </a:blip>
+              <a:stretch>
+                <a:fillRect/>
+              </a:stretch>
+            </p:blipFill>
+            <p:spPr>
+              <a:xfrm>
+                <a:off x="5479730" y="2931603"/>
+                <a:ext cx="1488861" cy="1269642"/>
+              </a:xfrm>
+              <a:prstGeom prst="rect">
+                <a:avLst/>
+              </a:prstGeom>
+              <a:noFill/>
+            </p:spPr>
+          </p:pic>
+        </p:grpSp>
+      </p:grpSp>
+      <p:pic>
+        <p:nvPicPr>
+          <p:cNvPr id="3" name="그림 2">
+            <a:extLst>
+              <a:ext uri="{FF2B5EF4-FFF2-40B4-BE49-F238E27FC236}">
+                <a16:creationId xmlns:a16="http://schemas.microsoft.com/office/drawing/2014/main" id="{91EFF59A-B7F4-4D86-A025-595B4E7F6D99}"/>
+              </a:ext>
+            </a:extLst>
+          </p:cNvPr>
+          <p:cNvPicPr>
+            <a:picLocks noChangeAspect="1"/>
+          </p:cNvPicPr>
+          <p:nvPr/>
+        </p:nvPicPr>
+        <p:blipFill>
+          <a:blip r:embed="rId9">
+            <a:extLst>
+              <a:ext uri="{28A0092B-C50C-407E-A947-70E740481C1C}">
+                <a14:useLocalDpi xmlns:a14="http://schemas.microsoft.com/office/drawing/2010/main" val="0"/>
+              </a:ext>
+            </a:extLst>
+          </a:blip>
+          <a:stretch>
+            <a:fillRect/>
+          </a:stretch>
+        </p:blipFill>
+        <p:spPr>
+          <a:xfrm>
+            <a:off x="467742" y="193321"/>
+            <a:ext cx="1942084" cy="450339"/>
+          </a:xfrm>
+          <a:prstGeom prst="rect">
+            <a:avLst/>
+          </a:prstGeom>
+        </p:spPr>
+      </p:pic>
+      <p:pic>
+        <p:nvPicPr>
+          <p:cNvPr id="12" name="그림 11"/>
+          <p:cNvPicPr>
+            <a:picLocks noChangeAspect="1"/>
+          </p:cNvPicPr>
+          <p:nvPr/>
+        </p:nvPicPr>
+        <p:blipFill>
+          <a:blip r:embed="rId10">
+            <a:extLst>
+              <a:ext uri="{28A0092B-C50C-407E-A947-70E740481C1C}">
+                <a14:useLocalDpi xmlns:a14="http://schemas.microsoft.com/office/drawing/2010/main" val="0"/>
+              </a:ext>
+            </a:extLst>
+          </a:blip>
+          <a:stretch>
+            <a:fillRect/>
+          </a:stretch>
+        </p:blipFill>
+        <p:spPr>
+          <a:xfrm>
+            <a:off x="467740" y="523875"/>
+            <a:ext cx="5202371" cy="5868296"/>
+          </a:xfrm>
+          <a:prstGeom prst="rect">
+            <a:avLst/>
+          </a:prstGeom>
+        </p:spPr>
+      </p:pic>
+      <p:pic>
+        <p:nvPicPr>
+          <p:cNvPr id="14" name="그림 13"/>
+          <p:cNvPicPr>
+            <a:picLocks noChangeAspect="1"/>
+          </p:cNvPicPr>
+          <p:nvPr/>
+        </p:nvPicPr>
+        <p:blipFill>
+          <a:blip r:embed="rId11">
+            <a:extLst>
+              <a:ext uri="{28A0092B-C50C-407E-A947-70E740481C1C}">
+                <a14:useLocalDpi xmlns:a14="http://schemas.microsoft.com/office/drawing/2010/main" val="0"/>
+              </a:ext>
+            </a:extLst>
+          </a:blip>
+          <a:stretch>
+            <a:fillRect/>
+          </a:stretch>
+        </p:blipFill>
+        <p:spPr>
+          <a:xfrm>
+            <a:off x="6753724" y="923925"/>
+            <a:ext cx="5106031" cy="5051244"/>
+          </a:xfrm>
+          <a:prstGeom prst="rect">
+            <a:avLst/>
+          </a:prstGeom>
+        </p:spPr>
+      </p:pic>
+      <p:sp>
+        <p:nvSpPr>
+          <p:cNvPr id="17" name="오른쪽 화살표 16"/>
+          <p:cNvSpPr/>
+          <p:nvPr/>
+        </p:nvSpPr>
+        <p:spPr>
+          <a:xfrm>
+            <a:off x="6310811" y="2851023"/>
+            <a:ext cx="885825" cy="651128"/>
+          </a:xfrm>
+          <a:prstGeom prst="rightArrow">
+            <a:avLst/>
+          </a:prstGeom>
+          <a:solidFill>
+            <a:srgbClr val="DC6148"/>
+          </a:solidFill>
+          <a:ln>
+            <a:solidFill>
+              <a:srgbClr val="DC6148"/>
+            </a:solidFill>
+          </a:ln>
+        </p:spPr>
+        <p:style>
+          <a:lnRef idx="2">
+            <a:schemeClr val="accent1">
+              <a:shade val="50000"/>
+            </a:schemeClr>
+          </a:lnRef>
+          <a:fillRef idx="1">
+            <a:schemeClr val="accent1"/>
+          </a:fillRef>
+          <a:effectRef idx="0">
+            <a:schemeClr val="accent1"/>
+          </a:effectRef>
+          <a:fontRef idx="minor">
+            <a:schemeClr val="lt1"/>
+          </a:fontRef>
+        </p:style>
+        <p:txBody>
+          <a:bodyPr rtlCol="0" anchor="ctr"/>
+          <a:lstStyle/>
+          <a:p>
+            <a:pPr algn="ctr"/>
+            <a:endParaRPr lang="ko-KR" altLang="en-US"/>
+          </a:p>
+        </p:txBody>
+      </p:sp>
+      <p:pic>
+        <p:nvPicPr>
+          <p:cNvPr id="27650" name="Picture 2"/>
+          <p:cNvPicPr>
+            <a:picLocks noChangeAspect="1" noChangeArrowheads="1"/>
+          </p:cNvPicPr>
+          <p:nvPr/>
+        </p:nvPicPr>
+        <p:blipFill>
+          <a:blip r:embed="rId12">
+            <a:extLst>
+              <a:ext uri="{28A0092B-C50C-407E-A947-70E740481C1C}">
+                <a14:useLocalDpi xmlns:a14="http://schemas.microsoft.com/office/drawing/2010/main" val="0"/>
+              </a:ext>
+            </a:extLst>
+          </a:blip>
+          <a:srcRect/>
+          <a:stretch>
+            <a:fillRect/>
+          </a:stretch>
+        </p:blipFill>
+        <p:spPr bwMode="auto">
+          <a:xfrm>
+            <a:off x="31431" y="6019481"/>
+            <a:ext cx="11553825" cy="800100"/>
+          </a:xfrm>
+          <a:prstGeom prst="rect">
+            <a:avLst/>
+          </a:prstGeom>
+          <a:noFill/>
+          <a:ln>
+            <a:noFill/>
+          </a:ln>
+          <a:extLst>
+            <a:ext uri="{909E8E84-426E-40DD-AFC4-6F175D3DCCD1}">
+              <a14:hiddenFill xmlns:a14="http://schemas.microsoft.com/office/drawing/2010/main">
+                <a:solidFill>
+                  <a:schemeClr val="accent1"/>
+                </a:solidFill>
+              </a14:hiddenFill>
+            </a:ext>
+            <a:ext uri="{91240B29-F687-4F45-9708-019B960494DF}">
+              <a14:hiddenLine xmlns:a14="http://schemas.microsoft.com/office/drawing/2010/main" w="9525">
+                <a:solidFill>
+                  <a:schemeClr val="tx1"/>
+                </a:solidFill>
+                <a:miter lim="800000"/>
+                <a:headEnd/>
+                <a:tailEnd/>
+              </a14:hiddenLine>
+            </a:ext>
+          </a:extLst>
+        </p:spPr>
+      </p:pic>
+      <p:pic>
+        <p:nvPicPr>
+          <p:cNvPr id="24" name="그림 23">
+            <a:extLst>
+              <a:ext uri="{FF2B5EF4-FFF2-40B4-BE49-F238E27FC236}">
+                <a16:creationId xmlns:a16="http://schemas.microsoft.com/office/drawing/2014/main" id="{74EF0D44-A049-43DC-8BDC-5D89D42BDBAA}"/>
+              </a:ext>
+            </a:extLst>
+          </p:cNvPr>
+          <p:cNvPicPr>
+            <a:picLocks noChangeAspect="1"/>
+          </p:cNvPicPr>
+          <p:nvPr/>
+        </p:nvPicPr>
+        <p:blipFill>
+          <a:blip r:embed="rId13" cstate="print">
+            <a:extLst>
+              <a:ext uri="{28A0092B-C50C-407E-A947-70E740481C1C}">
+                <a14:useLocalDpi xmlns:a14="http://schemas.microsoft.com/office/drawing/2010/main" val="0"/>
+              </a:ext>
+            </a:extLst>
+          </a:blip>
+          <a:stretch>
+            <a:fillRect/>
+          </a:stretch>
+        </p:blipFill>
+        <p:spPr>
+          <a:xfrm>
+            <a:off x="7991475" y="1408069"/>
+            <a:ext cx="2558276" cy="4002131"/>
+          </a:xfrm>
+          <a:prstGeom prst="rect">
+            <a:avLst/>
+          </a:prstGeom>
+        </p:spPr>
+      </p:pic>
+      <p:sp>
+        <p:nvSpPr>
+          <p:cNvPr id="27" name="직사각형 26"/>
+          <p:cNvSpPr/>
+          <p:nvPr/>
+        </p:nvSpPr>
+        <p:spPr>
+          <a:xfrm>
+            <a:off x="7820025" y="2008959"/>
+            <a:ext cx="2962275" cy="700087"/>
+          </a:xfrm>
+          <a:prstGeom prst="rect">
+            <a:avLst/>
+          </a:prstGeom>
+          <a:noFill/>
+          <a:ln w="76200">
+            <a:solidFill>
+              <a:srgbClr val="DC6148"/>
+            </a:solidFill>
+          </a:ln>
+        </p:spPr>
+        <p:style>
+          <a:lnRef idx="2">
+            <a:schemeClr val="accent1">
+              <a:shade val="50000"/>
+            </a:schemeClr>
+          </a:lnRef>
+          <a:fillRef idx="1">
+            <a:schemeClr val="accent1"/>
+          </a:fillRef>
+          <a:effectRef idx="0">
+            <a:schemeClr val="accent1"/>
+          </a:effectRef>
+          <a:fontRef idx="minor">
+            <a:schemeClr val="lt1"/>
+          </a:fontRef>
+        </p:style>
+        <p:txBody>
+          <a:bodyPr rtlCol="0" anchor="ctr"/>
+          <a:lstStyle/>
+          <a:p>
+            <a:pPr algn="ctr"/>
+            <a:endParaRPr lang="ko-KR" altLang="en-US"/>
+          </a:p>
+        </p:txBody>
+      </p:sp>
+      <p:pic>
+        <p:nvPicPr>
+          <p:cNvPr id="25" name="그림 24">
+            <a:extLst>
+              <a:ext uri="{FF2B5EF4-FFF2-40B4-BE49-F238E27FC236}">
+                <a16:creationId xmlns:a16="http://schemas.microsoft.com/office/drawing/2014/main" id="{9E9133E9-8CF9-4ABE-8695-472FDCD6A640}"/>
+              </a:ext>
+            </a:extLst>
+          </p:cNvPr>
+          <p:cNvPicPr>
+            <a:picLocks noChangeAspect="1"/>
+          </p:cNvPicPr>
+          <p:nvPr/>
+        </p:nvPicPr>
+        <p:blipFill>
+          <a:blip r:embed="rId14">
+            <a:extLst>
+              <a:ext uri="{28A0092B-C50C-407E-A947-70E740481C1C}">
+                <a14:useLocalDpi xmlns:a14="http://schemas.microsoft.com/office/drawing/2010/main" val="0"/>
+              </a:ext>
+            </a:extLst>
+          </a:blip>
+          <a:stretch>
+            <a:fillRect/>
+          </a:stretch>
+        </p:blipFill>
+        <p:spPr>
+          <a:xfrm>
+            <a:off x="757402" y="1257300"/>
+            <a:ext cx="4619297" cy="3838575"/>
+          </a:xfrm>
+          <a:prstGeom prst="rect">
+            <a:avLst/>
+          </a:prstGeom>
+        </p:spPr>
+      </p:pic>
+      <p:sp>
+        <p:nvSpPr>
+          <p:cNvPr id="32" name="직사각형 31"/>
+          <p:cNvSpPr/>
+          <p:nvPr/>
+        </p:nvSpPr>
+        <p:spPr>
+          <a:xfrm>
+            <a:off x="542925" y="4410075"/>
+            <a:ext cx="2526000" cy="685800"/>
+          </a:xfrm>
+          <a:prstGeom prst="rect">
+            <a:avLst/>
+          </a:prstGeom>
+          <a:noFill/>
+          <a:ln w="76200">
+            <a:solidFill>
+              <a:srgbClr val="DC6148"/>
+            </a:solidFill>
+          </a:ln>
+        </p:spPr>
+        <p:style>
+          <a:lnRef idx="2">
+            <a:schemeClr val="accent1">
+              <a:shade val="50000"/>
+            </a:schemeClr>
+          </a:lnRef>
+          <a:fillRef idx="1">
+            <a:schemeClr val="accent1"/>
+          </a:fillRef>
+          <a:effectRef idx="0">
+            <a:schemeClr val="accent1"/>
+          </a:effectRef>
+          <a:fontRef idx="minor">
+            <a:schemeClr val="lt1"/>
+          </a:fontRef>
+        </p:style>
+        <p:txBody>
+          <a:bodyPr rtlCol="0" anchor="ctr"/>
+          <a:lstStyle/>
+          <a:p>
+            <a:pPr algn="ctr"/>
+            <a:endParaRPr lang="ko-KR" altLang="en-US"/>
+          </a:p>
+        </p:txBody>
+      </p:sp>
+    </p:spTree>
+    <p:extLst>
+      <p:ext uri="{BB962C8B-B14F-4D97-AF65-F5344CB8AC3E}">
+        <p14:creationId xmlns:p14="http://schemas.microsoft.com/office/powerpoint/2010/main" val="3153552310"/>
+      </p:ext>
+    </p:extLst>
+  </p:cSld>
+  <p:clrMapOvr>
+    <a:masterClrMapping/>
+  </p:clrMapOvr>
+  <p:timing>
+    <p:tnLst>
+      <p:par>
+        <p:cTn id="1" dur="indefinite" restart="never" nodeType="tmRoot">
+          <p:childTnLst>
+            <p:seq concurrent="1" nextAc="seek">
+              <p:cTn id="2" dur="indefinite" nodeType="mainSeq">
+                <p:childTnLst>
+                  <p:par>
+                    <p:cTn id="3" fill="hold">
+                      <p:stCondLst>
+                        <p:cond delay="indefinite"/>
+                      </p:stCondLst>
+                      <p:childTnLst>
+                        <p:par>
+                          <p:cTn id="4" fill="hold">
+                            <p:stCondLst>
+                              <p:cond delay="0"/>
+                            </p:stCondLst>
+                            <p:childTnLst>
+                              <p:par>
+                                <p:cTn id="5" presetID="2" presetClass="entr" presetSubtype="4" fill="hold" nodeType="clickEffect">
+                                  <p:stCondLst>
+                                    <p:cond delay="0"/>
+                                  </p:stCondLst>
+                                  <p:childTnLst>
+                                    <p:set>
+                                      <p:cBhvr>
+                                        <p:cTn id="6" dur="1" fill="hold">
+                                          <p:stCondLst>
+                                            <p:cond delay="0"/>
+                                          </p:stCondLst>
+                                        </p:cTn>
+                                        <p:tgtEl>
+                                          <p:spTgt spid="12"/>
+                                        </p:tgtEl>
+                                        <p:attrNameLst>
+                                          <p:attrName>style.visibility</p:attrName>
+                                        </p:attrNameLst>
+                                      </p:cBhvr>
+                                      <p:to>
+                                        <p:strVal val="visible"/>
+                                      </p:to>
+                                    </p:set>
+                                    <p:anim calcmode="lin" valueType="num">
+                                      <p:cBhvr additive="base">
+                                        <p:cTn id="7" dur="500" fill="hold"/>
+                                        <p:tgtEl>
+                                          <p:spTgt spid="12"/>
+                                        </p:tgtEl>
+                                        <p:attrNameLst>
+                                          <p:attrName>ppt_x</p:attrName>
+                                        </p:attrNameLst>
+                                      </p:cBhvr>
+                                      <p:tavLst>
+                                        <p:tav tm="0">
+                                          <p:val>
+                                            <p:strVal val="#ppt_x"/>
+                                          </p:val>
+                                        </p:tav>
+                                        <p:tav tm="100000">
+                                          <p:val>
+                                            <p:strVal val="#ppt_x"/>
+                                          </p:val>
+                                        </p:tav>
+                                      </p:tavLst>
+                                    </p:anim>
+                                    <p:anim calcmode="lin" valueType="num">
+                                      <p:cBhvr additive="base">
+                                        <p:cTn id="8" dur="500" fill="hold"/>
+                                        <p:tgtEl>
+                                          <p:spTgt spid="12"/>
+                                        </p:tgtEl>
+                                        <p:attrNameLst>
+                                          <p:attrName>ppt_y</p:attrName>
+                                        </p:attrNameLst>
+                                      </p:cBhvr>
+                                      <p:tavLst>
+                                        <p:tav tm="0">
+                                          <p:val>
+                                            <p:strVal val="1+#ppt_h/2"/>
+                                          </p:val>
+                                        </p:tav>
+                                        <p:tav tm="100000">
+                                          <p:val>
+                                            <p:strVal val="#ppt_y"/>
+                                          </p:val>
+                                        </p:tav>
+                                      </p:tavLst>
+                                    </p:anim>
+                                  </p:childTnLst>
+                                </p:cTn>
+                              </p:par>
+                              <p:par>
+                                <p:cTn id="9" presetID="2" presetClass="entr" presetSubtype="4" fill="hold" nodeType="withEffect">
+                                  <p:stCondLst>
+                                    <p:cond delay="0"/>
+                                  </p:stCondLst>
+                                  <p:childTnLst>
+                                    <p:set>
+                                      <p:cBhvr>
+                                        <p:cTn id="10" dur="1" fill="hold">
+                                          <p:stCondLst>
+                                            <p:cond delay="0"/>
+                                          </p:stCondLst>
+                                        </p:cTn>
+                                        <p:tgtEl>
+                                          <p:spTgt spid="25"/>
+                                        </p:tgtEl>
+                                        <p:attrNameLst>
+                                          <p:attrName>style.visibility</p:attrName>
+                                        </p:attrNameLst>
+                                      </p:cBhvr>
+                                      <p:to>
+                                        <p:strVal val="visible"/>
+                                      </p:to>
+                                    </p:set>
+                                    <p:anim calcmode="lin" valueType="num">
+                                      <p:cBhvr additive="base">
+                                        <p:cTn id="11" dur="500" fill="hold"/>
+                                        <p:tgtEl>
+                                          <p:spTgt spid="25"/>
+                                        </p:tgtEl>
+                                        <p:attrNameLst>
+                                          <p:attrName>ppt_x</p:attrName>
+                                        </p:attrNameLst>
+                                      </p:cBhvr>
+                                      <p:tavLst>
+                                        <p:tav tm="0">
+                                          <p:val>
+                                            <p:strVal val="#ppt_x"/>
+                                          </p:val>
+                                        </p:tav>
+                                        <p:tav tm="100000">
+                                          <p:val>
+                                            <p:strVal val="#ppt_x"/>
+                                          </p:val>
+                                        </p:tav>
+                                      </p:tavLst>
+                                    </p:anim>
+                                    <p:anim calcmode="lin" valueType="num">
+                                      <p:cBhvr additive="base">
+                                        <p:cTn id="12" dur="500" fill="hold"/>
+                                        <p:tgtEl>
+                                          <p:spTgt spid="25"/>
+                                        </p:tgtEl>
+                                        <p:attrNameLst>
+                                          <p:attrName>ppt_y</p:attrName>
+                                        </p:attrNameLst>
+                                      </p:cBhvr>
+                                      <p:tavLst>
+                                        <p:tav tm="0">
+                                          <p:val>
+                                            <p:strVal val="1+#ppt_h/2"/>
+                                          </p:val>
+                                        </p:tav>
+                                        <p:tav tm="100000">
+                                          <p:val>
+                                            <p:strVal val="#ppt_y"/>
+                                          </p:val>
+                                        </p:tav>
+                                      </p:tavLst>
+                                    </p:anim>
+                                  </p:childTnLst>
+                                </p:cTn>
+                              </p:par>
+                            </p:childTnLst>
+                          </p:cTn>
+                        </p:par>
+                      </p:childTnLst>
+                    </p:cTn>
+                  </p:par>
+                  <p:par>
+                    <p:cTn id="13" fill="hold">
+                      <p:stCondLst>
+                        <p:cond delay="indefinite"/>
+                      </p:stCondLst>
+                      <p:childTnLst>
+                        <p:par>
+                          <p:cTn id="14" fill="hold">
+                            <p:stCondLst>
+                              <p:cond delay="0"/>
+                            </p:stCondLst>
+                            <p:childTnLst>
+                              <p:par>
+                                <p:cTn id="15" presetID="16" presetClass="entr" presetSubtype="21" fill="hold" grpId="0" nodeType="clickEffect">
+                                  <p:stCondLst>
+                                    <p:cond delay="0"/>
+                                  </p:stCondLst>
+                                  <p:childTnLst>
+                                    <p:set>
+                                      <p:cBhvr>
+                                        <p:cTn id="16" dur="1" fill="hold">
+                                          <p:stCondLst>
+                                            <p:cond delay="0"/>
+                                          </p:stCondLst>
+                                        </p:cTn>
+                                        <p:tgtEl>
+                                          <p:spTgt spid="32"/>
+                                        </p:tgtEl>
+                                        <p:attrNameLst>
+                                          <p:attrName>style.visibility</p:attrName>
+                                        </p:attrNameLst>
+                                      </p:cBhvr>
+                                      <p:to>
+                                        <p:strVal val="visible"/>
+                                      </p:to>
+                                    </p:set>
+                                    <p:animEffect transition="in" filter="barn(inVertical)">
+                                      <p:cBhvr>
+                                        <p:cTn id="17" dur="500"/>
+                                        <p:tgtEl>
+                                          <p:spTgt spid="32"/>
+                                        </p:tgtEl>
+                                      </p:cBhvr>
+                                    </p:animEffect>
+                                  </p:childTnLst>
+                                </p:cTn>
+                              </p:par>
+                            </p:childTnLst>
+                          </p:cTn>
+                        </p:par>
+                      </p:childTnLst>
+                    </p:cTn>
+                  </p:par>
+                  <p:par>
+                    <p:cTn id="18" fill="hold">
+                      <p:stCondLst>
+                        <p:cond delay="indefinite"/>
+                      </p:stCondLst>
+                      <p:childTnLst>
+                        <p:par>
+                          <p:cTn id="19" fill="hold">
+                            <p:stCondLst>
+                              <p:cond delay="0"/>
+                            </p:stCondLst>
+                            <p:childTnLst>
+                              <p:par>
+                                <p:cTn id="20" presetID="2" presetClass="entr" presetSubtype="4" fill="hold" grpId="0" nodeType="clickEffect">
+                                  <p:stCondLst>
+                                    <p:cond delay="0"/>
+                                  </p:stCondLst>
+                                  <p:childTnLst>
+                                    <p:set>
+                                      <p:cBhvr>
+                                        <p:cTn id="21" dur="1" fill="hold">
+                                          <p:stCondLst>
+                                            <p:cond delay="0"/>
+                                          </p:stCondLst>
+                                        </p:cTn>
+                                        <p:tgtEl>
+                                          <p:spTgt spid="17"/>
+                                        </p:tgtEl>
+                                        <p:attrNameLst>
+                                          <p:attrName>style.visibility</p:attrName>
+                                        </p:attrNameLst>
+                                      </p:cBhvr>
+                                      <p:to>
+                                        <p:strVal val="visible"/>
+                                      </p:to>
+                                    </p:set>
+                                    <p:anim calcmode="lin" valueType="num">
+                                      <p:cBhvr additive="base">
+                                        <p:cTn id="22" dur="500" fill="hold"/>
+                                        <p:tgtEl>
+                                          <p:spTgt spid="17"/>
+                                        </p:tgtEl>
+                                        <p:attrNameLst>
+                                          <p:attrName>ppt_x</p:attrName>
+                                        </p:attrNameLst>
+                                      </p:cBhvr>
+                                      <p:tavLst>
+                                        <p:tav tm="0">
+                                          <p:val>
+                                            <p:strVal val="#ppt_x"/>
+                                          </p:val>
+                                        </p:tav>
+                                        <p:tav tm="100000">
+                                          <p:val>
+                                            <p:strVal val="#ppt_x"/>
+                                          </p:val>
+                                        </p:tav>
+                                      </p:tavLst>
+                                    </p:anim>
+                                    <p:anim calcmode="lin" valueType="num">
+                                      <p:cBhvr additive="base">
+                                        <p:cTn id="23" dur="500" fill="hold"/>
+                                        <p:tgtEl>
+                                          <p:spTgt spid="17"/>
+                                        </p:tgtEl>
+                                        <p:attrNameLst>
+                                          <p:attrName>ppt_y</p:attrName>
+                                        </p:attrNameLst>
+                                      </p:cBhvr>
+                                      <p:tavLst>
+                                        <p:tav tm="0">
+                                          <p:val>
+                                            <p:strVal val="1+#ppt_h/2"/>
+                                          </p:val>
+                                        </p:tav>
+                                        <p:tav tm="100000">
+                                          <p:val>
+                                            <p:strVal val="#ppt_y"/>
+                                          </p:val>
+                                        </p:tav>
+                                      </p:tavLst>
+                                    </p:anim>
+                                  </p:childTnLst>
+                                </p:cTn>
+                              </p:par>
+                            </p:childTnLst>
+                          </p:cTn>
+                        </p:par>
+                      </p:childTnLst>
+                    </p:cTn>
+                  </p:par>
+                  <p:par>
+                    <p:cTn id="24" fill="hold">
+                      <p:stCondLst>
+                        <p:cond delay="indefinite"/>
+                      </p:stCondLst>
+                      <p:childTnLst>
+                        <p:par>
+                          <p:cTn id="25" fill="hold">
+                            <p:stCondLst>
+                              <p:cond delay="0"/>
+                            </p:stCondLst>
+                            <p:childTnLst>
+                              <p:par>
+                                <p:cTn id="26" presetID="42" presetClass="entr" presetSubtype="0" fill="hold" nodeType="clickEffect">
+                                  <p:stCondLst>
+                                    <p:cond delay="0"/>
+                                  </p:stCondLst>
+                                  <p:childTnLst>
+                                    <p:set>
+                                      <p:cBhvr>
+                                        <p:cTn id="27" dur="1" fill="hold">
+                                          <p:stCondLst>
+                                            <p:cond delay="0"/>
+                                          </p:stCondLst>
+                                        </p:cTn>
+                                        <p:tgtEl>
+                                          <p:spTgt spid="14"/>
+                                        </p:tgtEl>
+                                        <p:attrNameLst>
+                                          <p:attrName>style.visibility</p:attrName>
+                                        </p:attrNameLst>
+                                      </p:cBhvr>
+                                      <p:to>
+                                        <p:strVal val="visible"/>
+                                      </p:to>
+                                    </p:set>
+                                    <p:animEffect transition="in" filter="fade">
+                                      <p:cBhvr>
+                                        <p:cTn id="28" dur="1000"/>
+                                        <p:tgtEl>
+                                          <p:spTgt spid="14"/>
+                                        </p:tgtEl>
+                                      </p:cBhvr>
+                                    </p:animEffect>
+                                    <p:anim calcmode="lin" valueType="num">
+                                      <p:cBhvr>
+                                        <p:cTn id="29" dur="1000" fill="hold"/>
+                                        <p:tgtEl>
+                                          <p:spTgt spid="14"/>
+                                        </p:tgtEl>
+                                        <p:attrNameLst>
+                                          <p:attrName>ppt_x</p:attrName>
+                                        </p:attrNameLst>
+                                      </p:cBhvr>
+                                      <p:tavLst>
+                                        <p:tav tm="0">
+                                          <p:val>
+                                            <p:strVal val="#ppt_x"/>
+                                          </p:val>
+                                        </p:tav>
+                                        <p:tav tm="100000">
+                                          <p:val>
+                                            <p:strVal val="#ppt_x"/>
+                                          </p:val>
+                                        </p:tav>
+                                      </p:tavLst>
+                                    </p:anim>
+                                    <p:anim calcmode="lin" valueType="num">
+                                      <p:cBhvr>
+                                        <p:cTn id="30" dur="1000" fill="hold"/>
+                                        <p:tgtEl>
+                                          <p:spTgt spid="14"/>
+                                        </p:tgtEl>
+                                        <p:attrNameLst>
+                                          <p:attrName>ppt_y</p:attrName>
+                                        </p:attrNameLst>
+                                      </p:cBhvr>
+                                      <p:tavLst>
+                                        <p:tav tm="0">
+                                          <p:val>
+                                            <p:strVal val="#ppt_y+.1"/>
+                                          </p:val>
+                                        </p:tav>
+                                        <p:tav tm="100000">
+                                          <p:val>
+                                            <p:strVal val="#ppt_y"/>
+                                          </p:val>
+                                        </p:tav>
+                                      </p:tavLst>
+                                    </p:anim>
+                                  </p:childTnLst>
+                                </p:cTn>
+                              </p:par>
+                              <p:par>
+                                <p:cTn id="31" presetID="42" presetClass="entr" presetSubtype="0" fill="hold" nodeType="withEffect">
+                                  <p:stCondLst>
+                                    <p:cond delay="0"/>
+                                  </p:stCondLst>
+                                  <p:childTnLst>
+                                    <p:set>
+                                      <p:cBhvr>
+                                        <p:cTn id="32" dur="1" fill="hold">
+                                          <p:stCondLst>
+                                            <p:cond delay="0"/>
+                                          </p:stCondLst>
+                                        </p:cTn>
+                                        <p:tgtEl>
+                                          <p:spTgt spid="24"/>
+                                        </p:tgtEl>
+                                        <p:attrNameLst>
+                                          <p:attrName>style.visibility</p:attrName>
+                                        </p:attrNameLst>
+                                      </p:cBhvr>
+                                      <p:to>
+                                        <p:strVal val="visible"/>
+                                      </p:to>
+                                    </p:set>
+                                    <p:animEffect transition="in" filter="fade">
+                                      <p:cBhvr>
+                                        <p:cTn id="33" dur="1000"/>
+                                        <p:tgtEl>
+                                          <p:spTgt spid="24"/>
+                                        </p:tgtEl>
+                                      </p:cBhvr>
+                                    </p:animEffect>
+                                    <p:anim calcmode="lin" valueType="num">
+                                      <p:cBhvr>
+                                        <p:cTn id="34" dur="1000" fill="hold"/>
+                                        <p:tgtEl>
+                                          <p:spTgt spid="24"/>
+                                        </p:tgtEl>
+                                        <p:attrNameLst>
+                                          <p:attrName>ppt_x</p:attrName>
+                                        </p:attrNameLst>
+                                      </p:cBhvr>
+                                      <p:tavLst>
+                                        <p:tav tm="0">
+                                          <p:val>
+                                            <p:strVal val="#ppt_x"/>
+                                          </p:val>
+                                        </p:tav>
+                                        <p:tav tm="100000">
+                                          <p:val>
+                                            <p:strVal val="#ppt_x"/>
+                                          </p:val>
+                                        </p:tav>
+                                      </p:tavLst>
+                                    </p:anim>
+                                    <p:anim calcmode="lin" valueType="num">
+                                      <p:cBhvr>
+                                        <p:cTn id="35" dur="1000" fill="hold"/>
+                                        <p:tgtEl>
+                                          <p:spTgt spid="24"/>
+                                        </p:tgtEl>
+                                        <p:attrNameLst>
+                                          <p:attrName>ppt_y</p:attrName>
+                                        </p:attrNameLst>
+                                      </p:cBhvr>
+                                      <p:tavLst>
+                                        <p:tav tm="0">
+                                          <p:val>
+                                            <p:strVal val="#ppt_y+.1"/>
+                                          </p:val>
+                                        </p:tav>
+                                        <p:tav tm="100000">
+                                          <p:val>
+                                            <p:strVal val="#ppt_y"/>
+                                          </p:val>
+                                        </p:tav>
+                                      </p:tavLst>
+                                    </p:anim>
+                                  </p:childTnLst>
+                                </p:cTn>
+                              </p:par>
+                            </p:childTnLst>
+                          </p:cTn>
+                        </p:par>
+                      </p:childTnLst>
+                    </p:cTn>
+                  </p:par>
+                  <p:par>
+                    <p:cTn id="36" fill="hold">
+                      <p:stCondLst>
+                        <p:cond delay="indefinite"/>
+                      </p:stCondLst>
+                      <p:childTnLst>
+                        <p:par>
+                          <p:cTn id="37" fill="hold">
+                            <p:stCondLst>
+                              <p:cond delay="0"/>
+                            </p:stCondLst>
+                            <p:childTnLst>
+                              <p:par>
+                                <p:cTn id="38" presetID="16" presetClass="entr" presetSubtype="21" fill="hold" grpId="0" nodeType="clickEffect">
+                                  <p:stCondLst>
+                                    <p:cond delay="0"/>
+                                  </p:stCondLst>
+                                  <p:childTnLst>
+                                    <p:set>
+                                      <p:cBhvr>
+                                        <p:cTn id="39" dur="1" fill="hold">
+                                          <p:stCondLst>
+                                            <p:cond delay="0"/>
+                                          </p:stCondLst>
+                                        </p:cTn>
+                                        <p:tgtEl>
+                                          <p:spTgt spid="27"/>
+                                        </p:tgtEl>
+                                        <p:attrNameLst>
+                                          <p:attrName>style.visibility</p:attrName>
+                                        </p:attrNameLst>
+                                      </p:cBhvr>
+                                      <p:to>
+                                        <p:strVal val="visible"/>
+                                      </p:to>
+                                    </p:set>
+                                    <p:animEffect transition="in" filter="barn(inVertical)">
+                                      <p:cBhvr>
+                                        <p:cTn id="40" dur="500"/>
+                                        <p:tgtEl>
+                                          <p:spTgt spid="27"/>
+                                        </p:tgtEl>
+                                      </p:cBhvr>
+                                    </p:animEffect>
+                                  </p:childTnLst>
+                                </p:cTn>
+                              </p:par>
+                            </p:childTnLst>
+                          </p:cTn>
+                        </p:par>
+                      </p:childTnLst>
+                    </p:cTn>
+                  </p:par>
+                </p:childTnLst>
+              </p:cTn>
+              <p:prevCondLst>
+                <p:cond evt="onPrev" delay="0">
+                  <p:tgtEl>
+                    <p:sldTgt/>
+                  </p:tgtEl>
+                </p:cond>
+              </p:prevCondLst>
+              <p:nextCondLst>
+                <p:cond evt="onNext" delay="0">
+                  <p:tgtEl>
+                    <p:sldTgt/>
+                  </p:tgtEl>
+                </p:cond>
+              </p:nextCondLst>
+            </p:seq>
+          </p:childTnLst>
+        </p:cTn>
+      </p:par>
+    </p:tnLst>
+    <p:bldLst>
+      <p:bldP spid="17" grpId="0" animBg="1"/>
+      <p:bldP spid="27" grpId="0" animBg="1"/>
+      <p:bldP spid="32" grpId="0" animBg="1"/>
+    </p:bldLst>
+  </p:timing>
+</p:sld>
+</file>
+
+<file path=ppt/slides/slide11.xml><?xml version="1.0" encoding="utf-8"?>
+<p:sld xmlns:a="http://schemas.openxmlformats.org/drawingml/2006/main" xmlns:r="http://schemas.openxmlformats.org/officeDocument/2006/relationships" xmlns:p="http://schemas.openxmlformats.org/presentationml/2006/main">
+  <p:cSld>
+    <p:bg>
+      <p:bgPr>
+        <a:solidFill>
+          <a:srgbClr val="446897"/>
+        </a:solidFill>
+        <a:effectLst/>
+      </p:bgPr>
+    </p:bg>
+    <p:spTree>
+      <p:nvGrpSpPr>
+        <p:cNvPr id="1" name=""/>
+        <p:cNvGrpSpPr/>
+        <p:nvPr/>
+      </p:nvGrpSpPr>
+      <p:grpSpPr>
+        <a:xfrm>
+          <a:off x="0" y="0"/>
+          <a:ext cx="0" cy="0"/>
+          <a:chOff x="0" y="0"/>
+          <a:chExt cx="0" cy="0"/>
+        </a:xfrm>
+      </p:grpSpPr>
       <p:pic>
         <p:nvPicPr>
           <p:cNvPr id="15" name="그림 14">
             <a:extLst>
               <a:ext uri="{FF2B5EF4-FFF2-40B4-BE49-F238E27FC236}">
-                <a16:creationId xmlns:a16="http://schemas.microsoft.com/office/drawing/2014/main" xmlns="" id="{1741FB2E-92AF-4E8D-B41D-B1363636F519}"/>
+                <a16:creationId xmlns:a16="http://schemas.microsoft.com/office/drawing/2014/main" id="{1741FB2E-92AF-4E8D-B41D-B1363636F519}"/>
               </a:ext>
             </a:extLst>
           </p:cNvPr>
@@ -4251,7 +5540,7 @@
           <p:cNvPr id="10" name="그림 9">
             <a:extLst>
               <a:ext uri="{FF2B5EF4-FFF2-40B4-BE49-F238E27FC236}">
-                <a16:creationId xmlns:a16="http://schemas.microsoft.com/office/drawing/2014/main" xmlns="" id="{74451F31-9CC9-47A7-B2D8-9AAFD3ECBCDD}"/>
+                <a16:creationId xmlns:a16="http://schemas.microsoft.com/office/drawing/2014/main" id="{74451F31-9CC9-47A7-B2D8-9AAFD3ECBCDD}"/>
               </a:ext>
             </a:extLst>
           </p:cNvPr>
@@ -4287,7 +5576,7 @@
           <p:cNvPr id="11" name="직사각형 10">
             <a:extLst>
               <a:ext uri="{FF2B5EF4-FFF2-40B4-BE49-F238E27FC236}">
-                <a16:creationId xmlns:a16="http://schemas.microsoft.com/office/drawing/2014/main" xmlns="" id="{FEA7FAB5-C586-471D-BEDF-C958A089DD9E}"/>
+                <a16:creationId xmlns:a16="http://schemas.microsoft.com/office/drawing/2014/main" id="{FEA7FAB5-C586-471D-BEDF-C958A089DD9E}"/>
               </a:ext>
             </a:extLst>
           </p:cNvPr>
@@ -4340,7 +5629,7 @@
           <p:cNvPr id="12" name="그림 11">
             <a:extLst>
               <a:ext uri="{FF2B5EF4-FFF2-40B4-BE49-F238E27FC236}">
-                <a16:creationId xmlns:a16="http://schemas.microsoft.com/office/drawing/2014/main" xmlns="" id="{8E54494E-2DAB-4A78-874B-DBAF2A92D51F}"/>
+                <a16:creationId xmlns:a16="http://schemas.microsoft.com/office/drawing/2014/main" id="{8E54494E-2DAB-4A78-874B-DBAF2A92D51F}"/>
               </a:ext>
             </a:extLst>
           </p:cNvPr>
@@ -4376,7 +5665,7 @@
           <p:cNvPr id="13" name="그림 12">
             <a:extLst>
               <a:ext uri="{FF2B5EF4-FFF2-40B4-BE49-F238E27FC236}">
-                <a16:creationId xmlns:a16="http://schemas.microsoft.com/office/drawing/2014/main" xmlns="" id="{BC907EEC-25F0-48E7-BF38-2158FDF1BD0B}"/>
+                <a16:creationId xmlns:a16="http://schemas.microsoft.com/office/drawing/2014/main" id="{BC907EEC-25F0-48E7-BF38-2158FDF1BD0B}"/>
               </a:ext>
             </a:extLst>
           </p:cNvPr>
@@ -4412,7 +5701,7 @@
           <p:cNvPr id="14" name="그림 13">
             <a:extLst>
               <a:ext uri="{FF2B5EF4-FFF2-40B4-BE49-F238E27FC236}">
-                <a16:creationId xmlns:a16="http://schemas.microsoft.com/office/drawing/2014/main" xmlns="" id="{6CB729F3-3AB1-437D-8F09-3A5C657EA97F}"/>
+                <a16:creationId xmlns:a16="http://schemas.microsoft.com/office/drawing/2014/main" id="{6CB729F3-3AB1-437D-8F09-3A5C657EA97F}"/>
               </a:ext>
             </a:extLst>
           </p:cNvPr>
@@ -4448,7 +5737,7 @@
           <p:cNvPr id="16" name="그룹 15">
             <a:extLst>
               <a:ext uri="{FF2B5EF4-FFF2-40B4-BE49-F238E27FC236}">
-                <a16:creationId xmlns:a16="http://schemas.microsoft.com/office/drawing/2014/main" xmlns="" id="{2CF853A1-3C3B-4342-B94C-6BFE170E5336}"/>
+                <a16:creationId xmlns:a16="http://schemas.microsoft.com/office/drawing/2014/main" id="{2CF853A1-3C3B-4342-B94C-6BFE170E5336}"/>
               </a:ext>
             </a:extLst>
           </p:cNvPr>
@@ -4468,7 +5757,7 @@
             <p:cNvPr id="17" name="그림 16">
               <a:extLst>
                 <a:ext uri="{FF2B5EF4-FFF2-40B4-BE49-F238E27FC236}">
-                  <a16:creationId xmlns:a16="http://schemas.microsoft.com/office/drawing/2014/main" xmlns="" id="{41243405-01F5-41AA-9F3A-8B313634FAB1}"/>
+                  <a16:creationId xmlns:a16="http://schemas.microsoft.com/office/drawing/2014/main" id="{41243405-01F5-41AA-9F3A-8B313634FAB1}"/>
                 </a:ext>
               </a:extLst>
             </p:cNvPr>
@@ -4505,7 +5794,7 @@
             <p:cNvPr id="18" name="그룹 17">
               <a:extLst>
                 <a:ext uri="{FF2B5EF4-FFF2-40B4-BE49-F238E27FC236}">
-                  <a16:creationId xmlns:a16="http://schemas.microsoft.com/office/drawing/2014/main" xmlns="" id="{61C1BCC1-169C-4BE5-AC04-C0462A8EDFA8}"/>
+                  <a16:creationId xmlns:a16="http://schemas.microsoft.com/office/drawing/2014/main" id="{61C1BCC1-169C-4BE5-AC04-C0462A8EDFA8}"/>
                 </a:ext>
               </a:extLst>
             </p:cNvPr>
@@ -4525,7 +5814,7 @@
               <p:cNvPr id="20" name="그림 19">
                 <a:extLst>
                   <a:ext uri="{FF2B5EF4-FFF2-40B4-BE49-F238E27FC236}">
-                    <a16:creationId xmlns:a16="http://schemas.microsoft.com/office/drawing/2014/main" xmlns="" id="{D671E541-35B0-464E-811D-7574B10A402E}"/>
+                    <a16:creationId xmlns:a16="http://schemas.microsoft.com/office/drawing/2014/main" id="{D671E541-35B0-464E-811D-7574B10A402E}"/>
                   </a:ext>
                 </a:extLst>
               </p:cNvPr>
@@ -4563,7 +5852,7 @@
               <p:cNvPr id="21" name="그림 20">
                 <a:extLst>
                   <a:ext uri="{FF2B5EF4-FFF2-40B4-BE49-F238E27FC236}">
-                    <a16:creationId xmlns:a16="http://schemas.microsoft.com/office/drawing/2014/main" xmlns="" id="{D59E9964-59AF-44A7-BE9B-68D5636689D8}"/>
+                    <a16:creationId xmlns:a16="http://schemas.microsoft.com/office/drawing/2014/main" id="{D59E9964-59AF-44A7-BE9B-68D5636689D8}"/>
                   </a:ext>
                 </a:extLst>
               </p:cNvPr>
@@ -4778,7 +6067,7 @@
                             </p:stCondLst>
                             <p:childTnLst>
                               <p:par>
-                                <p:cTn id="5" presetID="10" presetClass="entr" presetSubtype="0" fill="hold" nodeType="clickEffect">
+                                <p:cTn id="5" presetID="1" presetClass="entr" presetSubtype="0" fill="hold" nodeType="clickEffect">
                                   <p:stCondLst>
                                     <p:cond delay="0"/>
                                   </p:stCondLst>
@@ -4791,7 +6080,7 @@
                                           </p:stCondLst>
                                         </p:cTn>
                                         <p:tgtEl>
-                                          <p:spTgt spid="12"/>
+                                          <p:spTgt spid="13"/>
                                         </p:tgtEl>
                                         <p:attrNameLst>
                                           <p:attrName>style.visibility</p:attrName>
@@ -4801,44 +6090,18 @@
                                         <p:strVal val="visible"/>
                                       </p:to>
                                     </p:set>
-                                    <p:animEffect transition="in" filter="fade">
-                                      <p:cBhvr>
-                                        <p:cTn id="7" dur="500"/>
-                                        <p:tgtEl>
-                                          <p:spTgt spid="12"/>
-                                        </p:tgtEl>
-                                      </p:cBhvr>
-                                    </p:animEffect>
                                   </p:childTnLst>
                                 </p:cTn>
                               </p:par>
-                            </p:childTnLst>
-                          </p:cTn>
-                        </p:par>
-                      </p:childTnLst>
-                    </p:cTn>
-                  </p:par>
-                  <p:par>
-                    <p:cTn id="8" fill="hold">
-                      <p:stCondLst>
-                        <p:cond delay="indefinite"/>
-                      </p:stCondLst>
-                      <p:childTnLst>
-                        <p:par>
-                          <p:cTn id="9" fill="hold">
-                            <p:stCondLst>
-                              <p:cond delay="0"/>
-                            </p:stCondLst>
-                            <p:childTnLst>
                               <p:par>
-                                <p:cTn id="10" presetID="10" presetClass="entr" presetSubtype="0" fill="hold" nodeType="clickEffect">
+                                <p:cTn id="7" presetID="1" presetClass="entr" presetSubtype="0" fill="hold" nodeType="withEffect">
                                   <p:stCondLst>
                                     <p:cond delay="0"/>
                                   </p:stCondLst>
                                   <p:childTnLst>
                                     <p:set>
                                       <p:cBhvr>
-                                        <p:cTn id="11" dur="1" fill="hold">
+                                        <p:cTn id="8" dur="1" fill="hold">
                                           <p:stCondLst>
                                             <p:cond delay="0"/>
                                           </p:stCondLst>
@@ -4854,14 +6117,6 @@
                                         <p:strVal val="visible"/>
                                       </p:to>
                                     </p:set>
-                                    <p:animEffect transition="in" filter="fade">
-                                      <p:cBhvr>
-                                        <p:cTn id="12" dur="500"/>
-                                        <p:tgtEl>
-                                          <p:spTgt spid="14"/>
-                                        </p:tgtEl>
-                                      </p:cBhvr>
-                                    </p:animEffect>
                                   </p:childTnLst>
                                 </p:cTn>
                               </p:par>
@@ -4872,79 +6127,26 @@
                     </p:cTn>
                   </p:par>
                   <p:par>
-                    <p:cTn id="13" fill="hold">
+                    <p:cTn id="9" fill="hold">
                       <p:stCondLst>
                         <p:cond delay="indefinite"/>
                       </p:stCondLst>
                       <p:childTnLst>
                         <p:par>
-                          <p:cTn id="14" fill="hold">
+                          <p:cTn id="10" fill="hold">
                             <p:stCondLst>
                               <p:cond delay="0"/>
                             </p:stCondLst>
                             <p:childTnLst>
                               <p:par>
-                                <p:cTn id="15" presetID="10" presetClass="entr" presetSubtype="0" fill="hold" nodeType="clickEffect">
+                                <p:cTn id="11" presetID="10" presetClass="entr" presetSubtype="0" fill="hold" nodeType="clickEffect">
                                   <p:stCondLst>
                                     <p:cond delay="0"/>
                                   </p:stCondLst>
                                   <p:childTnLst>
                                     <p:set>
                                       <p:cBhvr>
-                                        <p:cTn id="16" dur="1" fill="hold">
-                                          <p:stCondLst>
-                                            <p:cond delay="0"/>
-                                          </p:stCondLst>
-                                        </p:cTn>
-                                        <p:tgtEl>
-                                          <p:spTgt spid="13"/>
-                                        </p:tgtEl>
-                                        <p:attrNameLst>
-                                          <p:attrName>style.visibility</p:attrName>
-                                        </p:attrNameLst>
-                                      </p:cBhvr>
-                                      <p:to>
-                                        <p:strVal val="visible"/>
-                                      </p:to>
-                                    </p:set>
-                                    <p:animEffect transition="in" filter="fade">
-                                      <p:cBhvr>
-                                        <p:cTn id="17" dur="500"/>
-                                        <p:tgtEl>
-                                          <p:spTgt spid="13"/>
-                                        </p:tgtEl>
-                                      </p:cBhvr>
-                                    </p:animEffect>
-                                  </p:childTnLst>
-                                </p:cTn>
-                              </p:par>
-                            </p:childTnLst>
-                          </p:cTn>
-                        </p:par>
-                      </p:childTnLst>
-                    </p:cTn>
-                  </p:par>
-                  <p:par>
-                    <p:cTn id="18" fill="hold">
-                      <p:stCondLst>
-                        <p:cond delay="indefinite"/>
-                      </p:stCondLst>
-                      <p:childTnLst>
-                        <p:par>
-                          <p:cTn id="19" fill="hold">
-                            <p:stCondLst>
-                              <p:cond delay="0"/>
-                            </p:stCondLst>
-                            <p:childTnLst>
-                              <p:par>
-                                <p:cTn id="20" presetID="10" presetClass="entr" presetSubtype="0" fill="hold" nodeType="clickEffect">
-                                  <p:stCondLst>
-                                    <p:cond delay="0"/>
-                                  </p:stCondLst>
-                                  <p:childTnLst>
-                                    <p:set>
-                                      <p:cBhvr>
-                                        <p:cTn id="21" dur="1" fill="hold">
+                                        <p:cTn id="12" dur="1" fill="hold">
                                           <p:stCondLst>
                                             <p:cond delay="0"/>
                                           </p:stCondLst>
@@ -4962,7 +6164,7 @@
                                     </p:set>
                                     <p:animEffect transition="in" filter="fade">
                                       <p:cBhvr>
-                                        <p:cTn id="22" dur="500"/>
+                                        <p:cTn id="13" dur="500"/>
                                         <p:tgtEl>
                                           <p:spTgt spid="28675"/>
                                         </p:tgtEl>
@@ -4978,26 +6180,26 @@
                     </p:cTn>
                   </p:par>
                   <p:par>
-                    <p:cTn id="23" fill="hold">
+                    <p:cTn id="14" fill="hold">
                       <p:stCondLst>
                         <p:cond delay="indefinite"/>
                       </p:stCondLst>
                       <p:childTnLst>
                         <p:par>
-                          <p:cTn id="24" fill="hold">
+                          <p:cTn id="15" fill="hold">
                             <p:stCondLst>
                               <p:cond delay="0"/>
                             </p:stCondLst>
                             <p:childTnLst>
                               <p:par>
-                                <p:cTn id="25" presetID="10" presetClass="entr" presetSubtype="0" fill="hold" nodeType="clickEffect">
+                                <p:cTn id="16" presetID="10" presetClass="entr" presetSubtype="0" fill="hold" nodeType="clickEffect">
                                   <p:stCondLst>
                                     <p:cond delay="0"/>
                                   </p:stCondLst>
                                   <p:childTnLst>
                                     <p:set>
                                       <p:cBhvr>
-                                        <p:cTn id="26" dur="1" fill="hold">
+                                        <p:cTn id="17" dur="1" fill="hold">
                                           <p:stCondLst>
                                             <p:cond delay="0"/>
                                           </p:stCondLst>
@@ -5015,12 +6217,57 @@
                                     </p:set>
                                     <p:animEffect transition="in" filter="fade">
                                       <p:cBhvr>
-                                        <p:cTn id="27" dur="500"/>
+                                        <p:cTn id="18" dur="500"/>
                                         <p:tgtEl>
                                           <p:spTgt spid="28676"/>
                                         </p:tgtEl>
                                       </p:cBhvr>
                                     </p:animEffect>
+                                  </p:childTnLst>
+                                </p:cTn>
+                              </p:par>
+                            </p:childTnLst>
+                          </p:cTn>
+                        </p:par>
+                      </p:childTnLst>
+                    </p:cTn>
+                  </p:par>
+                  <p:par>
+                    <p:cTn id="19" fill="hold">
+                      <p:stCondLst>
+                        <p:cond delay="indefinite"/>
+                      </p:stCondLst>
+                      <p:childTnLst>
+                        <p:par>
+                          <p:cTn id="20" fill="hold">
+                            <p:stCondLst>
+                              <p:cond delay="0"/>
+                            </p:stCondLst>
+                            <p:childTnLst>
+                              <p:par>
+                                <p:cTn id="21" presetID="1" presetClass="entr" presetSubtype="0" fill="hold" nodeType="clickEffect">
+                                  <p:stCondLst>
+                                    <p:cond delay="0"/>
+                                  </p:stCondLst>
+                                  <p:childTnLst>
+                                    <p:set>
+                                      <p:cBhvr>
+                                        <p:cTn id="22" dur="1" fill="hold">
+                                          <p:stCondLst>
+                                            <p:cond delay="0"/>
+                                          </p:stCondLst>
+                                        </p:cTn>
+                                        <p:tgtEl>
+                                          <p:spTgt spid="12"/>
+                                        </p:tgtEl>
+                                        <p:attrNameLst>
+                                          <p:attrName>style.visibility</p:attrName>
+                                        </p:attrNameLst>
+                                      </p:cBhvr>
+                                      <p:to>
+                                        <p:strVal val="visible"/>
+                                      </p:to>
+                                    </p:set>
                                   </p:childTnLst>
                                 </p:cTn>
                               </p:par>
@@ -5055,7 +6302,7 @@
 </p:sld>
 </file>
 
-<file path=ppt/slides/slide11.xml><?xml version="1.0" encoding="utf-8"?>
+<file path=ppt/slides/slide12.xml><?xml version="1.0" encoding="utf-8"?>
 <p:sld xmlns:a="http://schemas.openxmlformats.org/drawingml/2006/main" xmlns:r="http://schemas.openxmlformats.org/officeDocument/2006/relationships" xmlns:p="http://schemas.openxmlformats.org/presentationml/2006/main">
   <p:cSld>
     <p:bg>
@@ -5085,7 +6332,7 @@
           <p:cNvPr id="13" name="그룹 12">
             <a:extLst>
               <a:ext uri="{FF2B5EF4-FFF2-40B4-BE49-F238E27FC236}">
-                <a16:creationId xmlns:a16="http://schemas.microsoft.com/office/drawing/2014/main" xmlns="" id="{1E921567-7F86-4CF7-BD4D-A0EEB916C50F}"/>
+                <a16:creationId xmlns:a16="http://schemas.microsoft.com/office/drawing/2014/main" id="{1E921567-7F86-4CF7-BD4D-A0EEB916C50F}"/>
               </a:ext>
             </a:extLst>
           </p:cNvPr>
@@ -5105,7 +6352,7 @@
             <p:cNvPr id="9" name="그림 8">
               <a:extLst>
                 <a:ext uri="{FF2B5EF4-FFF2-40B4-BE49-F238E27FC236}">
-                  <a16:creationId xmlns:a16="http://schemas.microsoft.com/office/drawing/2014/main" xmlns="" id="{9D78EE77-313D-4252-85FD-B2C3ABBA5B80}"/>
+                  <a16:creationId xmlns:a16="http://schemas.microsoft.com/office/drawing/2014/main" id="{9D78EE77-313D-4252-85FD-B2C3ABBA5B80}"/>
                 </a:ext>
               </a:extLst>
             </p:cNvPr>
@@ -5142,7 +6389,7 @@
             <p:cNvPr id="10" name="그룹 9">
               <a:extLst>
                 <a:ext uri="{FF2B5EF4-FFF2-40B4-BE49-F238E27FC236}">
-                  <a16:creationId xmlns:a16="http://schemas.microsoft.com/office/drawing/2014/main" xmlns="" id="{16AF77C3-0241-40C4-954F-9762E2E5A2FD}"/>
+                  <a16:creationId xmlns:a16="http://schemas.microsoft.com/office/drawing/2014/main" id="{16AF77C3-0241-40C4-954F-9762E2E5A2FD}"/>
                 </a:ext>
               </a:extLst>
             </p:cNvPr>
@@ -5162,7 +6409,7 @@
               <p:cNvPr id="11" name="그림 10">
                 <a:extLst>
                   <a:ext uri="{FF2B5EF4-FFF2-40B4-BE49-F238E27FC236}">
-                    <a16:creationId xmlns:a16="http://schemas.microsoft.com/office/drawing/2014/main" xmlns="" id="{3454EB3C-CB41-498B-AD8E-8377C7D95C14}"/>
+                    <a16:creationId xmlns:a16="http://schemas.microsoft.com/office/drawing/2014/main" id="{3454EB3C-CB41-498B-AD8E-8377C7D95C14}"/>
                   </a:ext>
                 </a:extLst>
               </p:cNvPr>
@@ -5200,7 +6447,7 @@
               <p:cNvPr id="12" name="그림 11">
                 <a:extLst>
                   <a:ext uri="{FF2B5EF4-FFF2-40B4-BE49-F238E27FC236}">
-                    <a16:creationId xmlns:a16="http://schemas.microsoft.com/office/drawing/2014/main" xmlns="" id="{77B2B03F-9820-4270-AE4E-45DC9BC88761}"/>
+                    <a16:creationId xmlns:a16="http://schemas.microsoft.com/office/drawing/2014/main" id="{77B2B03F-9820-4270-AE4E-45DC9BC88761}"/>
                   </a:ext>
                 </a:extLst>
               </p:cNvPr>
@@ -5299,13 +6546,6 @@
   <p:clrMapOvr>
     <a:masterClrMapping/>
   </p:clrMapOvr>
-  <p:timing>
-    <p:tnLst>
-      <p:par>
-        <p:cTn id="1" dur="indefinite" restart="never" nodeType="tmRoot"/>
-      </p:par>
-    </p:tnLst>
-  </p:timing>
 </p:sld>
 </file>
 
@@ -5339,7 +6579,7 @@
           <p:cNvPr id="8" name="그림 7">
             <a:extLst>
               <a:ext uri="{FF2B5EF4-FFF2-40B4-BE49-F238E27FC236}">
-                <a16:creationId xmlns:a16="http://schemas.microsoft.com/office/drawing/2014/main" xmlns="" id="{CC27CC92-DF07-4889-8036-392F1AF3879A}"/>
+                <a16:creationId xmlns:a16="http://schemas.microsoft.com/office/drawing/2014/main" id="{CC27CC92-DF07-4889-8036-392F1AF3879A}"/>
               </a:ext>
             </a:extLst>
           </p:cNvPr>
@@ -5375,7 +6615,7 @@
           <p:cNvPr id="13" name="그룹 12">
             <a:extLst>
               <a:ext uri="{FF2B5EF4-FFF2-40B4-BE49-F238E27FC236}">
-                <a16:creationId xmlns:a16="http://schemas.microsoft.com/office/drawing/2014/main" xmlns="" id="{1E921567-7F86-4CF7-BD4D-A0EEB916C50F}"/>
+                <a16:creationId xmlns:a16="http://schemas.microsoft.com/office/drawing/2014/main" id="{1E921567-7F86-4CF7-BD4D-A0EEB916C50F}"/>
               </a:ext>
             </a:extLst>
           </p:cNvPr>
@@ -5395,7 +6635,7 @@
             <p:cNvPr id="9" name="그림 8">
               <a:extLst>
                 <a:ext uri="{FF2B5EF4-FFF2-40B4-BE49-F238E27FC236}">
-                  <a16:creationId xmlns:a16="http://schemas.microsoft.com/office/drawing/2014/main" xmlns="" id="{9D78EE77-313D-4252-85FD-B2C3ABBA5B80}"/>
+                  <a16:creationId xmlns:a16="http://schemas.microsoft.com/office/drawing/2014/main" id="{9D78EE77-313D-4252-85FD-B2C3ABBA5B80}"/>
                 </a:ext>
               </a:extLst>
             </p:cNvPr>
@@ -5432,7 +6672,7 @@
             <p:cNvPr id="10" name="그룹 9">
               <a:extLst>
                 <a:ext uri="{FF2B5EF4-FFF2-40B4-BE49-F238E27FC236}">
-                  <a16:creationId xmlns:a16="http://schemas.microsoft.com/office/drawing/2014/main" xmlns="" id="{16AF77C3-0241-40C4-954F-9762E2E5A2FD}"/>
+                  <a16:creationId xmlns:a16="http://schemas.microsoft.com/office/drawing/2014/main" id="{16AF77C3-0241-40C4-954F-9762E2E5A2FD}"/>
                 </a:ext>
               </a:extLst>
             </p:cNvPr>
@@ -5452,7 +6692,7 @@
               <p:cNvPr id="11" name="그림 10">
                 <a:extLst>
                   <a:ext uri="{FF2B5EF4-FFF2-40B4-BE49-F238E27FC236}">
-                    <a16:creationId xmlns:a16="http://schemas.microsoft.com/office/drawing/2014/main" xmlns="" id="{3454EB3C-CB41-498B-AD8E-8377C7D95C14}"/>
+                    <a16:creationId xmlns:a16="http://schemas.microsoft.com/office/drawing/2014/main" id="{3454EB3C-CB41-498B-AD8E-8377C7D95C14}"/>
                   </a:ext>
                 </a:extLst>
               </p:cNvPr>
@@ -5490,7 +6730,7 @@
               <p:cNvPr id="12" name="그림 11">
                 <a:extLst>
                   <a:ext uri="{FF2B5EF4-FFF2-40B4-BE49-F238E27FC236}">
-                    <a16:creationId xmlns:a16="http://schemas.microsoft.com/office/drawing/2014/main" xmlns="" id="{77B2B03F-9820-4270-AE4E-45DC9BC88761}"/>
+                    <a16:creationId xmlns:a16="http://schemas.microsoft.com/office/drawing/2014/main" id="{77B2B03F-9820-4270-AE4E-45DC9BC88761}"/>
                   </a:ext>
                 </a:extLst>
               </p:cNvPr>
@@ -5530,7 +6770,7 @@
           <p:cNvPr id="2" name="TextBox 1">
             <a:extLst>
               <a:ext uri="{FF2B5EF4-FFF2-40B4-BE49-F238E27FC236}">
-                <a16:creationId xmlns:a16="http://schemas.microsoft.com/office/drawing/2014/main" xmlns="" id="{B33C4790-6135-448D-8B1E-A4243431104F}"/>
+                <a16:creationId xmlns:a16="http://schemas.microsoft.com/office/drawing/2014/main" id="{B33C4790-6135-448D-8B1E-A4243431104F}"/>
               </a:ext>
             </a:extLst>
           </p:cNvPr>
@@ -5574,7 +6814,7 @@
           <p:cNvPr id="17" name="그림 16">
             <a:extLst>
               <a:ext uri="{FF2B5EF4-FFF2-40B4-BE49-F238E27FC236}">
-                <a16:creationId xmlns:a16="http://schemas.microsoft.com/office/drawing/2014/main" xmlns="" id="{6058F80A-A10D-4F3A-8EBB-41154BD370EC}"/>
+                <a16:creationId xmlns:a16="http://schemas.microsoft.com/office/drawing/2014/main" id="{6058F80A-A10D-4F3A-8EBB-41154BD370EC}"/>
               </a:ext>
             </a:extLst>
           </p:cNvPr>
@@ -5611,7 +6851,7 @@
           <p:cNvPr id="16" name="TextBox 15">
             <a:extLst>
               <a:ext uri="{FF2B5EF4-FFF2-40B4-BE49-F238E27FC236}">
-                <a16:creationId xmlns:a16="http://schemas.microsoft.com/office/drawing/2014/main" xmlns="" id="{2AB60AF5-B580-416D-BF11-53556C27DA79}"/>
+                <a16:creationId xmlns:a16="http://schemas.microsoft.com/office/drawing/2014/main" id="{2AB60AF5-B580-416D-BF11-53556C27DA79}"/>
               </a:ext>
             </a:extLst>
           </p:cNvPr>
@@ -5655,7 +6895,7 @@
           <p:cNvPr id="4" name="그룹 3">
             <a:extLst>
               <a:ext uri="{FF2B5EF4-FFF2-40B4-BE49-F238E27FC236}">
-                <a16:creationId xmlns:a16="http://schemas.microsoft.com/office/drawing/2014/main" xmlns="" id="{0796F2F3-E7C2-4028-B85B-9FA6B33D4BD3}"/>
+                <a16:creationId xmlns:a16="http://schemas.microsoft.com/office/drawing/2014/main" id="{0796F2F3-E7C2-4028-B85B-9FA6B33D4BD3}"/>
               </a:ext>
             </a:extLst>
           </p:cNvPr>
@@ -5675,7 +6915,7 @@
             <p:cNvPr id="15" name="TextBox 14">
               <a:extLst>
                 <a:ext uri="{FF2B5EF4-FFF2-40B4-BE49-F238E27FC236}">
-                  <a16:creationId xmlns:a16="http://schemas.microsoft.com/office/drawing/2014/main" xmlns="" id="{2698CA36-6B61-4181-856A-DFA9CB57CD44}"/>
+                  <a16:creationId xmlns:a16="http://schemas.microsoft.com/office/drawing/2014/main" id="{2698CA36-6B61-4181-856A-DFA9CB57CD44}"/>
                 </a:ext>
               </a:extLst>
             </p:cNvPr>
@@ -5719,7 +6959,7 @@
             <p:cNvPr id="20" name="그림 19">
               <a:extLst>
                 <a:ext uri="{FF2B5EF4-FFF2-40B4-BE49-F238E27FC236}">
-                  <a16:creationId xmlns:a16="http://schemas.microsoft.com/office/drawing/2014/main" xmlns="" id="{67550071-7145-42A5-9B29-ED8188115C37}"/>
+                  <a16:creationId xmlns:a16="http://schemas.microsoft.com/office/drawing/2014/main" id="{67550071-7145-42A5-9B29-ED8188115C37}"/>
                 </a:ext>
               </a:extLst>
             </p:cNvPr>
@@ -5756,7 +6996,7 @@
           <p:cNvPr id="21" name="그림 20">
             <a:extLst>
               <a:ext uri="{FF2B5EF4-FFF2-40B4-BE49-F238E27FC236}">
-                <a16:creationId xmlns:a16="http://schemas.microsoft.com/office/drawing/2014/main" xmlns="" id="{D101914B-166E-4109-9B52-BFD6A720EABB}"/>
+                <a16:creationId xmlns:a16="http://schemas.microsoft.com/office/drawing/2014/main" id="{D101914B-166E-4109-9B52-BFD6A720EABB}"/>
               </a:ext>
             </a:extLst>
           </p:cNvPr>
@@ -5792,7 +7032,7 @@
           <p:cNvPr id="6" name="그림 5">
             <a:extLst>
               <a:ext uri="{FF2B5EF4-FFF2-40B4-BE49-F238E27FC236}">
-                <a16:creationId xmlns:a16="http://schemas.microsoft.com/office/drawing/2014/main" xmlns="" id="{7D36456B-117D-4AF2-B132-F2B3AAA32255}"/>
+                <a16:creationId xmlns:a16="http://schemas.microsoft.com/office/drawing/2014/main" id="{7D36456B-117D-4AF2-B132-F2B3AAA32255}"/>
               </a:ext>
             </a:extLst>
           </p:cNvPr>
@@ -6093,7 +7333,7 @@
           <p:cNvPr id="4" name="직사각형 3">
             <a:extLst>
               <a:ext uri="{FF2B5EF4-FFF2-40B4-BE49-F238E27FC236}">
-                <a16:creationId xmlns:a16="http://schemas.microsoft.com/office/drawing/2014/main" xmlns="" id="{79290544-BADD-4BB5-AB18-D4C4569ACBF1}"/>
+                <a16:creationId xmlns:a16="http://schemas.microsoft.com/office/drawing/2014/main" id="{79290544-BADD-4BB5-AB18-D4C4569ACBF1}"/>
               </a:ext>
             </a:extLst>
           </p:cNvPr>
@@ -6146,7 +7386,7 @@
           <p:cNvPr id="5" name="그림 4">
             <a:extLst>
               <a:ext uri="{FF2B5EF4-FFF2-40B4-BE49-F238E27FC236}">
-                <a16:creationId xmlns:a16="http://schemas.microsoft.com/office/drawing/2014/main" xmlns="" id="{9804FF94-E009-4DEE-8800-64F35DD3C5F8}"/>
+                <a16:creationId xmlns:a16="http://schemas.microsoft.com/office/drawing/2014/main" id="{9804FF94-E009-4DEE-8800-64F35DD3C5F8}"/>
               </a:ext>
             </a:extLst>
           </p:cNvPr>
@@ -6183,7 +7423,554 @@
           <p:cNvPr id="7" name="개체 6">
             <a:extLst>
               <a:ext uri="{FF2B5EF4-FFF2-40B4-BE49-F238E27FC236}">
-                <a16:creationId xmlns:a16="http://schemas.microsoft.com/office/drawing/2014/main" xmlns="" id="{70D06034-3B58-4132-B530-7E8EFFDBF094}"/>
+                <a16:creationId xmlns:a16="http://schemas.microsoft.com/office/drawing/2014/main" id="{70D06034-3B58-4132-B530-7E8EFFDBF094}"/>
+              </a:ext>
+            </a:extLst>
+          </p:cNvPr>
+          <p:cNvGraphicFramePr>
+            <a:graphicFrameLocks noChangeAspect="1"/>
+          </p:cNvGraphicFramePr>
+          <p:nvPr>
+            <p:extLst>
+              <p:ext uri="{D42A27DB-BD31-4B8C-83A1-F6EECF244321}">
+                <p14:modId xmlns:p14="http://schemas.microsoft.com/office/powerpoint/2010/main" val="3573751678"/>
+              </p:ext>
+            </p:extLst>
+          </p:nvPr>
+        </p:nvGraphicFramePr>
+        <p:xfrm>
+          <a:off x="4781550" y="3122613"/>
+          <a:ext cx="2628900" cy="609600"/>
+        </p:xfrm>
+        <a:graphic>
+          <a:graphicData uri="http://schemas.openxmlformats.org/presentationml/2006/ole">
+            <mc:AlternateContent xmlns:mc="http://schemas.openxmlformats.org/markup-compatibility/2006">
+              <mc:Choice xmlns:v="urn:schemas-microsoft-com:vml" Requires="v">
+                <p:oleObj spid="_x0000_s25622" r:id="rId4" imgW="2628360" imgH="609480" progId="">
+                  <p:embed/>
+                </p:oleObj>
+              </mc:Choice>
+              <mc:Fallback>
+                <p:oleObj r:id="rId4" imgW="2628360" imgH="609480" progId="">
+                  <p:embed/>
+                  <p:pic>
+                    <p:nvPicPr>
+                      <p:cNvPr id="0" name=""/>
+                      <p:cNvPicPr/>
+                      <p:nvPr/>
+                    </p:nvPicPr>
+                    <p:blipFill>
+                      <a:blip r:embed="rId5"/>
+                      <a:stretch>
+                        <a:fillRect/>
+                      </a:stretch>
+                    </p:blipFill>
+                    <p:spPr>
+                      <a:xfrm>
+                        <a:off x="4781550" y="3122613"/>
+                        <a:ext cx="2628900" cy="609600"/>
+                      </a:xfrm>
+                      <a:prstGeom prst="rect">
+                        <a:avLst/>
+                      </a:prstGeom>
+                    </p:spPr>
+                  </p:pic>
+                </p:oleObj>
+              </mc:Fallback>
+            </mc:AlternateContent>
+          </a:graphicData>
+        </a:graphic>
+      </p:graphicFrame>
+      <p:grpSp>
+        <p:nvGrpSpPr>
+          <p:cNvPr id="18" name="그룹 17">
+            <a:extLst>
+              <a:ext uri="{FF2B5EF4-FFF2-40B4-BE49-F238E27FC236}">
+                <a16:creationId xmlns:a16="http://schemas.microsoft.com/office/drawing/2014/main" id="{2906A96E-AE70-4CBA-A3D6-7326232CCD38}"/>
+              </a:ext>
+            </a:extLst>
+          </p:cNvPr>
+          <p:cNvGrpSpPr/>
+          <p:nvPr/>
+        </p:nvGrpSpPr>
+        <p:grpSpPr>
+          <a:xfrm>
+            <a:off x="11585256" y="6110895"/>
+            <a:ext cx="387670" cy="699480"/>
+            <a:chOff x="5479730" y="1917703"/>
+            <a:chExt cx="1488861" cy="2686379"/>
+          </a:xfrm>
+        </p:grpSpPr>
+        <p:pic>
+          <p:nvPicPr>
+            <p:cNvPr id="19" name="그림 18">
+              <a:extLst>
+                <a:ext uri="{FF2B5EF4-FFF2-40B4-BE49-F238E27FC236}">
+                  <a16:creationId xmlns:a16="http://schemas.microsoft.com/office/drawing/2014/main" id="{5E6D51A9-BA62-4876-83B4-2EBD80AC33F2}"/>
+                </a:ext>
+              </a:extLst>
+            </p:cNvPr>
+            <p:cNvPicPr>
+              <a:picLocks noChangeAspect="1"/>
+            </p:cNvPicPr>
+            <p:nvPr/>
+          </p:nvPicPr>
+          <p:blipFill>
+            <a:blip r:embed="rId6" cstate="print">
+              <a:biLevel thresh="25000"/>
+              <a:extLst>
+                <a:ext uri="{28A0092B-C50C-407E-A947-70E740481C1C}">
+                  <a14:useLocalDpi xmlns:a14="http://schemas.microsoft.com/office/drawing/2010/main" val="0"/>
+                </a:ext>
+              </a:extLst>
+            </a:blip>
+            <a:stretch>
+              <a:fillRect/>
+            </a:stretch>
+          </p:blipFill>
+          <p:spPr>
+            <a:xfrm>
+              <a:off x="5945295" y="1917703"/>
+              <a:ext cx="588660" cy="954343"/>
+            </a:xfrm>
+            <a:prstGeom prst="rect">
+              <a:avLst/>
+            </a:prstGeom>
+          </p:spPr>
+        </p:pic>
+        <p:grpSp>
+          <p:nvGrpSpPr>
+            <p:cNvPr id="20" name="그룹 19">
+              <a:extLst>
+                <a:ext uri="{FF2B5EF4-FFF2-40B4-BE49-F238E27FC236}">
+                  <a16:creationId xmlns:a16="http://schemas.microsoft.com/office/drawing/2014/main" id="{1476DE7F-FD5A-4025-923C-5A2ACABE130F}"/>
+                </a:ext>
+              </a:extLst>
+            </p:cNvPr>
+            <p:cNvGrpSpPr/>
+            <p:nvPr/>
+          </p:nvGrpSpPr>
+          <p:grpSpPr>
+            <a:xfrm>
+              <a:off x="5479730" y="2931603"/>
+              <a:ext cx="1488861" cy="1672479"/>
+              <a:chOff x="5479730" y="2931603"/>
+              <a:chExt cx="1488861" cy="1672479"/>
+            </a:xfrm>
+          </p:grpSpPr>
+          <p:pic>
+            <p:nvPicPr>
+              <p:cNvPr id="21" name="그림 20">
+                <a:extLst>
+                  <a:ext uri="{FF2B5EF4-FFF2-40B4-BE49-F238E27FC236}">
+                    <a16:creationId xmlns:a16="http://schemas.microsoft.com/office/drawing/2014/main" id="{B5515AC8-55CE-4E7B-BBF2-3258D64521F0}"/>
+                  </a:ext>
+                </a:extLst>
+              </p:cNvPr>
+              <p:cNvPicPr>
+                <a:picLocks noChangeAspect="1"/>
+              </p:cNvPicPr>
+              <p:nvPr/>
+            </p:nvPicPr>
+            <p:blipFill rotWithShape="1">
+              <a:blip r:embed="rId7" cstate="print">
+                <a:extLst>
+                  <a:ext uri="{28A0092B-C50C-407E-A947-70E740481C1C}">
+                    <a14:useLocalDpi xmlns:a14="http://schemas.microsoft.com/office/drawing/2010/main" val="0"/>
+                  </a:ext>
+                </a:extLst>
+              </a:blip>
+              <a:srcRect t="88318"/>
+              <a:stretch/>
+            </p:blipFill>
+            <p:spPr>
+              <a:xfrm>
+                <a:off x="5571177" y="4320359"/>
+                <a:ext cx="1336897" cy="283723"/>
+              </a:xfrm>
+              <a:prstGeom prst="rect">
+                <a:avLst/>
+              </a:prstGeom>
+              <a:solidFill>
+                <a:srgbClr val="446897"/>
+              </a:solidFill>
+            </p:spPr>
+          </p:pic>
+          <p:pic>
+            <p:nvPicPr>
+              <p:cNvPr id="22" name="그림 21">
+                <a:extLst>
+                  <a:ext uri="{FF2B5EF4-FFF2-40B4-BE49-F238E27FC236}">
+                    <a16:creationId xmlns:a16="http://schemas.microsoft.com/office/drawing/2014/main" id="{98CF109D-0B35-4A01-95B2-3C58FC6AF8AC}"/>
+                  </a:ext>
+                </a:extLst>
+              </p:cNvPr>
+              <p:cNvPicPr>
+                <a:picLocks noChangeAspect="1"/>
+              </p:cNvPicPr>
+              <p:nvPr/>
+            </p:nvPicPr>
+            <p:blipFill>
+              <a:blip r:embed="rId8" cstate="print">
+                <a:biLevel thresh="25000"/>
+                <a:extLst>
+                  <a:ext uri="{28A0092B-C50C-407E-A947-70E740481C1C}">
+                    <a14:useLocalDpi xmlns:a14="http://schemas.microsoft.com/office/drawing/2010/main" val="0"/>
+                  </a:ext>
+                </a:extLst>
+              </a:blip>
+              <a:stretch>
+                <a:fillRect/>
+              </a:stretch>
+            </p:blipFill>
+            <p:spPr>
+              <a:xfrm>
+                <a:off x="5479730" y="2931603"/>
+                <a:ext cx="1488861" cy="1269642"/>
+              </a:xfrm>
+              <a:prstGeom prst="rect">
+                <a:avLst/>
+              </a:prstGeom>
+              <a:noFill/>
+            </p:spPr>
+          </p:pic>
+        </p:grpSp>
+      </p:grpSp>
+      <p:pic>
+        <p:nvPicPr>
+          <p:cNvPr id="31" name="그림 30">
+            <a:extLst>
+              <a:ext uri="{FF2B5EF4-FFF2-40B4-BE49-F238E27FC236}">
+                <a16:creationId xmlns:a16="http://schemas.microsoft.com/office/drawing/2014/main" id="{D101914B-166E-4109-9B52-BFD6A720EABB}"/>
+              </a:ext>
+            </a:extLst>
+          </p:cNvPr>
+          <p:cNvPicPr>
+            <a:picLocks noChangeAspect="1"/>
+          </p:cNvPicPr>
+          <p:nvPr/>
+        </p:nvPicPr>
+        <p:blipFill>
+          <a:blip r:embed="rId9">
+            <a:extLst>
+              <a:ext uri="{28A0092B-C50C-407E-A947-70E740481C1C}">
+                <a14:useLocalDpi xmlns:a14="http://schemas.microsoft.com/office/drawing/2010/main" val="0"/>
+              </a:ext>
+            </a:extLst>
+          </a:blip>
+          <a:stretch>
+            <a:fillRect/>
+          </a:stretch>
+        </p:blipFill>
+        <p:spPr>
+          <a:xfrm>
+            <a:off x="467741" y="195677"/>
+            <a:ext cx="2694345" cy="442906"/>
+          </a:xfrm>
+          <a:prstGeom prst="rect">
+            <a:avLst/>
+          </a:prstGeom>
+        </p:spPr>
+      </p:pic>
+      <p:pic>
+        <p:nvPicPr>
+          <p:cNvPr id="25605" name="Picture 5" descr="C:\Users\jrk81\Desktop\theme.JPG"/>
+          <p:cNvPicPr>
+            <a:picLocks noChangeAspect="1" noChangeArrowheads="1"/>
+          </p:cNvPicPr>
+          <p:nvPr/>
+        </p:nvPicPr>
+        <p:blipFill>
+          <a:blip r:embed="rId10">
+            <a:extLst>
+              <a:ext uri="{28A0092B-C50C-407E-A947-70E740481C1C}">
+                <a14:useLocalDpi xmlns:a14="http://schemas.microsoft.com/office/drawing/2010/main" val="0"/>
+              </a:ext>
+            </a:extLst>
+          </a:blip>
+          <a:srcRect/>
+          <a:stretch>
+            <a:fillRect/>
+          </a:stretch>
+        </p:blipFill>
+        <p:spPr bwMode="auto">
+          <a:xfrm>
+            <a:off x="37515" y="2623394"/>
+            <a:ext cx="12116969" cy="1443401"/>
+          </a:xfrm>
+          <a:prstGeom prst="rect">
+            <a:avLst/>
+          </a:prstGeom>
+          <a:noFill/>
+          <a:extLst>
+            <a:ext uri="{909E8E84-426E-40DD-AFC4-6F175D3DCCD1}">
+              <a14:hiddenFill xmlns:a14="http://schemas.microsoft.com/office/drawing/2010/main">
+                <a:solidFill>
+                  <a:srgbClr val="FFFFFF"/>
+                </a:solidFill>
+              </a14:hiddenFill>
+            </a:ext>
+          </a:extLst>
+        </p:spPr>
+      </p:pic>
+      <p:pic>
+        <p:nvPicPr>
+          <p:cNvPr id="35" name="Picture 21" descr="C:\Users\jrk81\Desktop\text_theme_problem.JPG"/>
+          <p:cNvPicPr>
+            <a:picLocks noChangeAspect="1" noChangeArrowheads="1"/>
+          </p:cNvPicPr>
+          <p:nvPr/>
+        </p:nvPicPr>
+        <p:blipFill>
+          <a:blip r:embed="rId11">
+            <a:extLst>
+              <a:ext uri="{28A0092B-C50C-407E-A947-70E740481C1C}">
+                <a14:useLocalDpi xmlns:a14="http://schemas.microsoft.com/office/drawing/2010/main" val="0"/>
+              </a:ext>
+            </a:extLst>
+          </a:blip>
+          <a:srcRect/>
+          <a:stretch>
+            <a:fillRect/>
+          </a:stretch>
+        </p:blipFill>
+        <p:spPr bwMode="auto">
+          <a:xfrm>
+            <a:off x="176231" y="6096632"/>
+            <a:ext cx="3471414" cy="658043"/>
+          </a:xfrm>
+          <a:prstGeom prst="rect">
+            <a:avLst/>
+          </a:prstGeom>
+          <a:noFill/>
+          <a:extLst>
+            <a:ext uri="{909E8E84-426E-40DD-AFC4-6F175D3DCCD1}">
+              <a14:hiddenFill xmlns:a14="http://schemas.microsoft.com/office/drawing/2010/main">
+                <a:solidFill>
+                  <a:srgbClr val="FFFFFF"/>
+                </a:solidFill>
+              </a14:hiddenFill>
+            </a:ext>
+          </a:extLst>
+        </p:spPr>
+      </p:pic>
+    </p:spTree>
+    <p:extLst>
+      <p:ext uri="{BB962C8B-B14F-4D97-AF65-F5344CB8AC3E}">
+        <p14:creationId xmlns:p14="http://schemas.microsoft.com/office/powerpoint/2010/main" val="4009495765"/>
+      </p:ext>
+    </p:extLst>
+  </p:cSld>
+  <p:clrMapOvr>
+    <a:masterClrMapping/>
+  </p:clrMapOvr>
+  <p:timing>
+    <p:tnLst>
+      <p:par>
+        <p:cTn id="1" dur="indefinite" restart="never" nodeType="tmRoot">
+          <p:childTnLst>
+            <p:seq concurrent="1" nextAc="seek">
+              <p:cTn id="2" dur="indefinite" nodeType="mainSeq">
+                <p:childTnLst>
+                  <p:par>
+                    <p:cTn id="3" fill="hold">
+                      <p:stCondLst>
+                        <p:cond delay="indefinite"/>
+                      </p:stCondLst>
+                      <p:childTnLst>
+                        <p:par>
+                          <p:cTn id="4" fill="hold">
+                            <p:stCondLst>
+                              <p:cond delay="0"/>
+                            </p:stCondLst>
+                            <p:childTnLst>
+                              <p:par>
+                                <p:cTn id="5" presetID="10" presetClass="entr" presetSubtype="0" fill="hold" nodeType="clickEffect">
+                                  <p:stCondLst>
+                                    <p:cond delay="0"/>
+                                  </p:stCondLst>
+                                  <p:childTnLst>
+                                    <p:set>
+                                      <p:cBhvr>
+                                        <p:cTn id="6" dur="1" fill="hold">
+                                          <p:stCondLst>
+                                            <p:cond delay="0"/>
+                                          </p:stCondLst>
+                                        </p:cTn>
+                                        <p:tgtEl>
+                                          <p:spTgt spid="25605"/>
+                                        </p:tgtEl>
+                                        <p:attrNameLst>
+                                          <p:attrName>style.visibility</p:attrName>
+                                        </p:attrNameLst>
+                                      </p:cBhvr>
+                                      <p:to>
+                                        <p:strVal val="visible"/>
+                                      </p:to>
+                                    </p:set>
+                                    <p:animEffect transition="in" filter="fade">
+                                      <p:cBhvr>
+                                        <p:cTn id="7" dur="500"/>
+                                        <p:tgtEl>
+                                          <p:spTgt spid="25605"/>
+                                        </p:tgtEl>
+                                      </p:cBhvr>
+                                    </p:animEffect>
+                                  </p:childTnLst>
+                                </p:cTn>
+                              </p:par>
+                            </p:childTnLst>
+                          </p:cTn>
+                        </p:par>
+                      </p:childTnLst>
+                    </p:cTn>
+                  </p:par>
+                </p:childTnLst>
+              </p:cTn>
+              <p:prevCondLst>
+                <p:cond evt="onPrev" delay="0">
+                  <p:tgtEl>
+                    <p:sldTgt/>
+                  </p:tgtEl>
+                </p:cond>
+              </p:prevCondLst>
+              <p:nextCondLst>
+                <p:cond evt="onNext" delay="0">
+                  <p:tgtEl>
+                    <p:sldTgt/>
+                  </p:tgtEl>
+                </p:cond>
+              </p:nextCondLst>
+            </p:seq>
+          </p:childTnLst>
+        </p:cTn>
+      </p:par>
+    </p:tnLst>
+  </p:timing>
+</p:sld>
+</file>
+
+<file path=ppt/slides/slide4.xml><?xml version="1.0" encoding="utf-8"?>
+<p:sld xmlns:a="http://schemas.openxmlformats.org/drawingml/2006/main" xmlns:r="http://schemas.openxmlformats.org/officeDocument/2006/relationships" xmlns:p="http://schemas.openxmlformats.org/presentationml/2006/main">
+  <p:cSld>
+    <p:bg>
+      <p:bgPr>
+        <a:solidFill>
+          <a:srgbClr val="446897"/>
+        </a:solidFill>
+        <a:effectLst/>
+      </p:bgPr>
+    </p:bg>
+    <p:spTree>
+      <p:nvGrpSpPr>
+        <p:cNvPr id="1" name=""/>
+        <p:cNvGrpSpPr/>
+        <p:nvPr/>
+      </p:nvGrpSpPr>
+      <p:grpSpPr>
+        <a:xfrm>
+          <a:off x="0" y="0"/>
+          <a:ext cx="0" cy="0"/>
+          <a:chOff x="0" y="0"/>
+          <a:chExt cx="0" cy="0"/>
+        </a:xfrm>
+      </p:grpSpPr>
+      <p:sp>
+        <p:nvSpPr>
+          <p:cNvPr id="4" name="직사각형 3">
+            <a:extLst>
+              <a:ext uri="{FF2B5EF4-FFF2-40B4-BE49-F238E27FC236}">
+                <a16:creationId xmlns:a16="http://schemas.microsoft.com/office/drawing/2014/main" id="{79290544-BADD-4BB5-AB18-D4C4569ACBF1}"/>
+              </a:ext>
+            </a:extLst>
+          </p:cNvPr>
+          <p:cNvSpPr/>
+          <p:nvPr/>
+        </p:nvSpPr>
+        <p:spPr>
+          <a:xfrm>
+            <a:off x="0" y="875211"/>
+            <a:ext cx="12192000" cy="5138058"/>
+          </a:xfrm>
+          <a:prstGeom prst="rect">
+            <a:avLst/>
+          </a:prstGeom>
+          <a:solidFill>
+            <a:schemeClr val="bg1"/>
+          </a:solidFill>
+        </p:spPr>
+        <p:style>
+          <a:lnRef idx="2">
+            <a:schemeClr val="accent1">
+              <a:shade val="50000"/>
+            </a:schemeClr>
+          </a:lnRef>
+          <a:fillRef idx="1">
+            <a:schemeClr val="accent1"/>
+          </a:fillRef>
+          <a:effectRef idx="0">
+            <a:schemeClr val="accent1"/>
+          </a:effectRef>
+          <a:fontRef idx="minor">
+            <a:schemeClr val="lt1"/>
+          </a:fontRef>
+        </p:style>
+        <p:txBody>
+          <a:bodyPr rtlCol="0" anchor="ctr"/>
+          <a:lstStyle/>
+          <a:p>
+            <a:pPr algn="ctr"/>
+            <a:endParaRPr lang="ko-KR" altLang="en-US">
+              <a:solidFill>
+                <a:schemeClr val="bg1"/>
+              </a:solidFill>
+            </a:endParaRPr>
+          </a:p>
+        </p:txBody>
+      </p:sp>
+      <p:pic>
+        <p:nvPicPr>
+          <p:cNvPr id="5" name="그림 4">
+            <a:extLst>
+              <a:ext uri="{FF2B5EF4-FFF2-40B4-BE49-F238E27FC236}">
+                <a16:creationId xmlns:a16="http://schemas.microsoft.com/office/drawing/2014/main" id="{9804FF94-E009-4DEE-8800-64F35DD3C5F8}"/>
+              </a:ext>
+            </a:extLst>
+          </p:cNvPr>
+          <p:cNvPicPr>
+            <a:picLocks noChangeAspect="1"/>
+          </p:cNvPicPr>
+          <p:nvPr/>
+        </p:nvPicPr>
+        <p:blipFill>
+          <a:blip r:embed="rId3">
+            <a:biLevel thresh="25000"/>
+            <a:extLst>
+              <a:ext uri="{28A0092B-C50C-407E-A947-70E740481C1C}">
+                <a14:useLocalDpi xmlns:a14="http://schemas.microsoft.com/office/drawing/2010/main" val="0"/>
+              </a:ext>
+            </a:extLst>
+          </a:blip>
+          <a:stretch>
+            <a:fillRect/>
+          </a:stretch>
+        </p:blipFill>
+        <p:spPr>
+          <a:xfrm>
+            <a:off x="176231" y="185583"/>
+            <a:ext cx="291510" cy="472600"/>
+          </a:xfrm>
+          <a:prstGeom prst="rect">
+            <a:avLst/>
+          </a:prstGeom>
+        </p:spPr>
+      </p:pic>
+      <p:graphicFrame>
+        <p:nvGraphicFramePr>
+          <p:cNvPr id="7" name="개체 6">
+            <a:extLst>
+              <a:ext uri="{FF2B5EF4-FFF2-40B4-BE49-F238E27FC236}">
+                <a16:creationId xmlns:a16="http://schemas.microsoft.com/office/drawing/2014/main" id="{70D06034-3B58-4132-B530-7E8EFFDBF094}"/>
               </a:ext>
             </a:extLst>
           </p:cNvPr>
@@ -6206,7 +7993,7 @@
           <a:graphicData uri="http://schemas.openxmlformats.org/presentationml/2006/ole">
             <mc:AlternateContent xmlns:mc="http://schemas.openxmlformats.org/markup-compatibility/2006">
               <mc:Choice xmlns:v="urn:schemas-microsoft-com:vml" Requires="v">
-                <p:oleObj spid="_x0000_s1055" r:id="rId4" imgW="2628360" imgH="609480" progId="">
+                <p:oleObj spid="_x0000_s1061" r:id="rId4" imgW="2628360" imgH="609480" progId="">
                   <p:embed/>
                 </p:oleObj>
               </mc:Choice>
@@ -6246,7 +8033,7 @@
           <p:cNvPr id="10" name="그림 9">
             <a:extLst>
               <a:ext uri="{FF2B5EF4-FFF2-40B4-BE49-F238E27FC236}">
-                <a16:creationId xmlns:a16="http://schemas.microsoft.com/office/drawing/2014/main" xmlns="" id="{2F10FA21-E0D2-4956-8599-1BC38B4C93AB}"/>
+                <a16:creationId xmlns:a16="http://schemas.microsoft.com/office/drawing/2014/main" id="{2F10FA21-E0D2-4956-8599-1BC38B4C93AB}"/>
               </a:ext>
             </a:extLst>
           </p:cNvPr>
@@ -6283,7 +8070,7 @@
           <p:cNvPr id="11" name="그림 10">
             <a:extLst>
               <a:ext uri="{FF2B5EF4-FFF2-40B4-BE49-F238E27FC236}">
-                <a16:creationId xmlns:a16="http://schemas.microsoft.com/office/drawing/2014/main" xmlns="" id="{78079C02-4AC1-49B6-946E-8D348B2F70E7}"/>
+                <a16:creationId xmlns:a16="http://schemas.microsoft.com/office/drawing/2014/main" id="{78079C02-4AC1-49B6-946E-8D348B2F70E7}"/>
               </a:ext>
             </a:extLst>
           </p:cNvPr>
@@ -6320,7 +8107,7 @@
           <p:cNvPr id="12" name="그림 11">
             <a:extLst>
               <a:ext uri="{FF2B5EF4-FFF2-40B4-BE49-F238E27FC236}">
-                <a16:creationId xmlns:a16="http://schemas.microsoft.com/office/drawing/2014/main" xmlns="" id="{11DF0D6B-2EDE-47BD-A029-D24225833B13}"/>
+                <a16:creationId xmlns:a16="http://schemas.microsoft.com/office/drawing/2014/main" id="{11DF0D6B-2EDE-47BD-A029-D24225833B13}"/>
               </a:ext>
             </a:extLst>
           </p:cNvPr>
@@ -6357,7 +8144,7 @@
           <p:cNvPr id="13" name="그림 12">
             <a:extLst>
               <a:ext uri="{FF2B5EF4-FFF2-40B4-BE49-F238E27FC236}">
-                <a16:creationId xmlns:a16="http://schemas.microsoft.com/office/drawing/2014/main" xmlns="" id="{25766A6F-5D98-47A7-874D-F19FC50006B7}"/>
+                <a16:creationId xmlns:a16="http://schemas.microsoft.com/office/drawing/2014/main" id="{25766A6F-5D98-47A7-874D-F19FC50006B7}"/>
               </a:ext>
             </a:extLst>
           </p:cNvPr>
@@ -6394,7 +8181,7 @@
           <p:cNvPr id="14" name="그림 13">
             <a:extLst>
               <a:ext uri="{FF2B5EF4-FFF2-40B4-BE49-F238E27FC236}">
-                <a16:creationId xmlns:a16="http://schemas.microsoft.com/office/drawing/2014/main" xmlns="" id="{4FC58173-603B-41AD-AF19-1C2BE824DA39}"/>
+                <a16:creationId xmlns:a16="http://schemas.microsoft.com/office/drawing/2014/main" id="{4FC58173-603B-41AD-AF19-1C2BE824DA39}"/>
               </a:ext>
             </a:extLst>
           </p:cNvPr>
@@ -6431,7 +8218,7 @@
           <p:cNvPr id="16" name="그림 15">
             <a:extLst>
               <a:ext uri="{FF2B5EF4-FFF2-40B4-BE49-F238E27FC236}">
-                <a16:creationId xmlns:a16="http://schemas.microsoft.com/office/drawing/2014/main" xmlns="" id="{A68B5E75-D3F0-4FDC-9433-18C20956420D}"/>
+                <a16:creationId xmlns:a16="http://schemas.microsoft.com/office/drawing/2014/main" id="{A68B5E75-D3F0-4FDC-9433-18C20956420D}"/>
               </a:ext>
             </a:extLst>
           </p:cNvPr>
@@ -6468,7 +8255,7 @@
           <p:cNvPr id="17" name="그림 16">
             <a:extLst>
               <a:ext uri="{FF2B5EF4-FFF2-40B4-BE49-F238E27FC236}">
-                <a16:creationId xmlns:a16="http://schemas.microsoft.com/office/drawing/2014/main" xmlns="" id="{5B027ADB-4BAD-44B1-962A-6E9519696269}"/>
+                <a16:creationId xmlns:a16="http://schemas.microsoft.com/office/drawing/2014/main" id="{5B027ADB-4BAD-44B1-962A-6E9519696269}"/>
               </a:ext>
             </a:extLst>
           </p:cNvPr>
@@ -6505,7 +8292,7 @@
           <p:cNvPr id="18" name="그룹 17">
             <a:extLst>
               <a:ext uri="{FF2B5EF4-FFF2-40B4-BE49-F238E27FC236}">
-                <a16:creationId xmlns:a16="http://schemas.microsoft.com/office/drawing/2014/main" xmlns="" id="{2906A96E-AE70-4CBA-A3D6-7326232CCD38}"/>
+                <a16:creationId xmlns:a16="http://schemas.microsoft.com/office/drawing/2014/main" id="{2906A96E-AE70-4CBA-A3D6-7326232CCD38}"/>
               </a:ext>
             </a:extLst>
           </p:cNvPr>
@@ -6525,7 +8312,7 @@
             <p:cNvPr id="19" name="그림 18">
               <a:extLst>
                 <a:ext uri="{FF2B5EF4-FFF2-40B4-BE49-F238E27FC236}">
-                  <a16:creationId xmlns:a16="http://schemas.microsoft.com/office/drawing/2014/main" xmlns="" id="{5E6D51A9-BA62-4876-83B4-2EBD80AC33F2}"/>
+                  <a16:creationId xmlns:a16="http://schemas.microsoft.com/office/drawing/2014/main" id="{5E6D51A9-BA62-4876-83B4-2EBD80AC33F2}"/>
                 </a:ext>
               </a:extLst>
             </p:cNvPr>
@@ -6562,7 +8349,7 @@
             <p:cNvPr id="20" name="그룹 19">
               <a:extLst>
                 <a:ext uri="{FF2B5EF4-FFF2-40B4-BE49-F238E27FC236}">
-                  <a16:creationId xmlns:a16="http://schemas.microsoft.com/office/drawing/2014/main" xmlns="" id="{1476DE7F-FD5A-4025-923C-5A2ACABE130F}"/>
+                  <a16:creationId xmlns:a16="http://schemas.microsoft.com/office/drawing/2014/main" id="{1476DE7F-FD5A-4025-923C-5A2ACABE130F}"/>
                 </a:ext>
               </a:extLst>
             </p:cNvPr>
@@ -6582,7 +8369,7 @@
               <p:cNvPr id="21" name="그림 20">
                 <a:extLst>
                   <a:ext uri="{FF2B5EF4-FFF2-40B4-BE49-F238E27FC236}">
-                    <a16:creationId xmlns:a16="http://schemas.microsoft.com/office/drawing/2014/main" xmlns="" id="{B5515AC8-55CE-4E7B-BBF2-3258D64521F0}"/>
+                    <a16:creationId xmlns:a16="http://schemas.microsoft.com/office/drawing/2014/main" id="{B5515AC8-55CE-4E7B-BBF2-3258D64521F0}"/>
                   </a:ext>
                 </a:extLst>
               </p:cNvPr>
@@ -6620,7 +8407,7 @@
               <p:cNvPr id="22" name="그림 21">
                 <a:extLst>
                   <a:ext uri="{FF2B5EF4-FFF2-40B4-BE49-F238E27FC236}">
-                    <a16:creationId xmlns:a16="http://schemas.microsoft.com/office/drawing/2014/main" xmlns="" id="{98CF109D-0B35-4A01-95B2-3C58FC6AF8AC}"/>
+                    <a16:creationId xmlns:a16="http://schemas.microsoft.com/office/drawing/2014/main" id="{98CF109D-0B35-4A01-95B2-3C58FC6AF8AC}"/>
                   </a:ext>
                 </a:extLst>
               </p:cNvPr>
@@ -6660,7 +8447,7 @@
           <p:cNvPr id="3" name="그림 2">
             <a:extLst>
               <a:ext uri="{FF2B5EF4-FFF2-40B4-BE49-F238E27FC236}">
-                <a16:creationId xmlns:a16="http://schemas.microsoft.com/office/drawing/2014/main" xmlns="" id="{9CEBAB9D-F1BC-4C55-ACF9-AE0232E4E795}"/>
+                <a16:creationId xmlns:a16="http://schemas.microsoft.com/office/drawing/2014/main" id="{9CEBAB9D-F1BC-4C55-ACF9-AE0232E4E795}"/>
               </a:ext>
             </a:extLst>
           </p:cNvPr>
@@ -6696,7 +8483,7 @@
           <p:cNvPr id="23" name="그림 22">
             <a:extLst>
               <a:ext uri="{FF2B5EF4-FFF2-40B4-BE49-F238E27FC236}">
-                <a16:creationId xmlns:a16="http://schemas.microsoft.com/office/drawing/2014/main" xmlns="" id="{C747485E-B2CC-4182-ABB0-445E65F6025F}"/>
+                <a16:creationId xmlns:a16="http://schemas.microsoft.com/office/drawing/2014/main" id="{C747485E-B2CC-4182-ABB0-445E65F6025F}"/>
               </a:ext>
             </a:extLst>
           </p:cNvPr>
@@ -6732,7 +8519,7 @@
           <p:cNvPr id="24" name="그림 23">
             <a:extLst>
               <a:ext uri="{FF2B5EF4-FFF2-40B4-BE49-F238E27FC236}">
-                <a16:creationId xmlns:a16="http://schemas.microsoft.com/office/drawing/2014/main" xmlns="" id="{5762C817-59C4-4FC1-9351-9023BA2CA01E}"/>
+                <a16:creationId xmlns:a16="http://schemas.microsoft.com/office/drawing/2014/main" id="{5762C817-59C4-4FC1-9351-9023BA2CA01E}"/>
               </a:ext>
             </a:extLst>
           </p:cNvPr>
@@ -6768,7 +8555,7 @@
           <p:cNvPr id="25" name="그림 24">
             <a:extLst>
               <a:ext uri="{FF2B5EF4-FFF2-40B4-BE49-F238E27FC236}">
-                <a16:creationId xmlns:a16="http://schemas.microsoft.com/office/drawing/2014/main" xmlns="" id="{32D57004-809D-4B28-A53C-4AAD34C921EF}"/>
+                <a16:creationId xmlns:a16="http://schemas.microsoft.com/office/drawing/2014/main" id="{32D57004-809D-4B28-A53C-4AAD34C921EF}"/>
               </a:ext>
             </a:extLst>
           </p:cNvPr>
@@ -6804,7 +8591,7 @@
           <p:cNvPr id="26" name="그림 25">
             <a:extLst>
               <a:ext uri="{FF2B5EF4-FFF2-40B4-BE49-F238E27FC236}">
-                <a16:creationId xmlns:a16="http://schemas.microsoft.com/office/drawing/2014/main" xmlns="" id="{5B93512B-FB4D-43EA-B24D-F5857E6CBC3F}"/>
+                <a16:creationId xmlns:a16="http://schemas.microsoft.com/office/drawing/2014/main" id="{5B93512B-FB4D-43EA-B24D-F5857E6CBC3F}"/>
               </a:ext>
             </a:extLst>
           </p:cNvPr>
@@ -6840,7 +8627,7 @@
           <p:cNvPr id="27" name="그림 26">
             <a:extLst>
               <a:ext uri="{FF2B5EF4-FFF2-40B4-BE49-F238E27FC236}">
-                <a16:creationId xmlns:a16="http://schemas.microsoft.com/office/drawing/2014/main" xmlns="" id="{0001F60B-DF8B-4429-B9F5-25DE3D702376}"/>
+                <a16:creationId xmlns:a16="http://schemas.microsoft.com/office/drawing/2014/main" id="{0001F60B-DF8B-4429-B9F5-25DE3D702376}"/>
               </a:ext>
             </a:extLst>
           </p:cNvPr>
@@ -6876,7 +8663,7 @@
           <p:cNvPr id="28" name="그림 27">
             <a:extLst>
               <a:ext uri="{FF2B5EF4-FFF2-40B4-BE49-F238E27FC236}">
-                <a16:creationId xmlns:a16="http://schemas.microsoft.com/office/drawing/2014/main" xmlns="" id="{45C64C41-31B2-4F8D-833F-F24B3C2A1160}"/>
+                <a16:creationId xmlns:a16="http://schemas.microsoft.com/office/drawing/2014/main" id="{45C64C41-31B2-4F8D-833F-F24B3C2A1160}"/>
               </a:ext>
             </a:extLst>
           </p:cNvPr>
@@ -6912,7 +8699,7 @@
           <p:cNvPr id="29" name="그림 28">
             <a:extLst>
               <a:ext uri="{FF2B5EF4-FFF2-40B4-BE49-F238E27FC236}">
-                <a16:creationId xmlns:a16="http://schemas.microsoft.com/office/drawing/2014/main" xmlns="" id="{EBFD75E1-434F-4006-9A22-04F05D339EB3}"/>
+                <a16:creationId xmlns:a16="http://schemas.microsoft.com/office/drawing/2014/main" id="{EBFD75E1-434F-4006-9A22-04F05D339EB3}"/>
               </a:ext>
             </a:extLst>
           </p:cNvPr>
@@ -6949,7 +8736,7 @@
           <p:cNvPr id="30" name="그림 29">
             <a:extLst>
               <a:ext uri="{FF2B5EF4-FFF2-40B4-BE49-F238E27FC236}">
-                <a16:creationId xmlns:a16="http://schemas.microsoft.com/office/drawing/2014/main" xmlns="" id="{9C1743A2-5741-4A7D-AB1A-383D5B6D4D39}"/>
+                <a16:creationId xmlns:a16="http://schemas.microsoft.com/office/drawing/2014/main" id="{9C1743A2-5741-4A7D-AB1A-383D5B6D4D39}"/>
               </a:ext>
             </a:extLst>
           </p:cNvPr>
@@ -6985,7 +8772,7 @@
           <p:cNvPr id="31" name="그림 30">
             <a:extLst>
               <a:ext uri="{FF2B5EF4-FFF2-40B4-BE49-F238E27FC236}">
-                <a16:creationId xmlns:a16="http://schemas.microsoft.com/office/drawing/2014/main" xmlns="" id="{D101914B-166E-4109-9B52-BFD6A720EABB}"/>
+                <a16:creationId xmlns:a16="http://schemas.microsoft.com/office/drawing/2014/main" id="{D101914B-166E-4109-9B52-BFD6A720EABB}"/>
               </a:ext>
             </a:extLst>
           </p:cNvPr>
@@ -7687,7 +9474,7 @@
 </p:sld>
 </file>
 
-<file path=ppt/slides/slide4.xml><?xml version="1.0" encoding="utf-8"?>
+<file path=ppt/slides/slide5.xml><?xml version="1.0" encoding="utf-8"?>
 <p:sld xmlns:a="http://schemas.openxmlformats.org/drawingml/2006/main" xmlns:r="http://schemas.openxmlformats.org/officeDocument/2006/relationships" xmlns:p="http://schemas.openxmlformats.org/presentationml/2006/main">
   <p:cSld>
     <p:bg>
@@ -7717,7 +9504,7 @@
           <p:cNvPr id="4" name="직사각형 3">
             <a:extLst>
               <a:ext uri="{FF2B5EF4-FFF2-40B4-BE49-F238E27FC236}">
-                <a16:creationId xmlns:a16="http://schemas.microsoft.com/office/drawing/2014/main" xmlns="" id="{79290544-BADD-4BB5-AB18-D4C4569ACBF1}"/>
+                <a16:creationId xmlns:a16="http://schemas.microsoft.com/office/drawing/2014/main" id="{79290544-BADD-4BB5-AB18-D4C4569ACBF1}"/>
               </a:ext>
             </a:extLst>
           </p:cNvPr>
@@ -7770,7 +9557,7 @@
           <p:cNvPr id="5" name="그림 4">
             <a:extLst>
               <a:ext uri="{FF2B5EF4-FFF2-40B4-BE49-F238E27FC236}">
-                <a16:creationId xmlns:a16="http://schemas.microsoft.com/office/drawing/2014/main" xmlns="" id="{9804FF94-E009-4DEE-8800-64F35DD3C5F8}"/>
+                <a16:creationId xmlns:a16="http://schemas.microsoft.com/office/drawing/2014/main" id="{9804FF94-E009-4DEE-8800-64F35DD3C5F8}"/>
               </a:ext>
             </a:extLst>
           </p:cNvPr>
@@ -7807,7 +9594,7 @@
           <p:cNvPr id="7" name="개체 6">
             <a:extLst>
               <a:ext uri="{FF2B5EF4-FFF2-40B4-BE49-F238E27FC236}">
-                <a16:creationId xmlns:a16="http://schemas.microsoft.com/office/drawing/2014/main" xmlns="" id="{70D06034-3B58-4132-B530-7E8EFFDBF094}"/>
+                <a16:creationId xmlns:a16="http://schemas.microsoft.com/office/drawing/2014/main" id="{70D06034-3B58-4132-B530-7E8EFFDBF094}"/>
               </a:ext>
             </a:extLst>
           </p:cNvPr>
@@ -7815,11 +9602,7 @@
             <a:graphicFrameLocks noChangeAspect="1"/>
           </p:cNvGraphicFramePr>
           <p:nvPr>
-            <p:extLst>
-              <p:ext uri="{D42A27DB-BD31-4B8C-83A1-F6EECF244321}">
-                <p14:modId xmlns:p14="http://schemas.microsoft.com/office/powerpoint/2010/main" val="3573751678"/>
-              </p:ext>
-            </p:extLst>
+            <p:extLst/>
           </p:nvPr>
         </p:nvGraphicFramePr>
         <p:xfrm>
@@ -7830,7 +9613,7 @@
           <a:graphicData uri="http://schemas.openxmlformats.org/presentationml/2006/ole">
             <mc:AlternateContent xmlns:mc="http://schemas.openxmlformats.org/markup-compatibility/2006">
               <mc:Choice xmlns:v="urn:schemas-microsoft-com:vml" Requires="v">
-                <p:oleObj spid="_x0000_s25615" r:id="rId4" imgW="2628360" imgH="609480" progId="">
+                <p:oleObj spid="_x0000_s28677" r:id="rId4" imgW="2628360" imgH="609480" progId="">
                   <p:embed/>
                 </p:oleObj>
               </mc:Choice>
@@ -7839,7 +9622,13 @@
                   <p:embed/>
                   <p:pic>
                     <p:nvPicPr>
-                      <p:cNvPr id="0" name=""/>
+                      <p:cNvPr id="7" name="개체 6">
+                        <a:extLst>
+                          <a:ext uri="{FF2B5EF4-FFF2-40B4-BE49-F238E27FC236}">
+                            <a16:creationId xmlns:a16="http://schemas.microsoft.com/office/drawing/2014/main" id="{70D06034-3B58-4132-B530-7E8EFFDBF094}"/>
+                          </a:ext>
+                        </a:extLst>
+                      </p:cNvPr>
                       <p:cNvPicPr/>
                       <p:nvPr/>
                     </p:nvPicPr>
@@ -7870,7 +9659,7 @@
           <p:cNvPr id="18" name="그룹 17">
             <a:extLst>
               <a:ext uri="{FF2B5EF4-FFF2-40B4-BE49-F238E27FC236}">
-                <a16:creationId xmlns:a16="http://schemas.microsoft.com/office/drawing/2014/main" xmlns="" id="{2906A96E-AE70-4CBA-A3D6-7326232CCD38}"/>
+                <a16:creationId xmlns:a16="http://schemas.microsoft.com/office/drawing/2014/main" id="{2906A96E-AE70-4CBA-A3D6-7326232CCD38}"/>
               </a:ext>
             </a:extLst>
           </p:cNvPr>
@@ -7890,7 +9679,7 @@
             <p:cNvPr id="19" name="그림 18">
               <a:extLst>
                 <a:ext uri="{FF2B5EF4-FFF2-40B4-BE49-F238E27FC236}">
-                  <a16:creationId xmlns:a16="http://schemas.microsoft.com/office/drawing/2014/main" xmlns="" id="{5E6D51A9-BA62-4876-83B4-2EBD80AC33F2}"/>
+                  <a16:creationId xmlns:a16="http://schemas.microsoft.com/office/drawing/2014/main" id="{5E6D51A9-BA62-4876-83B4-2EBD80AC33F2}"/>
                 </a:ext>
               </a:extLst>
             </p:cNvPr>
@@ -7927,7 +9716,7 @@
             <p:cNvPr id="20" name="그룹 19">
               <a:extLst>
                 <a:ext uri="{FF2B5EF4-FFF2-40B4-BE49-F238E27FC236}">
-                  <a16:creationId xmlns:a16="http://schemas.microsoft.com/office/drawing/2014/main" xmlns="" id="{1476DE7F-FD5A-4025-923C-5A2ACABE130F}"/>
+                  <a16:creationId xmlns:a16="http://schemas.microsoft.com/office/drawing/2014/main" id="{1476DE7F-FD5A-4025-923C-5A2ACABE130F}"/>
                 </a:ext>
               </a:extLst>
             </p:cNvPr>
@@ -7947,7 +9736,7 @@
               <p:cNvPr id="21" name="그림 20">
                 <a:extLst>
                   <a:ext uri="{FF2B5EF4-FFF2-40B4-BE49-F238E27FC236}">
-                    <a16:creationId xmlns:a16="http://schemas.microsoft.com/office/drawing/2014/main" xmlns="" id="{B5515AC8-55CE-4E7B-BBF2-3258D64521F0}"/>
+                    <a16:creationId xmlns:a16="http://schemas.microsoft.com/office/drawing/2014/main" id="{B5515AC8-55CE-4E7B-BBF2-3258D64521F0}"/>
                   </a:ext>
                 </a:extLst>
               </p:cNvPr>
@@ -7985,7 +9774,7 @@
               <p:cNvPr id="22" name="그림 21">
                 <a:extLst>
                   <a:ext uri="{FF2B5EF4-FFF2-40B4-BE49-F238E27FC236}">
-                    <a16:creationId xmlns:a16="http://schemas.microsoft.com/office/drawing/2014/main" xmlns="" id="{98CF109D-0B35-4A01-95B2-3C58FC6AF8AC}"/>
+                    <a16:creationId xmlns:a16="http://schemas.microsoft.com/office/drawing/2014/main" id="{98CF109D-0B35-4A01-95B2-3C58FC6AF8AC}"/>
                   </a:ext>
                 </a:extLst>
               </p:cNvPr>
@@ -8025,7 +9814,7 @@
           <p:cNvPr id="31" name="그림 30">
             <a:extLst>
               <a:ext uri="{FF2B5EF4-FFF2-40B4-BE49-F238E27FC236}">
-                <a16:creationId xmlns:a16="http://schemas.microsoft.com/office/drawing/2014/main" xmlns="" id="{D101914B-166E-4109-9B52-BFD6A720EABB}"/>
+                <a16:creationId xmlns:a16="http://schemas.microsoft.com/office/drawing/2014/main" id="{D101914B-166E-4109-9B52-BFD6A720EABB}"/>
               </a:ext>
             </a:extLst>
           </p:cNvPr>
@@ -8058,7 +9847,7 @@
       </p:pic>
       <p:pic>
         <p:nvPicPr>
-          <p:cNvPr id="25605" name="Picture 5" descr="C:\Users\jrk81\Desktop\theme.JPG"/>
+          <p:cNvPr id="35" name="Picture 21" descr="C:\Users\jrk81\Desktop\text_theme_problem.JPG"/>
           <p:cNvPicPr>
             <a:picLocks noChangeAspect="1" noChangeArrowheads="1"/>
           </p:cNvPicPr>
@@ -8066,88 +9855,6 @@
         </p:nvPicPr>
         <p:blipFill>
           <a:blip r:embed="rId10">
-            <a:extLst>
-              <a:ext uri="{28A0092B-C50C-407E-A947-70E740481C1C}">
-                <a14:useLocalDpi xmlns:a14="http://schemas.microsoft.com/office/drawing/2010/main" val="0"/>
-              </a:ext>
-            </a:extLst>
-          </a:blip>
-          <a:srcRect/>
-          <a:stretch>
-            <a:fillRect/>
-          </a:stretch>
-        </p:blipFill>
-        <p:spPr bwMode="auto">
-          <a:xfrm>
-            <a:off x="37515" y="1457325"/>
-            <a:ext cx="12116969" cy="1443401"/>
-          </a:xfrm>
-          <a:prstGeom prst="rect">
-            <a:avLst/>
-          </a:prstGeom>
-          <a:noFill/>
-          <a:extLst>
-            <a:ext uri="{909E8E84-426E-40DD-AFC4-6F175D3DCCD1}">
-              <a14:hiddenFill xmlns:a14="http://schemas.microsoft.com/office/drawing/2010/main">
-                <a:solidFill>
-                  <a:srgbClr val="FFFFFF"/>
-                </a:solidFill>
-              </a14:hiddenFill>
-            </a:ext>
-          </a:extLst>
-        </p:spPr>
-      </p:pic>
-      <p:pic>
-        <p:nvPicPr>
-          <p:cNvPr id="25606" name="Picture 6" descr="C:\Users\jrk81\Desktop\problem.JPG"/>
-          <p:cNvPicPr>
-            <a:picLocks noChangeAspect="1" noChangeArrowheads="1"/>
-          </p:cNvPicPr>
-          <p:nvPr/>
-        </p:nvPicPr>
-        <p:blipFill>
-          <a:blip r:embed="rId11">
-            <a:extLst>
-              <a:ext uri="{28A0092B-C50C-407E-A947-70E740481C1C}">
-                <a14:useLocalDpi xmlns:a14="http://schemas.microsoft.com/office/drawing/2010/main" val="0"/>
-              </a:ext>
-            </a:extLst>
-          </a:blip>
-          <a:srcRect/>
-          <a:stretch>
-            <a:fillRect/>
-          </a:stretch>
-        </p:blipFill>
-        <p:spPr bwMode="auto">
-          <a:xfrm>
-            <a:off x="37515" y="3575050"/>
-            <a:ext cx="12154484" cy="1905092"/>
-          </a:xfrm>
-          <a:prstGeom prst="rect">
-            <a:avLst/>
-          </a:prstGeom>
-          <a:noFill/>
-          <a:extLst>
-            <a:ext uri="{909E8E84-426E-40DD-AFC4-6F175D3DCCD1}">
-              <a14:hiddenFill xmlns:a14="http://schemas.microsoft.com/office/drawing/2010/main">
-                <a:solidFill>
-                  <a:srgbClr val="FFFFFF"/>
-                </a:solidFill>
-              </a14:hiddenFill>
-            </a:ext>
-          </a:extLst>
-        </p:spPr>
-      </p:pic>
-      <p:pic>
-        <p:nvPicPr>
-          <p:cNvPr id="35" name="Picture 21" descr="C:\Users\jrk81\Desktop\text_theme_problem.JPG"/>
-          <p:cNvPicPr>
-            <a:picLocks noChangeAspect="1" noChangeArrowheads="1"/>
-          </p:cNvPicPr>
-          <p:nvPr/>
-        </p:nvPicPr>
-        <p:blipFill>
-          <a:blip r:embed="rId12">
             <a:extLst>
               <a:ext uri="{28A0092B-C50C-407E-A947-70E740481C1C}">
                 <a14:useLocalDpi xmlns:a14="http://schemas.microsoft.com/office/drawing/2010/main" val="0"/>
@@ -8179,10 +9886,64 @@
           </a:extLst>
         </p:spPr>
       </p:pic>
+      <p:pic>
+        <p:nvPicPr>
+          <p:cNvPr id="25617" name="Picture 17"/>
+          <p:cNvPicPr>
+            <a:picLocks noChangeAspect="1" noChangeArrowheads="1"/>
+          </p:cNvPicPr>
+          <p:nvPr/>
+        </p:nvPicPr>
+        <p:blipFill>
+          <a:blip r:embed="rId11">
+            <a:extLst>
+              <a:ext uri="{28A0092B-C50C-407E-A947-70E740481C1C}">
+                <a14:useLocalDpi xmlns:a14="http://schemas.microsoft.com/office/drawing/2010/main" val="0"/>
+              </a:ext>
+            </a:extLst>
+          </a:blip>
+          <a:srcRect/>
+          <a:stretch>
+            <a:fillRect/>
+          </a:stretch>
+        </p:blipFill>
+        <p:spPr bwMode="auto">
+          <a:xfrm>
+            <a:off x="30760" y="2262929"/>
+            <a:ext cx="12125325" cy="2009775"/>
+          </a:xfrm>
+          <a:prstGeom prst="rect">
+            <a:avLst/>
+          </a:prstGeom>
+          <a:noFill/>
+          <a:ln>
+            <a:noFill/>
+          </a:ln>
+          <a:extLst>
+            <a:ext uri="{909E8E84-426E-40DD-AFC4-6F175D3DCCD1}">
+              <a14:hiddenFill xmlns:a14="http://schemas.microsoft.com/office/drawing/2010/main">
+                <a:solidFill>
+                  <a:schemeClr val="accent1"/>
+                </a:solidFill>
+              </a14:hiddenFill>
+            </a:ext>
+            <a:ext uri="{91240B29-F687-4F45-9708-019B960494DF}">
+              <a14:hiddenLine xmlns:a14="http://schemas.microsoft.com/office/drawing/2010/main" w="9525">
+                <a:solidFill>
+                  <a:schemeClr val="tx1"/>
+                </a:solidFill>
+                <a:miter lim="800000"/>
+                <a:headEnd/>
+                <a:tailEnd/>
+              </a14:hiddenLine>
+            </a:ext>
+          </a:extLst>
+        </p:spPr>
+      </p:pic>
     </p:spTree>
     <p:extLst>
       <p:ext uri="{BB962C8B-B14F-4D97-AF65-F5344CB8AC3E}">
-        <p14:creationId xmlns:p14="http://schemas.microsoft.com/office/powerpoint/2010/main" val="4009495765"/>
+        <p14:creationId xmlns:p14="http://schemas.microsoft.com/office/powerpoint/2010/main" val="2997287843"/>
       </p:ext>
     </p:extLst>
   </p:cSld>
@@ -8223,7 +9984,7 @@
                                           </p:stCondLst>
                                         </p:cTn>
                                         <p:tgtEl>
-                                          <p:spTgt spid="25605"/>
+                                          <p:spTgt spid="25617"/>
                                         </p:tgtEl>
                                         <p:attrNameLst>
                                           <p:attrName>style.visibility</p:attrName>
@@ -8237,60 +9998,7 @@
                                       <p:cBhvr>
                                         <p:cTn id="7" dur="500"/>
                                         <p:tgtEl>
-                                          <p:spTgt spid="25605"/>
-                                        </p:tgtEl>
-                                      </p:cBhvr>
-                                    </p:animEffect>
-                                  </p:childTnLst>
-                                </p:cTn>
-                              </p:par>
-                            </p:childTnLst>
-                          </p:cTn>
-                        </p:par>
-                      </p:childTnLst>
-                    </p:cTn>
-                  </p:par>
-                  <p:par>
-                    <p:cTn id="8" fill="hold">
-                      <p:stCondLst>
-                        <p:cond delay="indefinite"/>
-                      </p:stCondLst>
-                      <p:childTnLst>
-                        <p:par>
-                          <p:cTn id="9" fill="hold">
-                            <p:stCondLst>
-                              <p:cond delay="0"/>
-                            </p:stCondLst>
-                            <p:childTnLst>
-                              <p:par>
-                                <p:cTn id="10" presetID="10" presetClass="entr" presetSubtype="0" fill="hold" nodeType="clickEffect">
-                                  <p:stCondLst>
-                                    <p:cond delay="0"/>
-                                  </p:stCondLst>
-                                  <p:childTnLst>
-                                    <p:set>
-                                      <p:cBhvr>
-                                        <p:cTn id="11" dur="1" fill="hold">
-                                          <p:stCondLst>
-                                            <p:cond delay="0"/>
-                                          </p:stCondLst>
-                                        </p:cTn>
-                                        <p:tgtEl>
-                                          <p:spTgt spid="25606"/>
-                                        </p:tgtEl>
-                                        <p:attrNameLst>
-                                          <p:attrName>style.visibility</p:attrName>
-                                        </p:attrNameLst>
-                                      </p:cBhvr>
-                                      <p:to>
-                                        <p:strVal val="visible"/>
-                                      </p:to>
-                                    </p:set>
-                                    <p:animEffect transition="in" filter="fade">
-                                      <p:cBhvr>
-                                        <p:cTn id="12" dur="500"/>
-                                        <p:tgtEl>
-                                          <p:spTgt spid="25606"/>
+                                          <p:spTgt spid="25617"/>
                                         </p:tgtEl>
                                       </p:cBhvr>
                                     </p:animEffect>
@@ -8328,7 +10036,7 @@
 </p:sld>
 </file>
 
-<file path=ppt/slides/slide5.xml><?xml version="1.0" encoding="utf-8"?>
+<file path=ppt/slides/slide6.xml><?xml version="1.0" encoding="utf-8"?>
 <p:sld xmlns:a="http://schemas.openxmlformats.org/drawingml/2006/main" xmlns:r="http://schemas.openxmlformats.org/officeDocument/2006/relationships" xmlns:p="http://schemas.openxmlformats.org/presentationml/2006/main">
   <p:cSld>
     <p:bg>
@@ -8358,7 +10066,7 @@
           <p:cNvPr id="4" name="직사각형 3">
             <a:extLst>
               <a:ext uri="{FF2B5EF4-FFF2-40B4-BE49-F238E27FC236}">
-                <a16:creationId xmlns:a16="http://schemas.microsoft.com/office/drawing/2014/main" xmlns="" id="{79290544-BADD-4BB5-AB18-D4C4569ACBF1}"/>
+                <a16:creationId xmlns:a16="http://schemas.microsoft.com/office/drawing/2014/main" id="{79290544-BADD-4BB5-AB18-D4C4569ACBF1}"/>
               </a:ext>
             </a:extLst>
           </p:cNvPr>
@@ -8419,7 +10127,7 @@
           <p:cNvPr id="5" name="그림 4">
             <a:extLst>
               <a:ext uri="{FF2B5EF4-FFF2-40B4-BE49-F238E27FC236}">
-                <a16:creationId xmlns:a16="http://schemas.microsoft.com/office/drawing/2014/main" xmlns="" id="{9804FF94-E009-4DEE-8800-64F35DD3C5F8}"/>
+                <a16:creationId xmlns:a16="http://schemas.microsoft.com/office/drawing/2014/main" id="{9804FF94-E009-4DEE-8800-64F35DD3C5F8}"/>
               </a:ext>
             </a:extLst>
           </p:cNvPr>
@@ -8456,7 +10164,7 @@
           <p:cNvPr id="7" name="개체 6">
             <a:extLst>
               <a:ext uri="{FF2B5EF4-FFF2-40B4-BE49-F238E27FC236}">
-                <a16:creationId xmlns:a16="http://schemas.microsoft.com/office/drawing/2014/main" xmlns="" id="{70D06034-3B58-4132-B530-7E8EFFDBF094}"/>
+                <a16:creationId xmlns:a16="http://schemas.microsoft.com/office/drawing/2014/main" id="{70D06034-3B58-4132-B530-7E8EFFDBF094}"/>
               </a:ext>
             </a:extLst>
           </p:cNvPr>
@@ -8475,7 +10183,7 @@
           <a:graphicData uri="http://schemas.openxmlformats.org/presentationml/2006/ole">
             <mc:AlternateContent xmlns:mc="http://schemas.openxmlformats.org/markup-compatibility/2006">
               <mc:Choice xmlns:v="urn:schemas-microsoft-com:vml" Requires="v">
-                <p:oleObj spid="_x0000_s26640" r:id="rId4" imgW="2628360" imgH="609480" progId="">
+                <p:oleObj spid="_x0000_s26646" r:id="rId4" imgW="2628360" imgH="609480" progId="">
                   <p:embed/>
                 </p:oleObj>
               </mc:Choice>
@@ -8515,7 +10223,7 @@
           <p:cNvPr id="18" name="그룹 17">
             <a:extLst>
               <a:ext uri="{FF2B5EF4-FFF2-40B4-BE49-F238E27FC236}">
-                <a16:creationId xmlns:a16="http://schemas.microsoft.com/office/drawing/2014/main" xmlns="" id="{2906A96E-AE70-4CBA-A3D6-7326232CCD38}"/>
+                <a16:creationId xmlns:a16="http://schemas.microsoft.com/office/drawing/2014/main" id="{2906A96E-AE70-4CBA-A3D6-7326232CCD38}"/>
               </a:ext>
             </a:extLst>
           </p:cNvPr>
@@ -8535,7 +10243,7 @@
             <p:cNvPr id="19" name="그림 18">
               <a:extLst>
                 <a:ext uri="{FF2B5EF4-FFF2-40B4-BE49-F238E27FC236}">
-                  <a16:creationId xmlns:a16="http://schemas.microsoft.com/office/drawing/2014/main" xmlns="" id="{5E6D51A9-BA62-4876-83B4-2EBD80AC33F2}"/>
+                  <a16:creationId xmlns:a16="http://schemas.microsoft.com/office/drawing/2014/main" id="{5E6D51A9-BA62-4876-83B4-2EBD80AC33F2}"/>
                 </a:ext>
               </a:extLst>
             </p:cNvPr>
@@ -8572,7 +10280,7 @@
             <p:cNvPr id="20" name="그룹 19">
               <a:extLst>
                 <a:ext uri="{FF2B5EF4-FFF2-40B4-BE49-F238E27FC236}">
-                  <a16:creationId xmlns:a16="http://schemas.microsoft.com/office/drawing/2014/main" xmlns="" id="{1476DE7F-FD5A-4025-923C-5A2ACABE130F}"/>
+                  <a16:creationId xmlns:a16="http://schemas.microsoft.com/office/drawing/2014/main" id="{1476DE7F-FD5A-4025-923C-5A2ACABE130F}"/>
                 </a:ext>
               </a:extLst>
             </p:cNvPr>
@@ -8592,7 +10300,7 @@
               <p:cNvPr id="21" name="그림 20">
                 <a:extLst>
                   <a:ext uri="{FF2B5EF4-FFF2-40B4-BE49-F238E27FC236}">
-                    <a16:creationId xmlns:a16="http://schemas.microsoft.com/office/drawing/2014/main" xmlns="" id="{B5515AC8-55CE-4E7B-BBF2-3258D64521F0}"/>
+                    <a16:creationId xmlns:a16="http://schemas.microsoft.com/office/drawing/2014/main" id="{B5515AC8-55CE-4E7B-BBF2-3258D64521F0}"/>
                   </a:ext>
                 </a:extLst>
               </p:cNvPr>
@@ -8630,7 +10338,7 @@
               <p:cNvPr id="22" name="그림 21">
                 <a:extLst>
                   <a:ext uri="{FF2B5EF4-FFF2-40B4-BE49-F238E27FC236}">
-                    <a16:creationId xmlns:a16="http://schemas.microsoft.com/office/drawing/2014/main" xmlns="" id="{98CF109D-0B35-4A01-95B2-3C58FC6AF8AC}"/>
+                    <a16:creationId xmlns:a16="http://schemas.microsoft.com/office/drawing/2014/main" id="{98CF109D-0B35-4A01-95B2-3C58FC6AF8AC}"/>
                   </a:ext>
                 </a:extLst>
               </p:cNvPr>
@@ -8670,7 +10378,7 @@
           <p:cNvPr id="42" name="그림 41">
             <a:extLst>
               <a:ext uri="{FF2B5EF4-FFF2-40B4-BE49-F238E27FC236}">
-                <a16:creationId xmlns:a16="http://schemas.microsoft.com/office/drawing/2014/main" xmlns="" id="{9F63F2A4-63E1-4CE9-B8A8-724C71CA83C5}"/>
+                <a16:creationId xmlns:a16="http://schemas.microsoft.com/office/drawing/2014/main" id="{9F63F2A4-63E1-4CE9-B8A8-724C71CA83C5}"/>
               </a:ext>
             </a:extLst>
           </p:cNvPr>
@@ -8706,7 +10414,7 @@
           <p:cNvPr id="12" name="그림 11">
             <a:extLst>
               <a:ext uri="{FF2B5EF4-FFF2-40B4-BE49-F238E27FC236}">
-                <a16:creationId xmlns:a16="http://schemas.microsoft.com/office/drawing/2014/main" xmlns="" id="{D101914B-166E-4109-9B52-BFD6A720EABB}"/>
+                <a16:creationId xmlns:a16="http://schemas.microsoft.com/office/drawing/2014/main" id="{D101914B-166E-4109-9B52-BFD6A720EABB}"/>
               </a:ext>
             </a:extLst>
           </p:cNvPr>
@@ -9067,7 +10775,7 @@
 </p:sld>
 </file>
 
-<file path=ppt/slides/slide6.xml><?xml version="1.0" encoding="utf-8"?>
+<file path=ppt/slides/slide7.xml><?xml version="1.0" encoding="utf-8"?>
 <p:sld xmlns:a="http://schemas.openxmlformats.org/drawingml/2006/main" xmlns:r="http://schemas.openxmlformats.org/officeDocument/2006/relationships" xmlns:p="http://schemas.openxmlformats.org/presentationml/2006/main">
   <p:cSld>
     <p:bg>
@@ -9097,7 +10805,7 @@
           <p:cNvPr id="4" name="직사각형 3">
             <a:extLst>
               <a:ext uri="{FF2B5EF4-FFF2-40B4-BE49-F238E27FC236}">
-                <a16:creationId xmlns:a16="http://schemas.microsoft.com/office/drawing/2014/main" xmlns="" id="{79290544-BADD-4BB5-AB18-D4C4569ACBF1}"/>
+                <a16:creationId xmlns:a16="http://schemas.microsoft.com/office/drawing/2014/main" id="{79290544-BADD-4BB5-AB18-D4C4569ACBF1}"/>
               </a:ext>
             </a:extLst>
           </p:cNvPr>
@@ -9150,7 +10858,7 @@
           <p:cNvPr id="5" name="그림 4">
             <a:extLst>
               <a:ext uri="{FF2B5EF4-FFF2-40B4-BE49-F238E27FC236}">
-                <a16:creationId xmlns:a16="http://schemas.microsoft.com/office/drawing/2014/main" xmlns="" id="{9804FF94-E009-4DEE-8800-64F35DD3C5F8}"/>
+                <a16:creationId xmlns:a16="http://schemas.microsoft.com/office/drawing/2014/main" id="{9804FF94-E009-4DEE-8800-64F35DD3C5F8}"/>
               </a:ext>
             </a:extLst>
           </p:cNvPr>
@@ -9187,7 +10895,7 @@
           <p:cNvPr id="7" name="개체 6">
             <a:extLst>
               <a:ext uri="{FF2B5EF4-FFF2-40B4-BE49-F238E27FC236}">
-                <a16:creationId xmlns:a16="http://schemas.microsoft.com/office/drawing/2014/main" xmlns="" id="{70D06034-3B58-4132-B530-7E8EFFDBF094}"/>
+                <a16:creationId xmlns:a16="http://schemas.microsoft.com/office/drawing/2014/main" id="{70D06034-3B58-4132-B530-7E8EFFDBF094}"/>
               </a:ext>
             </a:extLst>
           </p:cNvPr>
@@ -9204,7 +10912,7 @@
           <a:graphicData uri="http://schemas.openxmlformats.org/presentationml/2006/ole">
             <mc:AlternateContent xmlns:mc="http://schemas.openxmlformats.org/markup-compatibility/2006">
               <mc:Choice xmlns:v="urn:schemas-microsoft-com:vml" Requires="v">
-                <p:oleObj spid="_x0000_s2077" r:id="rId4" imgW="2628360" imgH="609480" progId="">
+                <p:oleObj spid="_x0000_s2083" r:id="rId4" imgW="2628360" imgH="609480" progId="">
                   <p:embed/>
                 </p:oleObj>
               </mc:Choice>
@@ -9216,7 +10924,7 @@
                       <p:cNvPr id="7" name="개체 6">
                         <a:extLst>
                           <a:ext uri="{FF2B5EF4-FFF2-40B4-BE49-F238E27FC236}">
-                            <a16:creationId xmlns:a16="http://schemas.microsoft.com/office/drawing/2014/main" xmlns="" id="{70D06034-3B58-4132-B530-7E8EFFDBF094}"/>
+                            <a16:creationId xmlns:a16="http://schemas.microsoft.com/office/drawing/2014/main" id="{70D06034-3B58-4132-B530-7E8EFFDBF094}"/>
                           </a:ext>
                         </a:extLst>
                       </p:cNvPr>
@@ -9250,7 +10958,7 @@
           <p:cNvPr id="18" name="그룹 17">
             <a:extLst>
               <a:ext uri="{FF2B5EF4-FFF2-40B4-BE49-F238E27FC236}">
-                <a16:creationId xmlns:a16="http://schemas.microsoft.com/office/drawing/2014/main" xmlns="" id="{2906A96E-AE70-4CBA-A3D6-7326232CCD38}"/>
+                <a16:creationId xmlns:a16="http://schemas.microsoft.com/office/drawing/2014/main" id="{2906A96E-AE70-4CBA-A3D6-7326232CCD38}"/>
               </a:ext>
             </a:extLst>
           </p:cNvPr>
@@ -9270,7 +10978,7 @@
             <p:cNvPr id="19" name="그림 18">
               <a:extLst>
                 <a:ext uri="{FF2B5EF4-FFF2-40B4-BE49-F238E27FC236}">
-                  <a16:creationId xmlns:a16="http://schemas.microsoft.com/office/drawing/2014/main" xmlns="" id="{5E6D51A9-BA62-4876-83B4-2EBD80AC33F2}"/>
+                  <a16:creationId xmlns:a16="http://schemas.microsoft.com/office/drawing/2014/main" id="{5E6D51A9-BA62-4876-83B4-2EBD80AC33F2}"/>
                 </a:ext>
               </a:extLst>
             </p:cNvPr>
@@ -9307,7 +11015,7 @@
             <p:cNvPr id="20" name="그룹 19">
               <a:extLst>
                 <a:ext uri="{FF2B5EF4-FFF2-40B4-BE49-F238E27FC236}">
-                  <a16:creationId xmlns:a16="http://schemas.microsoft.com/office/drawing/2014/main" xmlns="" id="{1476DE7F-FD5A-4025-923C-5A2ACABE130F}"/>
+                  <a16:creationId xmlns:a16="http://schemas.microsoft.com/office/drawing/2014/main" id="{1476DE7F-FD5A-4025-923C-5A2ACABE130F}"/>
                 </a:ext>
               </a:extLst>
             </p:cNvPr>
@@ -9327,7 +11035,7 @@
               <p:cNvPr id="21" name="그림 20">
                 <a:extLst>
                   <a:ext uri="{FF2B5EF4-FFF2-40B4-BE49-F238E27FC236}">
-                    <a16:creationId xmlns:a16="http://schemas.microsoft.com/office/drawing/2014/main" xmlns="" id="{B5515AC8-55CE-4E7B-BBF2-3258D64521F0}"/>
+                    <a16:creationId xmlns:a16="http://schemas.microsoft.com/office/drawing/2014/main" id="{B5515AC8-55CE-4E7B-BBF2-3258D64521F0}"/>
                   </a:ext>
                 </a:extLst>
               </p:cNvPr>
@@ -9365,7 +11073,7 @@
               <p:cNvPr id="22" name="그림 21">
                 <a:extLst>
                   <a:ext uri="{FF2B5EF4-FFF2-40B4-BE49-F238E27FC236}">
-                    <a16:creationId xmlns:a16="http://schemas.microsoft.com/office/drawing/2014/main" xmlns="" id="{98CF109D-0B35-4A01-95B2-3C58FC6AF8AC}"/>
+                    <a16:creationId xmlns:a16="http://schemas.microsoft.com/office/drawing/2014/main" id="{98CF109D-0B35-4A01-95B2-3C58FC6AF8AC}"/>
                   </a:ext>
                 </a:extLst>
               </p:cNvPr>
@@ -9406,7 +11114,7 @@
             <a:hlinkClick r:id="rId9"/>
             <a:extLst>
               <a:ext uri="{FF2B5EF4-FFF2-40B4-BE49-F238E27FC236}">
-                <a16:creationId xmlns:a16="http://schemas.microsoft.com/office/drawing/2014/main" xmlns="" id="{BAF4B337-491B-4B4D-AD85-B2E9A6BFCF65}"/>
+                <a16:creationId xmlns:a16="http://schemas.microsoft.com/office/drawing/2014/main" id="{BAF4B337-491B-4B4D-AD85-B2E9A6BFCF65}"/>
               </a:ext>
             </a:extLst>
           </p:cNvPr>
@@ -9436,7 +11144,7 @@
           <p:cNvPr id="3" name="그림 2">
             <a:extLst>
               <a:ext uri="{FF2B5EF4-FFF2-40B4-BE49-F238E27FC236}">
-                <a16:creationId xmlns:a16="http://schemas.microsoft.com/office/drawing/2014/main" xmlns="" id="{91EFF59A-B7F4-4D86-A025-595B4E7F6D99}"/>
+                <a16:creationId xmlns:a16="http://schemas.microsoft.com/office/drawing/2014/main" id="{91EFF59A-B7F4-4D86-A025-595B4E7F6D99}"/>
               </a:ext>
             </a:extLst>
           </p:cNvPr>
@@ -9518,17 +11226,10 @@
   <p:clrMapOvr>
     <a:masterClrMapping/>
   </p:clrMapOvr>
-  <p:timing>
-    <p:tnLst>
-      <p:par>
-        <p:cTn id="1" dur="indefinite" restart="never" nodeType="tmRoot"/>
-      </p:par>
-    </p:tnLst>
-  </p:timing>
 </p:sld>
 </file>
 
-<file path=ppt/slides/slide7.xml><?xml version="1.0" encoding="utf-8"?>
+<file path=ppt/slides/slide8.xml><?xml version="1.0" encoding="utf-8"?>
 <p:sld xmlns:a="http://schemas.openxmlformats.org/drawingml/2006/main" xmlns:r="http://schemas.openxmlformats.org/officeDocument/2006/relationships" xmlns:p="http://schemas.openxmlformats.org/presentationml/2006/main">
   <p:cSld>
     <p:bg>
@@ -9558,7 +11259,901 @@
           <p:cNvPr id="4" name="직사각형 3">
             <a:extLst>
               <a:ext uri="{FF2B5EF4-FFF2-40B4-BE49-F238E27FC236}">
-                <a16:creationId xmlns:a16="http://schemas.microsoft.com/office/drawing/2014/main" xmlns="" id="{79290544-BADD-4BB5-AB18-D4C4569ACBF1}"/>
+                <a16:creationId xmlns:a16="http://schemas.microsoft.com/office/drawing/2014/main" id="{79290544-BADD-4BB5-AB18-D4C4569ACBF1}"/>
+              </a:ext>
+            </a:extLst>
+          </p:cNvPr>
+          <p:cNvSpPr/>
+          <p:nvPr/>
+        </p:nvSpPr>
+        <p:spPr>
+          <a:xfrm>
+            <a:off x="0" y="865686"/>
+            <a:ext cx="12192000" cy="5138058"/>
+          </a:xfrm>
+          <a:prstGeom prst="rect">
+            <a:avLst/>
+          </a:prstGeom>
+          <a:solidFill>
+            <a:schemeClr val="bg1"/>
+          </a:solidFill>
+        </p:spPr>
+        <p:style>
+          <a:lnRef idx="2">
+            <a:schemeClr val="accent1">
+              <a:shade val="50000"/>
+            </a:schemeClr>
+          </a:lnRef>
+          <a:fillRef idx="1">
+            <a:schemeClr val="accent1"/>
+          </a:fillRef>
+          <a:effectRef idx="0">
+            <a:schemeClr val="accent1"/>
+          </a:effectRef>
+          <a:fontRef idx="minor">
+            <a:schemeClr val="lt1"/>
+          </a:fontRef>
+        </p:style>
+        <p:txBody>
+          <a:bodyPr rtlCol="0" anchor="ctr"/>
+          <a:lstStyle/>
+          <a:p>
+            <a:pPr algn="ctr"/>
+            <a:endParaRPr lang="ko-KR" altLang="en-US">
+              <a:solidFill>
+                <a:schemeClr val="bg1"/>
+              </a:solidFill>
+            </a:endParaRPr>
+          </a:p>
+        </p:txBody>
+      </p:sp>
+      <p:pic>
+        <p:nvPicPr>
+          <p:cNvPr id="5" name="그림 4">
+            <a:extLst>
+              <a:ext uri="{FF2B5EF4-FFF2-40B4-BE49-F238E27FC236}">
+                <a16:creationId xmlns:a16="http://schemas.microsoft.com/office/drawing/2014/main" id="{9804FF94-E009-4DEE-8800-64F35DD3C5F8}"/>
+              </a:ext>
+            </a:extLst>
+          </p:cNvPr>
+          <p:cNvPicPr>
+            <a:picLocks noChangeAspect="1"/>
+          </p:cNvPicPr>
+          <p:nvPr/>
+        </p:nvPicPr>
+        <p:blipFill>
+          <a:blip r:embed="rId3">
+            <a:biLevel thresh="25000"/>
+            <a:extLst>
+              <a:ext uri="{28A0092B-C50C-407E-A947-70E740481C1C}">
+                <a14:useLocalDpi xmlns:a14="http://schemas.microsoft.com/office/drawing/2010/main" val="0"/>
+              </a:ext>
+            </a:extLst>
+          </a:blip>
+          <a:stretch>
+            <a:fillRect/>
+          </a:stretch>
+        </p:blipFill>
+        <p:spPr>
+          <a:xfrm>
+            <a:off x="176231" y="185583"/>
+            <a:ext cx="291510" cy="472600"/>
+          </a:xfrm>
+          <a:prstGeom prst="rect">
+            <a:avLst/>
+          </a:prstGeom>
+        </p:spPr>
+      </p:pic>
+      <p:graphicFrame>
+        <p:nvGraphicFramePr>
+          <p:cNvPr id="7" name="개체 6">
+            <a:extLst>
+              <a:ext uri="{FF2B5EF4-FFF2-40B4-BE49-F238E27FC236}">
+                <a16:creationId xmlns:a16="http://schemas.microsoft.com/office/drawing/2014/main" id="{70D06034-3B58-4132-B530-7E8EFFDBF094}"/>
+              </a:ext>
+            </a:extLst>
+          </p:cNvPr>
+          <p:cNvGraphicFramePr>
+            <a:graphicFrameLocks noChangeAspect="1"/>
+          </p:cNvGraphicFramePr>
+          <p:nvPr/>
+        </p:nvGraphicFramePr>
+        <p:xfrm>
+          <a:off x="4781550" y="3122613"/>
+          <a:ext cx="2628900" cy="609600"/>
+        </p:xfrm>
+        <a:graphic>
+          <a:graphicData uri="http://schemas.openxmlformats.org/presentationml/2006/ole">
+            <mc:AlternateContent xmlns:mc="http://schemas.openxmlformats.org/markup-compatibility/2006">
+              <mc:Choice xmlns:v="urn:schemas-microsoft-com:vml" Requires="v">
+                <p:oleObj spid="_x0000_s23579" r:id="rId4" imgW="2628360" imgH="609480" progId="">
+                  <p:embed/>
+                </p:oleObj>
+              </mc:Choice>
+              <mc:Fallback>
+                <p:oleObj r:id="rId4" imgW="2628360" imgH="609480" progId="">
+                  <p:embed/>
+                  <p:pic>
+                    <p:nvPicPr>
+                      <p:cNvPr id="0" name=""/>
+                      <p:cNvPicPr/>
+                      <p:nvPr/>
+                    </p:nvPicPr>
+                    <p:blipFill>
+                      <a:blip r:embed="rId5"/>
+                      <a:stretch>
+                        <a:fillRect/>
+                      </a:stretch>
+                    </p:blipFill>
+                    <p:spPr>
+                      <a:xfrm>
+                        <a:off x="4781550" y="3122613"/>
+                        <a:ext cx="2628900" cy="609600"/>
+                      </a:xfrm>
+                      <a:prstGeom prst="rect">
+                        <a:avLst/>
+                      </a:prstGeom>
+                    </p:spPr>
+                  </p:pic>
+                </p:oleObj>
+              </mc:Fallback>
+            </mc:AlternateContent>
+          </a:graphicData>
+        </a:graphic>
+      </p:graphicFrame>
+      <p:grpSp>
+        <p:nvGrpSpPr>
+          <p:cNvPr id="18" name="그룹 17">
+            <a:extLst>
+              <a:ext uri="{FF2B5EF4-FFF2-40B4-BE49-F238E27FC236}">
+                <a16:creationId xmlns:a16="http://schemas.microsoft.com/office/drawing/2014/main" id="{2906A96E-AE70-4CBA-A3D6-7326232CCD38}"/>
+              </a:ext>
+            </a:extLst>
+          </p:cNvPr>
+          <p:cNvGrpSpPr/>
+          <p:nvPr/>
+        </p:nvGrpSpPr>
+        <p:grpSpPr>
+          <a:xfrm>
+            <a:off x="11585256" y="6110895"/>
+            <a:ext cx="387670" cy="699480"/>
+            <a:chOff x="5479730" y="1917703"/>
+            <a:chExt cx="1488861" cy="2686379"/>
+          </a:xfrm>
+        </p:grpSpPr>
+        <p:pic>
+          <p:nvPicPr>
+            <p:cNvPr id="19" name="그림 18">
+              <a:extLst>
+                <a:ext uri="{FF2B5EF4-FFF2-40B4-BE49-F238E27FC236}">
+                  <a16:creationId xmlns:a16="http://schemas.microsoft.com/office/drawing/2014/main" id="{5E6D51A9-BA62-4876-83B4-2EBD80AC33F2}"/>
+                </a:ext>
+              </a:extLst>
+            </p:cNvPr>
+            <p:cNvPicPr>
+              <a:picLocks noChangeAspect="1"/>
+            </p:cNvPicPr>
+            <p:nvPr/>
+          </p:nvPicPr>
+          <p:blipFill>
+            <a:blip r:embed="rId6" cstate="print">
+              <a:biLevel thresh="25000"/>
+              <a:extLst>
+                <a:ext uri="{28A0092B-C50C-407E-A947-70E740481C1C}">
+                  <a14:useLocalDpi xmlns:a14="http://schemas.microsoft.com/office/drawing/2010/main" val="0"/>
+                </a:ext>
+              </a:extLst>
+            </a:blip>
+            <a:stretch>
+              <a:fillRect/>
+            </a:stretch>
+          </p:blipFill>
+          <p:spPr>
+            <a:xfrm>
+              <a:off x="5945295" y="1917703"/>
+              <a:ext cx="588660" cy="954343"/>
+            </a:xfrm>
+            <a:prstGeom prst="rect">
+              <a:avLst/>
+            </a:prstGeom>
+          </p:spPr>
+        </p:pic>
+        <p:grpSp>
+          <p:nvGrpSpPr>
+            <p:cNvPr id="20" name="그룹 19">
+              <a:extLst>
+                <a:ext uri="{FF2B5EF4-FFF2-40B4-BE49-F238E27FC236}">
+                  <a16:creationId xmlns:a16="http://schemas.microsoft.com/office/drawing/2014/main" id="{1476DE7F-FD5A-4025-923C-5A2ACABE130F}"/>
+                </a:ext>
+              </a:extLst>
+            </p:cNvPr>
+            <p:cNvGrpSpPr/>
+            <p:nvPr/>
+          </p:nvGrpSpPr>
+          <p:grpSpPr>
+            <a:xfrm>
+              <a:off x="5479730" y="2931603"/>
+              <a:ext cx="1488861" cy="1672479"/>
+              <a:chOff x="5479730" y="2931603"/>
+              <a:chExt cx="1488861" cy="1672479"/>
+            </a:xfrm>
+          </p:grpSpPr>
+          <p:pic>
+            <p:nvPicPr>
+              <p:cNvPr id="21" name="그림 20">
+                <a:extLst>
+                  <a:ext uri="{FF2B5EF4-FFF2-40B4-BE49-F238E27FC236}">
+                    <a16:creationId xmlns:a16="http://schemas.microsoft.com/office/drawing/2014/main" id="{B5515AC8-55CE-4E7B-BBF2-3258D64521F0}"/>
+                  </a:ext>
+                </a:extLst>
+              </p:cNvPr>
+              <p:cNvPicPr>
+                <a:picLocks noChangeAspect="1"/>
+              </p:cNvPicPr>
+              <p:nvPr/>
+            </p:nvPicPr>
+            <p:blipFill rotWithShape="1">
+              <a:blip r:embed="rId7" cstate="print">
+                <a:extLst>
+                  <a:ext uri="{28A0092B-C50C-407E-A947-70E740481C1C}">
+                    <a14:useLocalDpi xmlns:a14="http://schemas.microsoft.com/office/drawing/2010/main" val="0"/>
+                  </a:ext>
+                </a:extLst>
+              </a:blip>
+              <a:srcRect t="88318"/>
+              <a:stretch/>
+            </p:blipFill>
+            <p:spPr>
+              <a:xfrm>
+                <a:off x="5571177" y="4320359"/>
+                <a:ext cx="1336897" cy="283723"/>
+              </a:xfrm>
+              <a:prstGeom prst="rect">
+                <a:avLst/>
+              </a:prstGeom>
+              <a:solidFill>
+                <a:srgbClr val="446897"/>
+              </a:solidFill>
+            </p:spPr>
+          </p:pic>
+          <p:pic>
+            <p:nvPicPr>
+              <p:cNvPr id="22" name="그림 21">
+                <a:extLst>
+                  <a:ext uri="{FF2B5EF4-FFF2-40B4-BE49-F238E27FC236}">
+                    <a16:creationId xmlns:a16="http://schemas.microsoft.com/office/drawing/2014/main" id="{98CF109D-0B35-4A01-95B2-3C58FC6AF8AC}"/>
+                  </a:ext>
+                </a:extLst>
+              </p:cNvPr>
+              <p:cNvPicPr>
+                <a:picLocks noChangeAspect="1"/>
+              </p:cNvPicPr>
+              <p:nvPr/>
+            </p:nvPicPr>
+            <p:blipFill>
+              <a:blip r:embed="rId8" cstate="print">
+                <a:biLevel thresh="25000"/>
+                <a:extLst>
+                  <a:ext uri="{28A0092B-C50C-407E-A947-70E740481C1C}">
+                    <a14:useLocalDpi xmlns:a14="http://schemas.microsoft.com/office/drawing/2010/main" val="0"/>
+                  </a:ext>
+                </a:extLst>
+              </a:blip>
+              <a:stretch>
+                <a:fillRect/>
+              </a:stretch>
+            </p:blipFill>
+            <p:spPr>
+              <a:xfrm>
+                <a:off x="5479730" y="2931603"/>
+                <a:ext cx="1488861" cy="1269642"/>
+              </a:xfrm>
+              <a:prstGeom prst="rect">
+                <a:avLst/>
+              </a:prstGeom>
+              <a:noFill/>
+            </p:spPr>
+          </p:pic>
+        </p:grpSp>
+      </p:grpSp>
+      <p:pic>
+        <p:nvPicPr>
+          <p:cNvPr id="23559" name="Picture 7" descr="C:\Users\jrk81\Desktop\text_datalist.JPG"/>
+          <p:cNvPicPr>
+            <a:picLocks noChangeAspect="1" noChangeArrowheads="1"/>
+          </p:cNvPicPr>
+          <p:nvPr/>
+        </p:nvPicPr>
+        <p:blipFill>
+          <a:blip r:embed="rId9">
+            <a:extLst>
+              <a:ext uri="{28A0092B-C50C-407E-A947-70E740481C1C}">
+                <a14:useLocalDpi xmlns:a14="http://schemas.microsoft.com/office/drawing/2010/main" val="0"/>
+              </a:ext>
+            </a:extLst>
+          </a:blip>
+          <a:srcRect/>
+          <a:stretch>
+            <a:fillRect/>
+          </a:stretch>
+        </p:blipFill>
+        <p:spPr bwMode="auto">
+          <a:xfrm>
+            <a:off x="467741" y="109052"/>
+            <a:ext cx="2827909" cy="697551"/>
+          </a:xfrm>
+          <a:prstGeom prst="rect">
+            <a:avLst/>
+          </a:prstGeom>
+          <a:noFill/>
+          <a:extLst>
+            <a:ext uri="{909E8E84-426E-40DD-AFC4-6F175D3DCCD1}">
+              <a14:hiddenFill xmlns:a14="http://schemas.microsoft.com/office/drawing/2010/main">
+                <a:solidFill>
+                  <a:srgbClr val="FFFFFF"/>
+                </a:solidFill>
+              </a14:hiddenFill>
+            </a:ext>
+          </a:extLst>
+        </p:spPr>
+      </p:pic>
+      <p:pic>
+        <p:nvPicPr>
+          <p:cNvPr id="23561" name="Picture 9" descr="C:\Users\jrk81\Desktop\list1.JPG"/>
+          <p:cNvPicPr>
+            <a:picLocks noChangeAspect="1" noChangeArrowheads="1"/>
+          </p:cNvPicPr>
+          <p:nvPr/>
+        </p:nvPicPr>
+        <p:blipFill>
+          <a:blip r:embed="rId10">
+            <a:extLst>
+              <a:ext uri="{28A0092B-C50C-407E-A947-70E740481C1C}">
+                <a14:useLocalDpi xmlns:a14="http://schemas.microsoft.com/office/drawing/2010/main" val="0"/>
+              </a:ext>
+            </a:extLst>
+          </a:blip>
+          <a:srcRect/>
+          <a:stretch>
+            <a:fillRect/>
+          </a:stretch>
+        </p:blipFill>
+        <p:spPr bwMode="auto">
+          <a:xfrm>
+            <a:off x="0" y="910606"/>
+            <a:ext cx="12192000" cy="1021570"/>
+          </a:xfrm>
+          <a:prstGeom prst="rect">
+            <a:avLst/>
+          </a:prstGeom>
+          <a:noFill/>
+          <a:extLst>
+            <a:ext uri="{909E8E84-426E-40DD-AFC4-6F175D3DCCD1}">
+              <a14:hiddenFill xmlns:a14="http://schemas.microsoft.com/office/drawing/2010/main">
+                <a:solidFill>
+                  <a:srgbClr val="FFFFFF"/>
+                </a:solidFill>
+              </a14:hiddenFill>
+            </a:ext>
+          </a:extLst>
+        </p:spPr>
+      </p:pic>
+      <p:pic>
+        <p:nvPicPr>
+          <p:cNvPr id="23562" name="Picture 10" descr="C:\Users\jrk81\Desktop\list2.JPG"/>
+          <p:cNvPicPr>
+            <a:picLocks noChangeAspect="1" noChangeArrowheads="1"/>
+          </p:cNvPicPr>
+          <p:nvPr/>
+        </p:nvPicPr>
+        <p:blipFill>
+          <a:blip r:embed="rId11">
+            <a:extLst>
+              <a:ext uri="{28A0092B-C50C-407E-A947-70E740481C1C}">
+                <a14:useLocalDpi xmlns:a14="http://schemas.microsoft.com/office/drawing/2010/main" val="0"/>
+              </a:ext>
+            </a:extLst>
+          </a:blip>
+          <a:srcRect/>
+          <a:stretch>
+            <a:fillRect/>
+          </a:stretch>
+        </p:blipFill>
+        <p:spPr bwMode="auto">
+          <a:xfrm>
+            <a:off x="33337" y="1932176"/>
+            <a:ext cx="12125325" cy="1027086"/>
+          </a:xfrm>
+          <a:prstGeom prst="rect">
+            <a:avLst/>
+          </a:prstGeom>
+          <a:noFill/>
+          <a:extLst>
+            <a:ext uri="{909E8E84-426E-40DD-AFC4-6F175D3DCCD1}">
+              <a14:hiddenFill xmlns:a14="http://schemas.microsoft.com/office/drawing/2010/main">
+                <a:solidFill>
+                  <a:srgbClr val="FFFFFF"/>
+                </a:solidFill>
+              </a14:hiddenFill>
+            </a:ext>
+          </a:extLst>
+        </p:spPr>
+      </p:pic>
+      <p:pic>
+        <p:nvPicPr>
+          <p:cNvPr id="23564" name="Picture 12" descr="C:\Users\jrk81\Desktop\list4.JPG"/>
+          <p:cNvPicPr>
+            <a:picLocks noChangeAspect="1" noChangeArrowheads="1"/>
+          </p:cNvPicPr>
+          <p:nvPr/>
+        </p:nvPicPr>
+        <p:blipFill>
+          <a:blip r:embed="rId12">
+            <a:extLst>
+              <a:ext uri="{28A0092B-C50C-407E-A947-70E740481C1C}">
+                <a14:useLocalDpi xmlns:a14="http://schemas.microsoft.com/office/drawing/2010/main" val="0"/>
+              </a:ext>
+            </a:extLst>
+          </a:blip>
+          <a:srcRect/>
+          <a:stretch>
+            <a:fillRect/>
+          </a:stretch>
+        </p:blipFill>
+        <p:spPr bwMode="auto">
+          <a:xfrm>
+            <a:off x="33336" y="4032249"/>
+            <a:ext cx="12158663" cy="1048160"/>
+          </a:xfrm>
+          <a:prstGeom prst="rect">
+            <a:avLst/>
+          </a:prstGeom>
+          <a:noFill/>
+          <a:extLst>
+            <a:ext uri="{909E8E84-426E-40DD-AFC4-6F175D3DCCD1}">
+              <a14:hiddenFill xmlns:a14="http://schemas.microsoft.com/office/drawing/2010/main">
+                <a:solidFill>
+                  <a:srgbClr val="FFFFFF"/>
+                </a:solidFill>
+              </a14:hiddenFill>
+            </a:ext>
+          </a:extLst>
+        </p:spPr>
+      </p:pic>
+      <p:pic>
+        <p:nvPicPr>
+          <p:cNvPr id="23565" name="Picture 13" descr="C:\Users\jrk81\Desktop\list5.JPG"/>
+          <p:cNvPicPr>
+            <a:picLocks noChangeAspect="1" noChangeArrowheads="1"/>
+          </p:cNvPicPr>
+          <p:nvPr/>
+        </p:nvPicPr>
+        <p:blipFill>
+          <a:blip r:embed="rId13">
+            <a:extLst>
+              <a:ext uri="{28A0092B-C50C-407E-A947-70E740481C1C}">
+                <a14:useLocalDpi xmlns:a14="http://schemas.microsoft.com/office/drawing/2010/main" val="0"/>
+              </a:ext>
+            </a:extLst>
+          </a:blip>
+          <a:srcRect/>
+          <a:stretch>
+            <a:fillRect/>
+          </a:stretch>
+        </p:blipFill>
+        <p:spPr bwMode="auto">
+          <a:xfrm>
+            <a:off x="33336" y="5083283"/>
+            <a:ext cx="12158663" cy="947801"/>
+          </a:xfrm>
+          <a:prstGeom prst="rect">
+            <a:avLst/>
+          </a:prstGeom>
+          <a:noFill/>
+          <a:extLst>
+            <a:ext uri="{909E8E84-426E-40DD-AFC4-6F175D3DCCD1}">
+              <a14:hiddenFill xmlns:a14="http://schemas.microsoft.com/office/drawing/2010/main">
+                <a:solidFill>
+                  <a:srgbClr val="FFFFFF"/>
+                </a:solidFill>
+              </a14:hiddenFill>
+            </a:ext>
+          </a:extLst>
+        </p:spPr>
+      </p:pic>
+      <p:pic>
+        <p:nvPicPr>
+          <p:cNvPr id="23573" name="Picture 21"/>
+          <p:cNvPicPr>
+            <a:picLocks noChangeAspect="1" noChangeArrowheads="1"/>
+          </p:cNvPicPr>
+          <p:nvPr/>
+        </p:nvPicPr>
+        <p:blipFill>
+          <a:blip r:embed="rId14">
+            <a:extLst>
+              <a:ext uri="{28A0092B-C50C-407E-A947-70E740481C1C}">
+                <a14:useLocalDpi xmlns:a14="http://schemas.microsoft.com/office/drawing/2010/main" val="0"/>
+              </a:ext>
+            </a:extLst>
+          </a:blip>
+          <a:srcRect/>
+          <a:stretch>
+            <a:fillRect/>
+          </a:stretch>
+        </p:blipFill>
+        <p:spPr bwMode="auto">
+          <a:xfrm>
+            <a:off x="52388" y="2905125"/>
+            <a:ext cx="12087225" cy="1123950"/>
+          </a:xfrm>
+          <a:prstGeom prst="rect">
+            <a:avLst/>
+          </a:prstGeom>
+          <a:noFill/>
+          <a:ln>
+            <a:noFill/>
+          </a:ln>
+          <a:extLst>
+            <a:ext uri="{909E8E84-426E-40DD-AFC4-6F175D3DCCD1}">
+              <a14:hiddenFill xmlns:a14="http://schemas.microsoft.com/office/drawing/2010/main">
+                <a:solidFill>
+                  <a:schemeClr val="accent1"/>
+                </a:solidFill>
+              </a14:hiddenFill>
+            </a:ext>
+            <a:ext uri="{91240B29-F687-4F45-9708-019B960494DF}">
+              <a14:hiddenLine xmlns:a14="http://schemas.microsoft.com/office/drawing/2010/main" w="9525">
+                <a:solidFill>
+                  <a:schemeClr val="tx1"/>
+                </a:solidFill>
+                <a:miter lim="800000"/>
+                <a:headEnd/>
+                <a:tailEnd/>
+              </a14:hiddenLine>
+            </a:ext>
+          </a:extLst>
+        </p:spPr>
+      </p:pic>
+    </p:spTree>
+    <p:extLst>
+      <p:ext uri="{BB962C8B-B14F-4D97-AF65-F5344CB8AC3E}">
+        <p14:creationId xmlns:p14="http://schemas.microsoft.com/office/powerpoint/2010/main" val="3128240187"/>
+      </p:ext>
+    </p:extLst>
+  </p:cSld>
+  <p:clrMapOvr>
+    <a:masterClrMapping/>
+  </p:clrMapOvr>
+  <p:timing>
+    <p:tnLst>
+      <p:par>
+        <p:cTn id="1" dur="indefinite" restart="never" nodeType="tmRoot">
+          <p:childTnLst>
+            <p:seq concurrent="1" nextAc="seek">
+              <p:cTn id="2" dur="indefinite" nodeType="mainSeq">
+                <p:childTnLst>
+                  <p:par>
+                    <p:cTn id="3" fill="hold">
+                      <p:stCondLst>
+                        <p:cond delay="indefinite"/>
+                      </p:stCondLst>
+                      <p:childTnLst>
+                        <p:par>
+                          <p:cTn id="4" fill="hold">
+                            <p:stCondLst>
+                              <p:cond delay="0"/>
+                            </p:stCondLst>
+                            <p:childTnLst>
+                              <p:par>
+                                <p:cTn id="5" presetID="22" presetClass="entr" presetSubtype="4" fill="hold" nodeType="clickEffect">
+                                  <p:stCondLst>
+                                    <p:cond delay="0"/>
+                                  </p:stCondLst>
+                                  <p:childTnLst>
+                                    <p:set>
+                                      <p:cBhvr>
+                                        <p:cTn id="6" dur="1" fill="hold">
+                                          <p:stCondLst>
+                                            <p:cond delay="0"/>
+                                          </p:stCondLst>
+                                        </p:cTn>
+                                        <p:tgtEl>
+                                          <p:spTgt spid="23561"/>
+                                        </p:tgtEl>
+                                        <p:attrNameLst>
+                                          <p:attrName>style.visibility</p:attrName>
+                                        </p:attrNameLst>
+                                      </p:cBhvr>
+                                      <p:to>
+                                        <p:strVal val="visible"/>
+                                      </p:to>
+                                    </p:set>
+                                    <p:animEffect transition="in" filter="wipe(down)">
+                                      <p:cBhvr>
+                                        <p:cTn id="7" dur="500"/>
+                                        <p:tgtEl>
+                                          <p:spTgt spid="23561"/>
+                                        </p:tgtEl>
+                                      </p:cBhvr>
+                                    </p:animEffect>
+                                  </p:childTnLst>
+                                </p:cTn>
+                              </p:par>
+                            </p:childTnLst>
+                          </p:cTn>
+                        </p:par>
+                      </p:childTnLst>
+                    </p:cTn>
+                  </p:par>
+                  <p:par>
+                    <p:cTn id="8" fill="hold">
+                      <p:stCondLst>
+                        <p:cond delay="indefinite"/>
+                      </p:stCondLst>
+                      <p:childTnLst>
+                        <p:par>
+                          <p:cTn id="9" fill="hold">
+                            <p:stCondLst>
+                              <p:cond delay="0"/>
+                            </p:stCondLst>
+                            <p:childTnLst>
+                              <p:par>
+                                <p:cTn id="10" presetID="22" presetClass="entr" presetSubtype="4" fill="hold" nodeType="clickEffect">
+                                  <p:stCondLst>
+                                    <p:cond delay="0"/>
+                                  </p:stCondLst>
+                                  <p:childTnLst>
+                                    <p:set>
+                                      <p:cBhvr>
+                                        <p:cTn id="11" dur="1" fill="hold">
+                                          <p:stCondLst>
+                                            <p:cond delay="0"/>
+                                          </p:stCondLst>
+                                        </p:cTn>
+                                        <p:tgtEl>
+                                          <p:spTgt spid="23562"/>
+                                        </p:tgtEl>
+                                        <p:attrNameLst>
+                                          <p:attrName>style.visibility</p:attrName>
+                                        </p:attrNameLst>
+                                      </p:cBhvr>
+                                      <p:to>
+                                        <p:strVal val="visible"/>
+                                      </p:to>
+                                    </p:set>
+                                    <p:animEffect transition="in" filter="wipe(down)">
+                                      <p:cBhvr>
+                                        <p:cTn id="12" dur="500"/>
+                                        <p:tgtEl>
+                                          <p:spTgt spid="23562"/>
+                                        </p:tgtEl>
+                                      </p:cBhvr>
+                                    </p:animEffect>
+                                  </p:childTnLst>
+                                </p:cTn>
+                              </p:par>
+                            </p:childTnLst>
+                          </p:cTn>
+                        </p:par>
+                      </p:childTnLst>
+                    </p:cTn>
+                  </p:par>
+                  <p:par>
+                    <p:cTn id="13" fill="hold">
+                      <p:stCondLst>
+                        <p:cond delay="indefinite"/>
+                      </p:stCondLst>
+                      <p:childTnLst>
+                        <p:par>
+                          <p:cTn id="14" fill="hold">
+                            <p:stCondLst>
+                              <p:cond delay="0"/>
+                            </p:stCondLst>
+                            <p:childTnLst>
+                              <p:par>
+                                <p:cTn id="15" presetID="22" presetClass="entr" presetSubtype="4" fill="hold" nodeType="clickEffect">
+                                  <p:stCondLst>
+                                    <p:cond delay="0"/>
+                                  </p:stCondLst>
+                                  <p:childTnLst>
+                                    <p:set>
+                                      <p:cBhvr>
+                                        <p:cTn id="16" dur="1" fill="hold">
+                                          <p:stCondLst>
+                                            <p:cond delay="0"/>
+                                          </p:stCondLst>
+                                        </p:cTn>
+                                        <p:tgtEl>
+                                          <p:spTgt spid="23573"/>
+                                        </p:tgtEl>
+                                        <p:attrNameLst>
+                                          <p:attrName>style.visibility</p:attrName>
+                                        </p:attrNameLst>
+                                      </p:cBhvr>
+                                      <p:to>
+                                        <p:strVal val="visible"/>
+                                      </p:to>
+                                    </p:set>
+                                    <p:animEffect transition="in" filter="wipe(down)">
+                                      <p:cBhvr>
+                                        <p:cTn id="17" dur="500"/>
+                                        <p:tgtEl>
+                                          <p:spTgt spid="23573"/>
+                                        </p:tgtEl>
+                                      </p:cBhvr>
+                                    </p:animEffect>
+                                  </p:childTnLst>
+                                </p:cTn>
+                              </p:par>
+                            </p:childTnLst>
+                          </p:cTn>
+                        </p:par>
+                      </p:childTnLst>
+                    </p:cTn>
+                  </p:par>
+                  <p:par>
+                    <p:cTn id="18" fill="hold">
+                      <p:stCondLst>
+                        <p:cond delay="indefinite"/>
+                      </p:stCondLst>
+                      <p:childTnLst>
+                        <p:par>
+                          <p:cTn id="19" fill="hold">
+                            <p:stCondLst>
+                              <p:cond delay="0"/>
+                            </p:stCondLst>
+                            <p:childTnLst>
+                              <p:par>
+                                <p:cTn id="20" presetID="22" presetClass="entr" presetSubtype="4" fill="hold" nodeType="clickEffect">
+                                  <p:stCondLst>
+                                    <p:cond delay="0"/>
+                                  </p:stCondLst>
+                                  <p:childTnLst>
+                                    <p:set>
+                                      <p:cBhvr>
+                                        <p:cTn id="21" dur="1" fill="hold">
+                                          <p:stCondLst>
+                                            <p:cond delay="0"/>
+                                          </p:stCondLst>
+                                        </p:cTn>
+                                        <p:tgtEl>
+                                          <p:spTgt spid="23564"/>
+                                        </p:tgtEl>
+                                        <p:attrNameLst>
+                                          <p:attrName>style.visibility</p:attrName>
+                                        </p:attrNameLst>
+                                      </p:cBhvr>
+                                      <p:to>
+                                        <p:strVal val="visible"/>
+                                      </p:to>
+                                    </p:set>
+                                    <p:animEffect transition="in" filter="wipe(down)">
+                                      <p:cBhvr>
+                                        <p:cTn id="22" dur="500"/>
+                                        <p:tgtEl>
+                                          <p:spTgt spid="23564"/>
+                                        </p:tgtEl>
+                                      </p:cBhvr>
+                                    </p:animEffect>
+                                  </p:childTnLst>
+                                </p:cTn>
+                              </p:par>
+                            </p:childTnLst>
+                          </p:cTn>
+                        </p:par>
+                      </p:childTnLst>
+                    </p:cTn>
+                  </p:par>
+                  <p:par>
+                    <p:cTn id="23" fill="hold">
+                      <p:stCondLst>
+                        <p:cond delay="indefinite"/>
+                      </p:stCondLst>
+                      <p:childTnLst>
+                        <p:par>
+                          <p:cTn id="24" fill="hold">
+                            <p:stCondLst>
+                              <p:cond delay="0"/>
+                            </p:stCondLst>
+                            <p:childTnLst>
+                              <p:par>
+                                <p:cTn id="25" presetID="22" presetClass="entr" presetSubtype="4" fill="hold" nodeType="clickEffect">
+                                  <p:stCondLst>
+                                    <p:cond delay="0"/>
+                                  </p:stCondLst>
+                                  <p:childTnLst>
+                                    <p:set>
+                                      <p:cBhvr>
+                                        <p:cTn id="26" dur="1" fill="hold">
+                                          <p:stCondLst>
+                                            <p:cond delay="0"/>
+                                          </p:stCondLst>
+                                        </p:cTn>
+                                        <p:tgtEl>
+                                          <p:spTgt spid="23565"/>
+                                        </p:tgtEl>
+                                        <p:attrNameLst>
+                                          <p:attrName>style.visibility</p:attrName>
+                                        </p:attrNameLst>
+                                      </p:cBhvr>
+                                      <p:to>
+                                        <p:strVal val="visible"/>
+                                      </p:to>
+                                    </p:set>
+                                    <p:animEffect transition="in" filter="wipe(down)">
+                                      <p:cBhvr>
+                                        <p:cTn id="27" dur="500"/>
+                                        <p:tgtEl>
+                                          <p:spTgt spid="23565"/>
+                                        </p:tgtEl>
+                                      </p:cBhvr>
+                                    </p:animEffect>
+                                  </p:childTnLst>
+                                </p:cTn>
+                              </p:par>
+                            </p:childTnLst>
+                          </p:cTn>
+                        </p:par>
+                      </p:childTnLst>
+                    </p:cTn>
+                  </p:par>
+                </p:childTnLst>
+              </p:cTn>
+              <p:prevCondLst>
+                <p:cond evt="onPrev" delay="0">
+                  <p:tgtEl>
+                    <p:sldTgt/>
+                  </p:tgtEl>
+                </p:cond>
+              </p:prevCondLst>
+              <p:nextCondLst>
+                <p:cond evt="onNext" delay="0">
+                  <p:tgtEl>
+                    <p:sldTgt/>
+                  </p:tgtEl>
+                </p:cond>
+              </p:nextCondLst>
+            </p:seq>
+          </p:childTnLst>
+        </p:cTn>
+      </p:par>
+    </p:tnLst>
+  </p:timing>
+</p:sld>
+</file>
+
+<file path=ppt/slides/slide9.xml><?xml version="1.0" encoding="utf-8"?>
+<p:sld xmlns:a="http://schemas.openxmlformats.org/drawingml/2006/main" xmlns:r="http://schemas.openxmlformats.org/officeDocument/2006/relationships" xmlns:p="http://schemas.openxmlformats.org/presentationml/2006/main">
+  <p:cSld>
+    <p:bg>
+      <p:bgPr>
+        <a:solidFill>
+          <a:srgbClr val="446897"/>
+        </a:solidFill>
+        <a:effectLst/>
+      </p:bgPr>
+    </p:bg>
+    <p:spTree>
+      <p:nvGrpSpPr>
+        <p:cNvPr id="1" name=""/>
+        <p:cNvGrpSpPr/>
+        <p:nvPr/>
+      </p:nvGrpSpPr>
+      <p:grpSpPr>
+        <a:xfrm>
+          <a:off x="0" y="0"/>
+          <a:ext cx="0" cy="0"/>
+          <a:chOff x="0" y="0"/>
+          <a:chExt cx="0" cy="0"/>
+        </a:xfrm>
+      </p:grpSpPr>
+      <p:sp>
+        <p:nvSpPr>
+          <p:cNvPr id="4" name="직사각형 3">
+            <a:extLst>
+              <a:ext uri="{FF2B5EF4-FFF2-40B4-BE49-F238E27FC236}">
+                <a16:creationId xmlns:a16="http://schemas.microsoft.com/office/drawing/2014/main" id="{79290544-BADD-4BB5-AB18-D4C4569ACBF1}"/>
               </a:ext>
             </a:extLst>
           </p:cNvPr>
@@ -9611,7 +12206,7 @@
           <p:cNvPr id="5" name="그림 4">
             <a:extLst>
               <a:ext uri="{FF2B5EF4-FFF2-40B4-BE49-F238E27FC236}">
-                <a16:creationId xmlns:a16="http://schemas.microsoft.com/office/drawing/2014/main" xmlns="" id="{9804FF94-E009-4DEE-8800-64F35DD3C5F8}"/>
+                <a16:creationId xmlns:a16="http://schemas.microsoft.com/office/drawing/2014/main" id="{9804FF94-E009-4DEE-8800-64F35DD3C5F8}"/>
               </a:ext>
             </a:extLst>
           </p:cNvPr>
@@ -9648,7 +12243,7 @@
           <p:cNvPr id="7" name="개체 6">
             <a:extLst>
               <a:ext uri="{FF2B5EF4-FFF2-40B4-BE49-F238E27FC236}">
-                <a16:creationId xmlns:a16="http://schemas.microsoft.com/office/drawing/2014/main" xmlns="" id="{70D06034-3B58-4132-B530-7E8EFFDBF094}"/>
+                <a16:creationId xmlns:a16="http://schemas.microsoft.com/office/drawing/2014/main" id="{70D06034-3B58-4132-B530-7E8EFFDBF094}"/>
               </a:ext>
             </a:extLst>
           </p:cNvPr>
@@ -9665,7 +12260,7 @@
           <a:graphicData uri="http://schemas.openxmlformats.org/presentationml/2006/ole">
             <mc:AlternateContent xmlns:mc="http://schemas.openxmlformats.org/markup-compatibility/2006">
               <mc:Choice xmlns:v="urn:schemas-microsoft-com:vml" Requires="v">
-                <p:oleObj spid="_x0000_s18461" r:id="rId4" imgW="2628360" imgH="609480" progId="">
+                <p:oleObj spid="_x0000_s18467" r:id="rId4" imgW="2628360" imgH="609480" progId="">
                   <p:embed/>
                 </p:oleObj>
               </mc:Choice>
@@ -9677,7 +12272,7 @@
                       <p:cNvPr id="7" name="개체 6">
                         <a:extLst>
                           <a:ext uri="{FF2B5EF4-FFF2-40B4-BE49-F238E27FC236}">
-                            <a16:creationId xmlns:a16="http://schemas.microsoft.com/office/drawing/2014/main" xmlns="" id="{70D06034-3B58-4132-B530-7E8EFFDBF094}"/>
+                            <a16:creationId xmlns:a16="http://schemas.microsoft.com/office/drawing/2014/main" id="{70D06034-3B58-4132-B530-7E8EFFDBF094}"/>
                           </a:ext>
                         </a:extLst>
                       </p:cNvPr>
@@ -9711,7 +12306,7 @@
           <p:cNvPr id="18" name="그룹 17">
             <a:extLst>
               <a:ext uri="{FF2B5EF4-FFF2-40B4-BE49-F238E27FC236}">
-                <a16:creationId xmlns:a16="http://schemas.microsoft.com/office/drawing/2014/main" xmlns="" id="{2906A96E-AE70-4CBA-A3D6-7326232CCD38}"/>
+                <a16:creationId xmlns:a16="http://schemas.microsoft.com/office/drawing/2014/main" id="{2906A96E-AE70-4CBA-A3D6-7326232CCD38}"/>
               </a:ext>
             </a:extLst>
           </p:cNvPr>
@@ -9731,7 +12326,7 @@
             <p:cNvPr id="19" name="그림 18">
               <a:extLst>
                 <a:ext uri="{FF2B5EF4-FFF2-40B4-BE49-F238E27FC236}">
-                  <a16:creationId xmlns:a16="http://schemas.microsoft.com/office/drawing/2014/main" xmlns="" id="{5E6D51A9-BA62-4876-83B4-2EBD80AC33F2}"/>
+                  <a16:creationId xmlns:a16="http://schemas.microsoft.com/office/drawing/2014/main" id="{5E6D51A9-BA62-4876-83B4-2EBD80AC33F2}"/>
                 </a:ext>
               </a:extLst>
             </p:cNvPr>
@@ -9768,7 +12363,7 @@
             <p:cNvPr id="20" name="그룹 19">
               <a:extLst>
                 <a:ext uri="{FF2B5EF4-FFF2-40B4-BE49-F238E27FC236}">
-                  <a16:creationId xmlns:a16="http://schemas.microsoft.com/office/drawing/2014/main" xmlns="" id="{1476DE7F-FD5A-4025-923C-5A2ACABE130F}"/>
+                  <a16:creationId xmlns:a16="http://schemas.microsoft.com/office/drawing/2014/main" id="{1476DE7F-FD5A-4025-923C-5A2ACABE130F}"/>
                 </a:ext>
               </a:extLst>
             </p:cNvPr>
@@ -9788,7 +12383,7 @@
               <p:cNvPr id="21" name="그림 20">
                 <a:extLst>
                   <a:ext uri="{FF2B5EF4-FFF2-40B4-BE49-F238E27FC236}">
-                    <a16:creationId xmlns:a16="http://schemas.microsoft.com/office/drawing/2014/main" xmlns="" id="{B5515AC8-55CE-4E7B-BBF2-3258D64521F0}"/>
+                    <a16:creationId xmlns:a16="http://schemas.microsoft.com/office/drawing/2014/main" id="{B5515AC8-55CE-4E7B-BBF2-3258D64521F0}"/>
                   </a:ext>
                 </a:extLst>
               </p:cNvPr>
@@ -9826,7 +12421,7 @@
               <p:cNvPr id="22" name="그림 21">
                 <a:extLst>
                   <a:ext uri="{FF2B5EF4-FFF2-40B4-BE49-F238E27FC236}">
-                    <a16:creationId xmlns:a16="http://schemas.microsoft.com/office/drawing/2014/main" xmlns="" id="{98CF109D-0B35-4A01-95B2-3C58FC6AF8AC}"/>
+                    <a16:creationId xmlns:a16="http://schemas.microsoft.com/office/drawing/2014/main" id="{98CF109D-0B35-4A01-95B2-3C58FC6AF8AC}"/>
                   </a:ext>
                 </a:extLst>
               </p:cNvPr>
@@ -9866,7 +12461,7 @@
           <p:cNvPr id="3" name="그림 2">
             <a:extLst>
               <a:ext uri="{FF2B5EF4-FFF2-40B4-BE49-F238E27FC236}">
-                <a16:creationId xmlns:a16="http://schemas.microsoft.com/office/drawing/2014/main" xmlns="" id="{91EFF59A-B7F4-4D86-A025-595B4E7F6D99}"/>
+                <a16:creationId xmlns:a16="http://schemas.microsoft.com/office/drawing/2014/main" id="{91EFF59A-B7F4-4D86-A025-595B4E7F6D99}"/>
               </a:ext>
             </a:extLst>
           </p:cNvPr>
@@ -9962,7 +12557,7 @@
           <p:cNvPr id="23" name="그림 22">
             <a:extLst>
               <a:ext uri="{FF2B5EF4-FFF2-40B4-BE49-F238E27FC236}">
-                <a16:creationId xmlns:a16="http://schemas.microsoft.com/office/drawing/2014/main" xmlns="" id="{8460AF68-D565-4129-89C1-6A188EE9C007}"/>
+                <a16:creationId xmlns:a16="http://schemas.microsoft.com/office/drawing/2014/main" id="{8460AF68-D565-4129-89C1-6A188EE9C007}"/>
               </a:ext>
             </a:extLst>
           </p:cNvPr>
@@ -10809,2165 +13404,6 @@
 </p:sld>
 </file>
 
-<file path=ppt/slides/slide8.xml><?xml version="1.0" encoding="utf-8"?>
-<p:sld xmlns:a="http://schemas.openxmlformats.org/drawingml/2006/main" xmlns:r="http://schemas.openxmlformats.org/officeDocument/2006/relationships" xmlns:p="http://schemas.openxmlformats.org/presentationml/2006/main">
-  <p:cSld>
-    <p:bg>
-      <p:bgPr>
-        <a:solidFill>
-          <a:srgbClr val="446897"/>
-        </a:solidFill>
-        <a:effectLst/>
-      </p:bgPr>
-    </p:bg>
-    <p:spTree>
-      <p:nvGrpSpPr>
-        <p:cNvPr id="1" name=""/>
-        <p:cNvGrpSpPr/>
-        <p:nvPr/>
-      </p:nvGrpSpPr>
-      <p:grpSpPr>
-        <a:xfrm>
-          <a:off x="0" y="0"/>
-          <a:ext cx="0" cy="0"/>
-          <a:chOff x="0" y="0"/>
-          <a:chExt cx="0" cy="0"/>
-        </a:xfrm>
-      </p:grpSpPr>
-      <p:sp>
-        <p:nvSpPr>
-          <p:cNvPr id="4" name="직사각형 3">
-            <a:extLst>
-              <a:ext uri="{FF2B5EF4-FFF2-40B4-BE49-F238E27FC236}">
-                <a16:creationId xmlns:a16="http://schemas.microsoft.com/office/drawing/2014/main" xmlns="" id="{79290544-BADD-4BB5-AB18-D4C4569ACBF1}"/>
-              </a:ext>
-            </a:extLst>
-          </p:cNvPr>
-          <p:cNvSpPr/>
-          <p:nvPr/>
-        </p:nvSpPr>
-        <p:spPr>
-          <a:xfrm>
-            <a:off x="0" y="875211"/>
-            <a:ext cx="12192000" cy="5138058"/>
-          </a:xfrm>
-          <a:prstGeom prst="rect">
-            <a:avLst/>
-          </a:prstGeom>
-          <a:solidFill>
-            <a:schemeClr val="bg1"/>
-          </a:solidFill>
-        </p:spPr>
-        <p:style>
-          <a:lnRef idx="2">
-            <a:schemeClr val="accent1">
-              <a:shade val="50000"/>
-            </a:schemeClr>
-          </a:lnRef>
-          <a:fillRef idx="1">
-            <a:schemeClr val="accent1"/>
-          </a:fillRef>
-          <a:effectRef idx="0">
-            <a:schemeClr val="accent1"/>
-          </a:effectRef>
-          <a:fontRef idx="minor">
-            <a:schemeClr val="lt1"/>
-          </a:fontRef>
-        </p:style>
-        <p:txBody>
-          <a:bodyPr rtlCol="0" anchor="ctr"/>
-          <a:lstStyle/>
-          <a:p>
-            <a:pPr algn="ctr"/>
-            <a:endParaRPr lang="ko-KR" altLang="en-US">
-              <a:solidFill>
-                <a:schemeClr val="bg1"/>
-              </a:solidFill>
-            </a:endParaRPr>
-          </a:p>
-        </p:txBody>
-      </p:sp>
-      <p:pic>
-        <p:nvPicPr>
-          <p:cNvPr id="5" name="그림 4">
-            <a:extLst>
-              <a:ext uri="{FF2B5EF4-FFF2-40B4-BE49-F238E27FC236}">
-                <a16:creationId xmlns:a16="http://schemas.microsoft.com/office/drawing/2014/main" xmlns="" id="{9804FF94-E009-4DEE-8800-64F35DD3C5F8}"/>
-              </a:ext>
-            </a:extLst>
-          </p:cNvPr>
-          <p:cNvPicPr>
-            <a:picLocks noChangeAspect="1"/>
-          </p:cNvPicPr>
-          <p:nvPr/>
-        </p:nvPicPr>
-        <p:blipFill>
-          <a:blip r:embed="rId3">
-            <a:biLevel thresh="25000"/>
-            <a:extLst>
-              <a:ext uri="{28A0092B-C50C-407E-A947-70E740481C1C}">
-                <a14:useLocalDpi xmlns:a14="http://schemas.microsoft.com/office/drawing/2010/main" val="0"/>
-              </a:ext>
-            </a:extLst>
-          </a:blip>
-          <a:stretch>
-            <a:fillRect/>
-          </a:stretch>
-        </p:blipFill>
-        <p:spPr>
-          <a:xfrm>
-            <a:off x="176231" y="185583"/>
-            <a:ext cx="291510" cy="472600"/>
-          </a:xfrm>
-          <a:prstGeom prst="rect">
-            <a:avLst/>
-          </a:prstGeom>
-        </p:spPr>
-      </p:pic>
-      <p:graphicFrame>
-        <p:nvGraphicFramePr>
-          <p:cNvPr id="7" name="개체 6">
-            <a:extLst>
-              <a:ext uri="{FF2B5EF4-FFF2-40B4-BE49-F238E27FC236}">
-                <a16:creationId xmlns:a16="http://schemas.microsoft.com/office/drawing/2014/main" xmlns="" id="{70D06034-3B58-4132-B530-7E8EFFDBF094}"/>
-              </a:ext>
-            </a:extLst>
-          </p:cNvPr>
-          <p:cNvGraphicFramePr>
-            <a:graphicFrameLocks noChangeAspect="1"/>
-          </p:cNvGraphicFramePr>
-          <p:nvPr/>
-        </p:nvGraphicFramePr>
-        <p:xfrm>
-          <a:off x="4781550" y="3122613"/>
-          <a:ext cx="2628900" cy="609600"/>
-        </p:xfrm>
-        <a:graphic>
-          <a:graphicData uri="http://schemas.openxmlformats.org/presentationml/2006/ole">
-            <mc:AlternateContent xmlns:mc="http://schemas.openxmlformats.org/markup-compatibility/2006">
-              <mc:Choice xmlns:v="urn:schemas-microsoft-com:vml" Requires="v">
-                <p:oleObj spid="_x0000_s27658" r:id="rId4" imgW="2628360" imgH="609480" progId="">
-                  <p:embed/>
-                </p:oleObj>
-              </mc:Choice>
-              <mc:Fallback>
-                <p:oleObj r:id="rId4" imgW="2628360" imgH="609480" progId="">
-                  <p:embed/>
-                  <p:pic>
-                    <p:nvPicPr>
-                      <p:cNvPr id="0" name=""/>
-                      <p:cNvPicPr/>
-                      <p:nvPr/>
-                    </p:nvPicPr>
-                    <p:blipFill>
-                      <a:blip r:embed="rId5"/>
-                      <a:stretch>
-                        <a:fillRect/>
-                      </a:stretch>
-                    </p:blipFill>
-                    <p:spPr>
-                      <a:xfrm>
-                        <a:off x="4781550" y="3122613"/>
-                        <a:ext cx="2628900" cy="609600"/>
-                      </a:xfrm>
-                      <a:prstGeom prst="rect">
-                        <a:avLst/>
-                      </a:prstGeom>
-                    </p:spPr>
-                  </p:pic>
-                </p:oleObj>
-              </mc:Fallback>
-            </mc:AlternateContent>
-          </a:graphicData>
-        </a:graphic>
-      </p:graphicFrame>
-      <p:grpSp>
-        <p:nvGrpSpPr>
-          <p:cNvPr id="18" name="그룹 17">
-            <a:extLst>
-              <a:ext uri="{FF2B5EF4-FFF2-40B4-BE49-F238E27FC236}">
-                <a16:creationId xmlns:a16="http://schemas.microsoft.com/office/drawing/2014/main" xmlns="" id="{2906A96E-AE70-4CBA-A3D6-7326232CCD38}"/>
-              </a:ext>
-            </a:extLst>
-          </p:cNvPr>
-          <p:cNvGrpSpPr/>
-          <p:nvPr/>
-        </p:nvGrpSpPr>
-        <p:grpSpPr>
-          <a:xfrm>
-            <a:off x="11585256" y="6110895"/>
-            <a:ext cx="387670" cy="699480"/>
-            <a:chOff x="5479730" y="1917703"/>
-            <a:chExt cx="1488861" cy="2686379"/>
-          </a:xfrm>
-        </p:grpSpPr>
-        <p:pic>
-          <p:nvPicPr>
-            <p:cNvPr id="19" name="그림 18">
-              <a:extLst>
-                <a:ext uri="{FF2B5EF4-FFF2-40B4-BE49-F238E27FC236}">
-                  <a16:creationId xmlns:a16="http://schemas.microsoft.com/office/drawing/2014/main" xmlns="" id="{5E6D51A9-BA62-4876-83B4-2EBD80AC33F2}"/>
-                </a:ext>
-              </a:extLst>
-            </p:cNvPr>
-            <p:cNvPicPr>
-              <a:picLocks noChangeAspect="1"/>
-            </p:cNvPicPr>
-            <p:nvPr/>
-          </p:nvPicPr>
-          <p:blipFill>
-            <a:blip r:embed="rId6" cstate="print">
-              <a:biLevel thresh="25000"/>
-              <a:extLst>
-                <a:ext uri="{28A0092B-C50C-407E-A947-70E740481C1C}">
-                  <a14:useLocalDpi xmlns:a14="http://schemas.microsoft.com/office/drawing/2010/main" val="0"/>
-                </a:ext>
-              </a:extLst>
-            </a:blip>
-            <a:stretch>
-              <a:fillRect/>
-            </a:stretch>
-          </p:blipFill>
-          <p:spPr>
-            <a:xfrm>
-              <a:off x="5945295" y="1917703"/>
-              <a:ext cx="588660" cy="954343"/>
-            </a:xfrm>
-            <a:prstGeom prst="rect">
-              <a:avLst/>
-            </a:prstGeom>
-          </p:spPr>
-        </p:pic>
-        <p:grpSp>
-          <p:nvGrpSpPr>
-            <p:cNvPr id="20" name="그룹 19">
-              <a:extLst>
-                <a:ext uri="{FF2B5EF4-FFF2-40B4-BE49-F238E27FC236}">
-                  <a16:creationId xmlns:a16="http://schemas.microsoft.com/office/drawing/2014/main" xmlns="" id="{1476DE7F-FD5A-4025-923C-5A2ACABE130F}"/>
-                </a:ext>
-              </a:extLst>
-            </p:cNvPr>
-            <p:cNvGrpSpPr/>
-            <p:nvPr/>
-          </p:nvGrpSpPr>
-          <p:grpSpPr>
-            <a:xfrm>
-              <a:off x="5479730" y="2931603"/>
-              <a:ext cx="1488861" cy="1672479"/>
-              <a:chOff x="5479730" y="2931603"/>
-              <a:chExt cx="1488861" cy="1672479"/>
-            </a:xfrm>
-          </p:grpSpPr>
-          <p:pic>
-            <p:nvPicPr>
-              <p:cNvPr id="21" name="그림 20">
-                <a:extLst>
-                  <a:ext uri="{FF2B5EF4-FFF2-40B4-BE49-F238E27FC236}">
-                    <a16:creationId xmlns:a16="http://schemas.microsoft.com/office/drawing/2014/main" xmlns="" id="{B5515AC8-55CE-4E7B-BBF2-3258D64521F0}"/>
-                  </a:ext>
-                </a:extLst>
-              </p:cNvPr>
-              <p:cNvPicPr>
-                <a:picLocks noChangeAspect="1"/>
-              </p:cNvPicPr>
-              <p:nvPr/>
-            </p:nvPicPr>
-            <p:blipFill rotWithShape="1">
-              <a:blip r:embed="rId7" cstate="print">
-                <a:extLst>
-                  <a:ext uri="{28A0092B-C50C-407E-A947-70E740481C1C}">
-                    <a14:useLocalDpi xmlns:a14="http://schemas.microsoft.com/office/drawing/2010/main" val="0"/>
-                  </a:ext>
-                </a:extLst>
-              </a:blip>
-              <a:srcRect t="88318"/>
-              <a:stretch/>
-            </p:blipFill>
-            <p:spPr>
-              <a:xfrm>
-                <a:off x="5571177" y="4320359"/>
-                <a:ext cx="1336897" cy="283723"/>
-              </a:xfrm>
-              <a:prstGeom prst="rect">
-                <a:avLst/>
-              </a:prstGeom>
-              <a:solidFill>
-                <a:srgbClr val="446897"/>
-              </a:solidFill>
-            </p:spPr>
-          </p:pic>
-          <p:pic>
-            <p:nvPicPr>
-              <p:cNvPr id="22" name="그림 21">
-                <a:extLst>
-                  <a:ext uri="{FF2B5EF4-FFF2-40B4-BE49-F238E27FC236}">
-                    <a16:creationId xmlns:a16="http://schemas.microsoft.com/office/drawing/2014/main" xmlns="" id="{98CF109D-0B35-4A01-95B2-3C58FC6AF8AC}"/>
-                  </a:ext>
-                </a:extLst>
-              </p:cNvPr>
-              <p:cNvPicPr>
-                <a:picLocks noChangeAspect="1"/>
-              </p:cNvPicPr>
-              <p:nvPr/>
-            </p:nvPicPr>
-            <p:blipFill>
-              <a:blip r:embed="rId8" cstate="print">
-                <a:biLevel thresh="25000"/>
-                <a:extLst>
-                  <a:ext uri="{28A0092B-C50C-407E-A947-70E740481C1C}">
-                    <a14:useLocalDpi xmlns:a14="http://schemas.microsoft.com/office/drawing/2010/main" val="0"/>
-                  </a:ext>
-                </a:extLst>
-              </a:blip>
-              <a:stretch>
-                <a:fillRect/>
-              </a:stretch>
-            </p:blipFill>
-            <p:spPr>
-              <a:xfrm>
-                <a:off x="5479730" y="2931603"/>
-                <a:ext cx="1488861" cy="1269642"/>
-              </a:xfrm>
-              <a:prstGeom prst="rect">
-                <a:avLst/>
-              </a:prstGeom>
-              <a:noFill/>
-            </p:spPr>
-          </p:pic>
-        </p:grpSp>
-      </p:grpSp>
-      <p:pic>
-        <p:nvPicPr>
-          <p:cNvPr id="3" name="그림 2">
-            <a:extLst>
-              <a:ext uri="{FF2B5EF4-FFF2-40B4-BE49-F238E27FC236}">
-                <a16:creationId xmlns:a16="http://schemas.microsoft.com/office/drawing/2014/main" xmlns="" id="{91EFF59A-B7F4-4D86-A025-595B4E7F6D99}"/>
-              </a:ext>
-            </a:extLst>
-          </p:cNvPr>
-          <p:cNvPicPr>
-            <a:picLocks noChangeAspect="1"/>
-          </p:cNvPicPr>
-          <p:nvPr/>
-        </p:nvPicPr>
-        <p:blipFill>
-          <a:blip r:embed="rId9">
-            <a:extLst>
-              <a:ext uri="{28A0092B-C50C-407E-A947-70E740481C1C}">
-                <a14:useLocalDpi xmlns:a14="http://schemas.microsoft.com/office/drawing/2010/main" val="0"/>
-              </a:ext>
-            </a:extLst>
-          </a:blip>
-          <a:stretch>
-            <a:fillRect/>
-          </a:stretch>
-        </p:blipFill>
-        <p:spPr>
-          <a:xfrm>
-            <a:off x="467742" y="193321"/>
-            <a:ext cx="1942084" cy="450339"/>
-          </a:xfrm>
-          <a:prstGeom prst="rect">
-            <a:avLst/>
-          </a:prstGeom>
-        </p:spPr>
-      </p:pic>
-      <p:pic>
-        <p:nvPicPr>
-          <p:cNvPr id="12" name="그림 11"/>
-          <p:cNvPicPr>
-            <a:picLocks noChangeAspect="1"/>
-          </p:cNvPicPr>
-          <p:nvPr/>
-        </p:nvPicPr>
-        <p:blipFill>
-          <a:blip r:embed="rId10">
-            <a:extLst>
-              <a:ext uri="{28A0092B-C50C-407E-A947-70E740481C1C}">
-                <a14:useLocalDpi xmlns:a14="http://schemas.microsoft.com/office/drawing/2010/main" val="0"/>
-              </a:ext>
-            </a:extLst>
-          </a:blip>
-          <a:stretch>
-            <a:fillRect/>
-          </a:stretch>
-        </p:blipFill>
-        <p:spPr>
-          <a:xfrm>
-            <a:off x="467740" y="523875"/>
-            <a:ext cx="5202371" cy="5868296"/>
-          </a:xfrm>
-          <a:prstGeom prst="rect">
-            <a:avLst/>
-          </a:prstGeom>
-        </p:spPr>
-      </p:pic>
-      <p:pic>
-        <p:nvPicPr>
-          <p:cNvPr id="14" name="그림 13"/>
-          <p:cNvPicPr>
-            <a:picLocks noChangeAspect="1"/>
-          </p:cNvPicPr>
-          <p:nvPr/>
-        </p:nvPicPr>
-        <p:blipFill>
-          <a:blip r:embed="rId11">
-            <a:extLst>
-              <a:ext uri="{28A0092B-C50C-407E-A947-70E740481C1C}">
-                <a14:useLocalDpi xmlns:a14="http://schemas.microsoft.com/office/drawing/2010/main" val="0"/>
-              </a:ext>
-            </a:extLst>
-          </a:blip>
-          <a:stretch>
-            <a:fillRect/>
-          </a:stretch>
-        </p:blipFill>
-        <p:spPr>
-          <a:xfrm>
-            <a:off x="6753724" y="923925"/>
-            <a:ext cx="5106031" cy="5051244"/>
-          </a:xfrm>
-          <a:prstGeom prst="rect">
-            <a:avLst/>
-          </a:prstGeom>
-        </p:spPr>
-      </p:pic>
-      <p:sp>
-        <p:nvSpPr>
-          <p:cNvPr id="17" name="오른쪽 화살표 16"/>
-          <p:cNvSpPr/>
-          <p:nvPr/>
-        </p:nvSpPr>
-        <p:spPr>
-          <a:xfrm>
-            <a:off x="6310811" y="2851023"/>
-            <a:ext cx="885825" cy="651128"/>
-          </a:xfrm>
-          <a:prstGeom prst="rightArrow">
-            <a:avLst/>
-          </a:prstGeom>
-          <a:solidFill>
-            <a:srgbClr val="DC6148"/>
-          </a:solidFill>
-          <a:ln>
-            <a:solidFill>
-              <a:srgbClr val="DC6148"/>
-            </a:solidFill>
-          </a:ln>
-        </p:spPr>
-        <p:style>
-          <a:lnRef idx="2">
-            <a:schemeClr val="accent1">
-              <a:shade val="50000"/>
-            </a:schemeClr>
-          </a:lnRef>
-          <a:fillRef idx="1">
-            <a:schemeClr val="accent1"/>
-          </a:fillRef>
-          <a:effectRef idx="0">
-            <a:schemeClr val="accent1"/>
-          </a:effectRef>
-          <a:fontRef idx="minor">
-            <a:schemeClr val="lt1"/>
-          </a:fontRef>
-        </p:style>
-        <p:txBody>
-          <a:bodyPr rtlCol="0" anchor="ctr"/>
-          <a:lstStyle/>
-          <a:p>
-            <a:pPr algn="ctr"/>
-            <a:endParaRPr lang="ko-KR" altLang="en-US"/>
-          </a:p>
-        </p:txBody>
-      </p:sp>
-      <p:pic>
-        <p:nvPicPr>
-          <p:cNvPr id="27650" name="Picture 2"/>
-          <p:cNvPicPr>
-            <a:picLocks noChangeAspect="1" noChangeArrowheads="1"/>
-          </p:cNvPicPr>
-          <p:nvPr/>
-        </p:nvPicPr>
-        <p:blipFill>
-          <a:blip r:embed="rId12">
-            <a:extLst>
-              <a:ext uri="{28A0092B-C50C-407E-A947-70E740481C1C}">
-                <a14:useLocalDpi xmlns:a14="http://schemas.microsoft.com/office/drawing/2010/main" val="0"/>
-              </a:ext>
-            </a:extLst>
-          </a:blip>
-          <a:srcRect/>
-          <a:stretch>
-            <a:fillRect/>
-          </a:stretch>
-        </p:blipFill>
-        <p:spPr bwMode="auto">
-          <a:xfrm>
-            <a:off x="31431" y="6019481"/>
-            <a:ext cx="11553825" cy="800100"/>
-          </a:xfrm>
-          <a:prstGeom prst="rect">
-            <a:avLst/>
-          </a:prstGeom>
-          <a:noFill/>
-          <a:ln>
-            <a:noFill/>
-          </a:ln>
-          <a:extLst>
-            <a:ext uri="{909E8E84-426E-40DD-AFC4-6F175D3DCCD1}">
-              <a14:hiddenFill xmlns:a14="http://schemas.microsoft.com/office/drawing/2010/main">
-                <a:solidFill>
-                  <a:schemeClr val="accent1"/>
-                </a:solidFill>
-              </a14:hiddenFill>
-            </a:ext>
-            <a:ext uri="{91240B29-F687-4F45-9708-019B960494DF}">
-              <a14:hiddenLine xmlns:a14="http://schemas.microsoft.com/office/drawing/2010/main" w="9525">
-                <a:solidFill>
-                  <a:schemeClr val="tx1"/>
-                </a:solidFill>
-                <a:miter lim="800000"/>
-                <a:headEnd/>
-                <a:tailEnd/>
-              </a14:hiddenLine>
-            </a:ext>
-          </a:extLst>
-        </p:spPr>
-      </p:pic>
-      <p:pic>
-        <p:nvPicPr>
-          <p:cNvPr id="24" name="그림 23">
-            <a:extLst>
-              <a:ext uri="{FF2B5EF4-FFF2-40B4-BE49-F238E27FC236}">
-                <a16:creationId xmlns:a16="http://schemas.microsoft.com/office/drawing/2014/main" xmlns="" id="{74EF0D44-A049-43DC-8BDC-5D89D42BDBAA}"/>
-              </a:ext>
-            </a:extLst>
-          </p:cNvPr>
-          <p:cNvPicPr>
-            <a:picLocks noChangeAspect="1"/>
-          </p:cNvPicPr>
-          <p:nvPr/>
-        </p:nvPicPr>
-        <p:blipFill>
-          <a:blip r:embed="rId13" cstate="print">
-            <a:extLst>
-              <a:ext uri="{28A0092B-C50C-407E-A947-70E740481C1C}">
-                <a14:useLocalDpi xmlns:a14="http://schemas.microsoft.com/office/drawing/2010/main" val="0"/>
-              </a:ext>
-            </a:extLst>
-          </a:blip>
-          <a:stretch>
-            <a:fillRect/>
-          </a:stretch>
-        </p:blipFill>
-        <p:spPr>
-          <a:xfrm>
-            <a:off x="7991475" y="1408069"/>
-            <a:ext cx="2558276" cy="4002131"/>
-          </a:xfrm>
-          <a:prstGeom prst="rect">
-            <a:avLst/>
-          </a:prstGeom>
-        </p:spPr>
-      </p:pic>
-      <p:sp>
-        <p:nvSpPr>
-          <p:cNvPr id="27" name="직사각형 26"/>
-          <p:cNvSpPr/>
-          <p:nvPr/>
-        </p:nvSpPr>
-        <p:spPr>
-          <a:xfrm>
-            <a:off x="7820025" y="2008959"/>
-            <a:ext cx="2962275" cy="700087"/>
-          </a:xfrm>
-          <a:prstGeom prst="rect">
-            <a:avLst/>
-          </a:prstGeom>
-          <a:noFill/>
-          <a:ln w="76200">
-            <a:solidFill>
-              <a:srgbClr val="DC6148"/>
-            </a:solidFill>
-          </a:ln>
-        </p:spPr>
-        <p:style>
-          <a:lnRef idx="2">
-            <a:schemeClr val="accent1">
-              <a:shade val="50000"/>
-            </a:schemeClr>
-          </a:lnRef>
-          <a:fillRef idx="1">
-            <a:schemeClr val="accent1"/>
-          </a:fillRef>
-          <a:effectRef idx="0">
-            <a:schemeClr val="accent1"/>
-          </a:effectRef>
-          <a:fontRef idx="minor">
-            <a:schemeClr val="lt1"/>
-          </a:fontRef>
-        </p:style>
-        <p:txBody>
-          <a:bodyPr rtlCol="0" anchor="ctr"/>
-          <a:lstStyle/>
-          <a:p>
-            <a:pPr algn="ctr"/>
-            <a:endParaRPr lang="ko-KR" altLang="en-US"/>
-          </a:p>
-        </p:txBody>
-      </p:sp>
-      <p:pic>
-        <p:nvPicPr>
-          <p:cNvPr id="25" name="그림 24">
-            <a:extLst>
-              <a:ext uri="{FF2B5EF4-FFF2-40B4-BE49-F238E27FC236}">
-                <a16:creationId xmlns:a16="http://schemas.microsoft.com/office/drawing/2014/main" xmlns="" id="{9E9133E9-8CF9-4ABE-8695-472FDCD6A640}"/>
-              </a:ext>
-            </a:extLst>
-          </p:cNvPr>
-          <p:cNvPicPr>
-            <a:picLocks noChangeAspect="1"/>
-          </p:cNvPicPr>
-          <p:nvPr/>
-        </p:nvPicPr>
-        <p:blipFill>
-          <a:blip r:embed="rId14">
-            <a:extLst>
-              <a:ext uri="{28A0092B-C50C-407E-A947-70E740481C1C}">
-                <a14:useLocalDpi xmlns:a14="http://schemas.microsoft.com/office/drawing/2010/main" val="0"/>
-              </a:ext>
-            </a:extLst>
-          </a:blip>
-          <a:stretch>
-            <a:fillRect/>
-          </a:stretch>
-        </p:blipFill>
-        <p:spPr>
-          <a:xfrm>
-            <a:off x="757402" y="1257300"/>
-            <a:ext cx="4619297" cy="3838575"/>
-          </a:xfrm>
-          <a:prstGeom prst="rect">
-            <a:avLst/>
-          </a:prstGeom>
-        </p:spPr>
-      </p:pic>
-      <p:sp>
-        <p:nvSpPr>
-          <p:cNvPr id="32" name="직사각형 31"/>
-          <p:cNvSpPr/>
-          <p:nvPr/>
-        </p:nvSpPr>
-        <p:spPr>
-          <a:xfrm>
-            <a:off x="542925" y="4410075"/>
-            <a:ext cx="2526000" cy="685800"/>
-          </a:xfrm>
-          <a:prstGeom prst="rect">
-            <a:avLst/>
-          </a:prstGeom>
-          <a:noFill/>
-          <a:ln w="76200">
-            <a:solidFill>
-              <a:srgbClr val="DC6148"/>
-            </a:solidFill>
-          </a:ln>
-        </p:spPr>
-        <p:style>
-          <a:lnRef idx="2">
-            <a:schemeClr val="accent1">
-              <a:shade val="50000"/>
-            </a:schemeClr>
-          </a:lnRef>
-          <a:fillRef idx="1">
-            <a:schemeClr val="accent1"/>
-          </a:fillRef>
-          <a:effectRef idx="0">
-            <a:schemeClr val="accent1"/>
-          </a:effectRef>
-          <a:fontRef idx="minor">
-            <a:schemeClr val="lt1"/>
-          </a:fontRef>
-        </p:style>
-        <p:txBody>
-          <a:bodyPr rtlCol="0" anchor="ctr"/>
-          <a:lstStyle/>
-          <a:p>
-            <a:pPr algn="ctr"/>
-            <a:endParaRPr lang="ko-KR" altLang="en-US"/>
-          </a:p>
-        </p:txBody>
-      </p:sp>
-    </p:spTree>
-    <p:extLst>
-      <p:ext uri="{BB962C8B-B14F-4D97-AF65-F5344CB8AC3E}">
-        <p14:creationId xmlns:p14="http://schemas.microsoft.com/office/powerpoint/2010/main" val="3153552310"/>
-      </p:ext>
-    </p:extLst>
-  </p:cSld>
-  <p:clrMapOvr>
-    <a:masterClrMapping/>
-  </p:clrMapOvr>
-  <p:timing>
-    <p:tnLst>
-      <p:par>
-        <p:cTn id="1" dur="indefinite" restart="never" nodeType="tmRoot">
-          <p:childTnLst>
-            <p:seq concurrent="1" nextAc="seek">
-              <p:cTn id="2" dur="indefinite" nodeType="mainSeq">
-                <p:childTnLst>
-                  <p:par>
-                    <p:cTn id="3" fill="hold">
-                      <p:stCondLst>
-                        <p:cond delay="indefinite"/>
-                      </p:stCondLst>
-                      <p:childTnLst>
-                        <p:par>
-                          <p:cTn id="4" fill="hold">
-                            <p:stCondLst>
-                              <p:cond delay="0"/>
-                            </p:stCondLst>
-                            <p:childTnLst>
-                              <p:par>
-                                <p:cTn id="5" presetID="2" presetClass="entr" presetSubtype="4" fill="hold" nodeType="clickEffect">
-                                  <p:stCondLst>
-                                    <p:cond delay="0"/>
-                                  </p:stCondLst>
-                                  <p:childTnLst>
-                                    <p:set>
-                                      <p:cBhvr>
-                                        <p:cTn id="6" dur="1" fill="hold">
-                                          <p:stCondLst>
-                                            <p:cond delay="0"/>
-                                          </p:stCondLst>
-                                        </p:cTn>
-                                        <p:tgtEl>
-                                          <p:spTgt spid="12"/>
-                                        </p:tgtEl>
-                                        <p:attrNameLst>
-                                          <p:attrName>style.visibility</p:attrName>
-                                        </p:attrNameLst>
-                                      </p:cBhvr>
-                                      <p:to>
-                                        <p:strVal val="visible"/>
-                                      </p:to>
-                                    </p:set>
-                                    <p:anim calcmode="lin" valueType="num">
-                                      <p:cBhvr additive="base">
-                                        <p:cTn id="7" dur="500" fill="hold"/>
-                                        <p:tgtEl>
-                                          <p:spTgt spid="12"/>
-                                        </p:tgtEl>
-                                        <p:attrNameLst>
-                                          <p:attrName>ppt_x</p:attrName>
-                                        </p:attrNameLst>
-                                      </p:cBhvr>
-                                      <p:tavLst>
-                                        <p:tav tm="0">
-                                          <p:val>
-                                            <p:strVal val="#ppt_x"/>
-                                          </p:val>
-                                        </p:tav>
-                                        <p:tav tm="100000">
-                                          <p:val>
-                                            <p:strVal val="#ppt_x"/>
-                                          </p:val>
-                                        </p:tav>
-                                      </p:tavLst>
-                                    </p:anim>
-                                    <p:anim calcmode="lin" valueType="num">
-                                      <p:cBhvr additive="base">
-                                        <p:cTn id="8" dur="500" fill="hold"/>
-                                        <p:tgtEl>
-                                          <p:spTgt spid="12"/>
-                                        </p:tgtEl>
-                                        <p:attrNameLst>
-                                          <p:attrName>ppt_y</p:attrName>
-                                        </p:attrNameLst>
-                                      </p:cBhvr>
-                                      <p:tavLst>
-                                        <p:tav tm="0">
-                                          <p:val>
-                                            <p:strVal val="1+#ppt_h/2"/>
-                                          </p:val>
-                                        </p:tav>
-                                        <p:tav tm="100000">
-                                          <p:val>
-                                            <p:strVal val="#ppt_y"/>
-                                          </p:val>
-                                        </p:tav>
-                                      </p:tavLst>
-                                    </p:anim>
-                                  </p:childTnLst>
-                                </p:cTn>
-                              </p:par>
-                              <p:par>
-                                <p:cTn id="9" presetID="2" presetClass="entr" presetSubtype="4" fill="hold" nodeType="withEffect">
-                                  <p:stCondLst>
-                                    <p:cond delay="0"/>
-                                  </p:stCondLst>
-                                  <p:childTnLst>
-                                    <p:set>
-                                      <p:cBhvr>
-                                        <p:cTn id="10" dur="1" fill="hold">
-                                          <p:stCondLst>
-                                            <p:cond delay="0"/>
-                                          </p:stCondLst>
-                                        </p:cTn>
-                                        <p:tgtEl>
-                                          <p:spTgt spid="25"/>
-                                        </p:tgtEl>
-                                        <p:attrNameLst>
-                                          <p:attrName>style.visibility</p:attrName>
-                                        </p:attrNameLst>
-                                      </p:cBhvr>
-                                      <p:to>
-                                        <p:strVal val="visible"/>
-                                      </p:to>
-                                    </p:set>
-                                    <p:anim calcmode="lin" valueType="num">
-                                      <p:cBhvr additive="base">
-                                        <p:cTn id="11" dur="500" fill="hold"/>
-                                        <p:tgtEl>
-                                          <p:spTgt spid="25"/>
-                                        </p:tgtEl>
-                                        <p:attrNameLst>
-                                          <p:attrName>ppt_x</p:attrName>
-                                        </p:attrNameLst>
-                                      </p:cBhvr>
-                                      <p:tavLst>
-                                        <p:tav tm="0">
-                                          <p:val>
-                                            <p:strVal val="#ppt_x"/>
-                                          </p:val>
-                                        </p:tav>
-                                        <p:tav tm="100000">
-                                          <p:val>
-                                            <p:strVal val="#ppt_x"/>
-                                          </p:val>
-                                        </p:tav>
-                                      </p:tavLst>
-                                    </p:anim>
-                                    <p:anim calcmode="lin" valueType="num">
-                                      <p:cBhvr additive="base">
-                                        <p:cTn id="12" dur="500" fill="hold"/>
-                                        <p:tgtEl>
-                                          <p:spTgt spid="25"/>
-                                        </p:tgtEl>
-                                        <p:attrNameLst>
-                                          <p:attrName>ppt_y</p:attrName>
-                                        </p:attrNameLst>
-                                      </p:cBhvr>
-                                      <p:tavLst>
-                                        <p:tav tm="0">
-                                          <p:val>
-                                            <p:strVal val="1+#ppt_h/2"/>
-                                          </p:val>
-                                        </p:tav>
-                                        <p:tav tm="100000">
-                                          <p:val>
-                                            <p:strVal val="#ppt_y"/>
-                                          </p:val>
-                                        </p:tav>
-                                      </p:tavLst>
-                                    </p:anim>
-                                  </p:childTnLst>
-                                </p:cTn>
-                              </p:par>
-                            </p:childTnLst>
-                          </p:cTn>
-                        </p:par>
-                      </p:childTnLst>
-                    </p:cTn>
-                  </p:par>
-                  <p:par>
-                    <p:cTn id="13" fill="hold">
-                      <p:stCondLst>
-                        <p:cond delay="indefinite"/>
-                      </p:stCondLst>
-                      <p:childTnLst>
-                        <p:par>
-                          <p:cTn id="14" fill="hold">
-                            <p:stCondLst>
-                              <p:cond delay="0"/>
-                            </p:stCondLst>
-                            <p:childTnLst>
-                              <p:par>
-                                <p:cTn id="15" presetID="16" presetClass="entr" presetSubtype="21" fill="hold" grpId="0" nodeType="clickEffect">
-                                  <p:stCondLst>
-                                    <p:cond delay="0"/>
-                                  </p:stCondLst>
-                                  <p:childTnLst>
-                                    <p:set>
-                                      <p:cBhvr>
-                                        <p:cTn id="16" dur="1" fill="hold">
-                                          <p:stCondLst>
-                                            <p:cond delay="0"/>
-                                          </p:stCondLst>
-                                        </p:cTn>
-                                        <p:tgtEl>
-                                          <p:spTgt spid="32"/>
-                                        </p:tgtEl>
-                                        <p:attrNameLst>
-                                          <p:attrName>style.visibility</p:attrName>
-                                        </p:attrNameLst>
-                                      </p:cBhvr>
-                                      <p:to>
-                                        <p:strVal val="visible"/>
-                                      </p:to>
-                                    </p:set>
-                                    <p:animEffect transition="in" filter="barn(inVertical)">
-                                      <p:cBhvr>
-                                        <p:cTn id="17" dur="500"/>
-                                        <p:tgtEl>
-                                          <p:spTgt spid="32"/>
-                                        </p:tgtEl>
-                                      </p:cBhvr>
-                                    </p:animEffect>
-                                  </p:childTnLst>
-                                </p:cTn>
-                              </p:par>
-                            </p:childTnLst>
-                          </p:cTn>
-                        </p:par>
-                      </p:childTnLst>
-                    </p:cTn>
-                  </p:par>
-                  <p:par>
-                    <p:cTn id="18" fill="hold">
-                      <p:stCondLst>
-                        <p:cond delay="indefinite"/>
-                      </p:stCondLst>
-                      <p:childTnLst>
-                        <p:par>
-                          <p:cTn id="19" fill="hold">
-                            <p:stCondLst>
-                              <p:cond delay="0"/>
-                            </p:stCondLst>
-                            <p:childTnLst>
-                              <p:par>
-                                <p:cTn id="20" presetID="2" presetClass="entr" presetSubtype="4" fill="hold" grpId="0" nodeType="clickEffect">
-                                  <p:stCondLst>
-                                    <p:cond delay="0"/>
-                                  </p:stCondLst>
-                                  <p:childTnLst>
-                                    <p:set>
-                                      <p:cBhvr>
-                                        <p:cTn id="21" dur="1" fill="hold">
-                                          <p:stCondLst>
-                                            <p:cond delay="0"/>
-                                          </p:stCondLst>
-                                        </p:cTn>
-                                        <p:tgtEl>
-                                          <p:spTgt spid="17"/>
-                                        </p:tgtEl>
-                                        <p:attrNameLst>
-                                          <p:attrName>style.visibility</p:attrName>
-                                        </p:attrNameLst>
-                                      </p:cBhvr>
-                                      <p:to>
-                                        <p:strVal val="visible"/>
-                                      </p:to>
-                                    </p:set>
-                                    <p:anim calcmode="lin" valueType="num">
-                                      <p:cBhvr additive="base">
-                                        <p:cTn id="22" dur="500" fill="hold"/>
-                                        <p:tgtEl>
-                                          <p:spTgt spid="17"/>
-                                        </p:tgtEl>
-                                        <p:attrNameLst>
-                                          <p:attrName>ppt_x</p:attrName>
-                                        </p:attrNameLst>
-                                      </p:cBhvr>
-                                      <p:tavLst>
-                                        <p:tav tm="0">
-                                          <p:val>
-                                            <p:strVal val="#ppt_x"/>
-                                          </p:val>
-                                        </p:tav>
-                                        <p:tav tm="100000">
-                                          <p:val>
-                                            <p:strVal val="#ppt_x"/>
-                                          </p:val>
-                                        </p:tav>
-                                      </p:tavLst>
-                                    </p:anim>
-                                    <p:anim calcmode="lin" valueType="num">
-                                      <p:cBhvr additive="base">
-                                        <p:cTn id="23" dur="500" fill="hold"/>
-                                        <p:tgtEl>
-                                          <p:spTgt spid="17"/>
-                                        </p:tgtEl>
-                                        <p:attrNameLst>
-                                          <p:attrName>ppt_y</p:attrName>
-                                        </p:attrNameLst>
-                                      </p:cBhvr>
-                                      <p:tavLst>
-                                        <p:tav tm="0">
-                                          <p:val>
-                                            <p:strVal val="1+#ppt_h/2"/>
-                                          </p:val>
-                                        </p:tav>
-                                        <p:tav tm="100000">
-                                          <p:val>
-                                            <p:strVal val="#ppt_y"/>
-                                          </p:val>
-                                        </p:tav>
-                                      </p:tavLst>
-                                    </p:anim>
-                                  </p:childTnLst>
-                                </p:cTn>
-                              </p:par>
-                            </p:childTnLst>
-                          </p:cTn>
-                        </p:par>
-                      </p:childTnLst>
-                    </p:cTn>
-                  </p:par>
-                  <p:par>
-                    <p:cTn id="24" fill="hold">
-                      <p:stCondLst>
-                        <p:cond delay="indefinite"/>
-                      </p:stCondLst>
-                      <p:childTnLst>
-                        <p:par>
-                          <p:cTn id="25" fill="hold">
-                            <p:stCondLst>
-                              <p:cond delay="0"/>
-                            </p:stCondLst>
-                            <p:childTnLst>
-                              <p:par>
-                                <p:cTn id="26" presetID="42" presetClass="entr" presetSubtype="0" fill="hold" nodeType="clickEffect">
-                                  <p:stCondLst>
-                                    <p:cond delay="0"/>
-                                  </p:stCondLst>
-                                  <p:childTnLst>
-                                    <p:set>
-                                      <p:cBhvr>
-                                        <p:cTn id="27" dur="1" fill="hold">
-                                          <p:stCondLst>
-                                            <p:cond delay="0"/>
-                                          </p:stCondLst>
-                                        </p:cTn>
-                                        <p:tgtEl>
-                                          <p:spTgt spid="14"/>
-                                        </p:tgtEl>
-                                        <p:attrNameLst>
-                                          <p:attrName>style.visibility</p:attrName>
-                                        </p:attrNameLst>
-                                      </p:cBhvr>
-                                      <p:to>
-                                        <p:strVal val="visible"/>
-                                      </p:to>
-                                    </p:set>
-                                    <p:animEffect transition="in" filter="fade">
-                                      <p:cBhvr>
-                                        <p:cTn id="28" dur="1000"/>
-                                        <p:tgtEl>
-                                          <p:spTgt spid="14"/>
-                                        </p:tgtEl>
-                                      </p:cBhvr>
-                                    </p:animEffect>
-                                    <p:anim calcmode="lin" valueType="num">
-                                      <p:cBhvr>
-                                        <p:cTn id="29" dur="1000" fill="hold"/>
-                                        <p:tgtEl>
-                                          <p:spTgt spid="14"/>
-                                        </p:tgtEl>
-                                        <p:attrNameLst>
-                                          <p:attrName>ppt_x</p:attrName>
-                                        </p:attrNameLst>
-                                      </p:cBhvr>
-                                      <p:tavLst>
-                                        <p:tav tm="0">
-                                          <p:val>
-                                            <p:strVal val="#ppt_x"/>
-                                          </p:val>
-                                        </p:tav>
-                                        <p:tav tm="100000">
-                                          <p:val>
-                                            <p:strVal val="#ppt_x"/>
-                                          </p:val>
-                                        </p:tav>
-                                      </p:tavLst>
-                                    </p:anim>
-                                    <p:anim calcmode="lin" valueType="num">
-                                      <p:cBhvr>
-                                        <p:cTn id="30" dur="1000" fill="hold"/>
-                                        <p:tgtEl>
-                                          <p:spTgt spid="14"/>
-                                        </p:tgtEl>
-                                        <p:attrNameLst>
-                                          <p:attrName>ppt_y</p:attrName>
-                                        </p:attrNameLst>
-                                      </p:cBhvr>
-                                      <p:tavLst>
-                                        <p:tav tm="0">
-                                          <p:val>
-                                            <p:strVal val="#ppt_y+.1"/>
-                                          </p:val>
-                                        </p:tav>
-                                        <p:tav tm="100000">
-                                          <p:val>
-                                            <p:strVal val="#ppt_y"/>
-                                          </p:val>
-                                        </p:tav>
-                                      </p:tavLst>
-                                    </p:anim>
-                                  </p:childTnLst>
-                                </p:cTn>
-                              </p:par>
-                              <p:par>
-                                <p:cTn id="31" presetID="42" presetClass="entr" presetSubtype="0" fill="hold" nodeType="withEffect">
-                                  <p:stCondLst>
-                                    <p:cond delay="0"/>
-                                  </p:stCondLst>
-                                  <p:childTnLst>
-                                    <p:set>
-                                      <p:cBhvr>
-                                        <p:cTn id="32" dur="1" fill="hold">
-                                          <p:stCondLst>
-                                            <p:cond delay="0"/>
-                                          </p:stCondLst>
-                                        </p:cTn>
-                                        <p:tgtEl>
-                                          <p:spTgt spid="24"/>
-                                        </p:tgtEl>
-                                        <p:attrNameLst>
-                                          <p:attrName>style.visibility</p:attrName>
-                                        </p:attrNameLst>
-                                      </p:cBhvr>
-                                      <p:to>
-                                        <p:strVal val="visible"/>
-                                      </p:to>
-                                    </p:set>
-                                    <p:animEffect transition="in" filter="fade">
-                                      <p:cBhvr>
-                                        <p:cTn id="33" dur="1000"/>
-                                        <p:tgtEl>
-                                          <p:spTgt spid="24"/>
-                                        </p:tgtEl>
-                                      </p:cBhvr>
-                                    </p:animEffect>
-                                    <p:anim calcmode="lin" valueType="num">
-                                      <p:cBhvr>
-                                        <p:cTn id="34" dur="1000" fill="hold"/>
-                                        <p:tgtEl>
-                                          <p:spTgt spid="24"/>
-                                        </p:tgtEl>
-                                        <p:attrNameLst>
-                                          <p:attrName>ppt_x</p:attrName>
-                                        </p:attrNameLst>
-                                      </p:cBhvr>
-                                      <p:tavLst>
-                                        <p:tav tm="0">
-                                          <p:val>
-                                            <p:strVal val="#ppt_x"/>
-                                          </p:val>
-                                        </p:tav>
-                                        <p:tav tm="100000">
-                                          <p:val>
-                                            <p:strVal val="#ppt_x"/>
-                                          </p:val>
-                                        </p:tav>
-                                      </p:tavLst>
-                                    </p:anim>
-                                    <p:anim calcmode="lin" valueType="num">
-                                      <p:cBhvr>
-                                        <p:cTn id="35" dur="1000" fill="hold"/>
-                                        <p:tgtEl>
-                                          <p:spTgt spid="24"/>
-                                        </p:tgtEl>
-                                        <p:attrNameLst>
-                                          <p:attrName>ppt_y</p:attrName>
-                                        </p:attrNameLst>
-                                      </p:cBhvr>
-                                      <p:tavLst>
-                                        <p:tav tm="0">
-                                          <p:val>
-                                            <p:strVal val="#ppt_y+.1"/>
-                                          </p:val>
-                                        </p:tav>
-                                        <p:tav tm="100000">
-                                          <p:val>
-                                            <p:strVal val="#ppt_y"/>
-                                          </p:val>
-                                        </p:tav>
-                                      </p:tavLst>
-                                    </p:anim>
-                                  </p:childTnLst>
-                                </p:cTn>
-                              </p:par>
-                            </p:childTnLst>
-                          </p:cTn>
-                        </p:par>
-                      </p:childTnLst>
-                    </p:cTn>
-                  </p:par>
-                  <p:par>
-                    <p:cTn id="36" fill="hold">
-                      <p:stCondLst>
-                        <p:cond delay="indefinite"/>
-                      </p:stCondLst>
-                      <p:childTnLst>
-                        <p:par>
-                          <p:cTn id="37" fill="hold">
-                            <p:stCondLst>
-                              <p:cond delay="0"/>
-                            </p:stCondLst>
-                            <p:childTnLst>
-                              <p:par>
-                                <p:cTn id="38" presetID="16" presetClass="entr" presetSubtype="21" fill="hold" grpId="0" nodeType="clickEffect">
-                                  <p:stCondLst>
-                                    <p:cond delay="0"/>
-                                  </p:stCondLst>
-                                  <p:childTnLst>
-                                    <p:set>
-                                      <p:cBhvr>
-                                        <p:cTn id="39" dur="1" fill="hold">
-                                          <p:stCondLst>
-                                            <p:cond delay="0"/>
-                                          </p:stCondLst>
-                                        </p:cTn>
-                                        <p:tgtEl>
-                                          <p:spTgt spid="27"/>
-                                        </p:tgtEl>
-                                        <p:attrNameLst>
-                                          <p:attrName>style.visibility</p:attrName>
-                                        </p:attrNameLst>
-                                      </p:cBhvr>
-                                      <p:to>
-                                        <p:strVal val="visible"/>
-                                      </p:to>
-                                    </p:set>
-                                    <p:animEffect transition="in" filter="barn(inVertical)">
-                                      <p:cBhvr>
-                                        <p:cTn id="40" dur="500"/>
-                                        <p:tgtEl>
-                                          <p:spTgt spid="27"/>
-                                        </p:tgtEl>
-                                      </p:cBhvr>
-                                    </p:animEffect>
-                                  </p:childTnLst>
-                                </p:cTn>
-                              </p:par>
-                            </p:childTnLst>
-                          </p:cTn>
-                        </p:par>
-                      </p:childTnLst>
-                    </p:cTn>
-                  </p:par>
-                </p:childTnLst>
-              </p:cTn>
-              <p:prevCondLst>
-                <p:cond evt="onPrev" delay="0">
-                  <p:tgtEl>
-                    <p:sldTgt/>
-                  </p:tgtEl>
-                </p:cond>
-              </p:prevCondLst>
-              <p:nextCondLst>
-                <p:cond evt="onNext" delay="0">
-                  <p:tgtEl>
-                    <p:sldTgt/>
-                  </p:tgtEl>
-                </p:cond>
-              </p:nextCondLst>
-            </p:seq>
-          </p:childTnLst>
-        </p:cTn>
-      </p:par>
-    </p:tnLst>
-    <p:bldLst>
-      <p:bldP spid="17" grpId="0" animBg="1"/>
-      <p:bldP spid="27" grpId="0" animBg="1"/>
-      <p:bldP spid="32" grpId="0" animBg="1"/>
-    </p:bldLst>
-  </p:timing>
-</p:sld>
-</file>
-
-<file path=ppt/slides/slide9.xml><?xml version="1.0" encoding="utf-8"?>
-<p:sld xmlns:a="http://schemas.openxmlformats.org/drawingml/2006/main" xmlns:r="http://schemas.openxmlformats.org/officeDocument/2006/relationships" xmlns:p="http://schemas.openxmlformats.org/presentationml/2006/main">
-  <p:cSld>
-    <p:bg>
-      <p:bgPr>
-        <a:solidFill>
-          <a:srgbClr val="446897"/>
-        </a:solidFill>
-        <a:effectLst/>
-      </p:bgPr>
-    </p:bg>
-    <p:spTree>
-      <p:nvGrpSpPr>
-        <p:cNvPr id="1" name=""/>
-        <p:cNvGrpSpPr/>
-        <p:nvPr/>
-      </p:nvGrpSpPr>
-      <p:grpSpPr>
-        <a:xfrm>
-          <a:off x="0" y="0"/>
-          <a:ext cx="0" cy="0"/>
-          <a:chOff x="0" y="0"/>
-          <a:chExt cx="0" cy="0"/>
-        </a:xfrm>
-      </p:grpSpPr>
-      <p:sp>
-        <p:nvSpPr>
-          <p:cNvPr id="4" name="직사각형 3">
-            <a:extLst>
-              <a:ext uri="{FF2B5EF4-FFF2-40B4-BE49-F238E27FC236}">
-                <a16:creationId xmlns:a16="http://schemas.microsoft.com/office/drawing/2014/main" xmlns="" id="{79290544-BADD-4BB5-AB18-D4C4569ACBF1}"/>
-              </a:ext>
-            </a:extLst>
-          </p:cNvPr>
-          <p:cNvSpPr/>
-          <p:nvPr/>
-        </p:nvSpPr>
-        <p:spPr>
-          <a:xfrm>
-            <a:off x="0" y="865686"/>
-            <a:ext cx="12192000" cy="5138058"/>
-          </a:xfrm>
-          <a:prstGeom prst="rect">
-            <a:avLst/>
-          </a:prstGeom>
-          <a:solidFill>
-            <a:schemeClr val="bg1"/>
-          </a:solidFill>
-        </p:spPr>
-        <p:style>
-          <a:lnRef idx="2">
-            <a:schemeClr val="accent1">
-              <a:shade val="50000"/>
-            </a:schemeClr>
-          </a:lnRef>
-          <a:fillRef idx="1">
-            <a:schemeClr val="accent1"/>
-          </a:fillRef>
-          <a:effectRef idx="0">
-            <a:schemeClr val="accent1"/>
-          </a:effectRef>
-          <a:fontRef idx="minor">
-            <a:schemeClr val="lt1"/>
-          </a:fontRef>
-        </p:style>
-        <p:txBody>
-          <a:bodyPr rtlCol="0" anchor="ctr"/>
-          <a:lstStyle/>
-          <a:p>
-            <a:pPr algn="ctr"/>
-            <a:endParaRPr lang="ko-KR" altLang="en-US">
-              <a:solidFill>
-                <a:schemeClr val="bg1"/>
-              </a:solidFill>
-            </a:endParaRPr>
-          </a:p>
-        </p:txBody>
-      </p:sp>
-      <p:pic>
-        <p:nvPicPr>
-          <p:cNvPr id="5" name="그림 4">
-            <a:extLst>
-              <a:ext uri="{FF2B5EF4-FFF2-40B4-BE49-F238E27FC236}">
-                <a16:creationId xmlns:a16="http://schemas.microsoft.com/office/drawing/2014/main" xmlns="" id="{9804FF94-E009-4DEE-8800-64F35DD3C5F8}"/>
-              </a:ext>
-            </a:extLst>
-          </p:cNvPr>
-          <p:cNvPicPr>
-            <a:picLocks noChangeAspect="1"/>
-          </p:cNvPicPr>
-          <p:nvPr/>
-        </p:nvPicPr>
-        <p:blipFill>
-          <a:blip r:embed="rId3">
-            <a:biLevel thresh="25000"/>
-            <a:extLst>
-              <a:ext uri="{28A0092B-C50C-407E-A947-70E740481C1C}">
-                <a14:useLocalDpi xmlns:a14="http://schemas.microsoft.com/office/drawing/2010/main" val="0"/>
-              </a:ext>
-            </a:extLst>
-          </a:blip>
-          <a:stretch>
-            <a:fillRect/>
-          </a:stretch>
-        </p:blipFill>
-        <p:spPr>
-          <a:xfrm>
-            <a:off x="176231" y="185583"/>
-            <a:ext cx="291510" cy="472600"/>
-          </a:xfrm>
-          <a:prstGeom prst="rect">
-            <a:avLst/>
-          </a:prstGeom>
-        </p:spPr>
-      </p:pic>
-      <p:graphicFrame>
-        <p:nvGraphicFramePr>
-          <p:cNvPr id="7" name="개체 6">
-            <a:extLst>
-              <a:ext uri="{FF2B5EF4-FFF2-40B4-BE49-F238E27FC236}">
-                <a16:creationId xmlns:a16="http://schemas.microsoft.com/office/drawing/2014/main" xmlns="" id="{70D06034-3B58-4132-B530-7E8EFFDBF094}"/>
-              </a:ext>
-            </a:extLst>
-          </p:cNvPr>
-          <p:cNvGraphicFramePr>
-            <a:graphicFrameLocks noChangeAspect="1"/>
-          </p:cNvGraphicFramePr>
-          <p:nvPr/>
-        </p:nvGraphicFramePr>
-        <p:xfrm>
-          <a:off x="4781550" y="3122613"/>
-          <a:ext cx="2628900" cy="609600"/>
-        </p:xfrm>
-        <a:graphic>
-          <a:graphicData uri="http://schemas.openxmlformats.org/presentationml/2006/ole">
-            <mc:AlternateContent xmlns:mc="http://schemas.openxmlformats.org/markup-compatibility/2006">
-              <mc:Choice xmlns:v="urn:schemas-microsoft-com:vml" Requires="v">
-                <p:oleObj spid="_x0000_s23572" r:id="rId4" imgW="2628360" imgH="609480" progId="">
-                  <p:embed/>
-                </p:oleObj>
-              </mc:Choice>
-              <mc:Fallback>
-                <p:oleObj r:id="rId4" imgW="2628360" imgH="609480" progId="">
-                  <p:embed/>
-                  <p:pic>
-                    <p:nvPicPr>
-                      <p:cNvPr id="0" name=""/>
-                      <p:cNvPicPr/>
-                      <p:nvPr/>
-                    </p:nvPicPr>
-                    <p:blipFill>
-                      <a:blip r:embed="rId5"/>
-                      <a:stretch>
-                        <a:fillRect/>
-                      </a:stretch>
-                    </p:blipFill>
-                    <p:spPr>
-                      <a:xfrm>
-                        <a:off x="4781550" y="3122613"/>
-                        <a:ext cx="2628900" cy="609600"/>
-                      </a:xfrm>
-                      <a:prstGeom prst="rect">
-                        <a:avLst/>
-                      </a:prstGeom>
-                    </p:spPr>
-                  </p:pic>
-                </p:oleObj>
-              </mc:Fallback>
-            </mc:AlternateContent>
-          </a:graphicData>
-        </a:graphic>
-      </p:graphicFrame>
-      <p:grpSp>
-        <p:nvGrpSpPr>
-          <p:cNvPr id="18" name="그룹 17">
-            <a:extLst>
-              <a:ext uri="{FF2B5EF4-FFF2-40B4-BE49-F238E27FC236}">
-                <a16:creationId xmlns:a16="http://schemas.microsoft.com/office/drawing/2014/main" xmlns="" id="{2906A96E-AE70-4CBA-A3D6-7326232CCD38}"/>
-              </a:ext>
-            </a:extLst>
-          </p:cNvPr>
-          <p:cNvGrpSpPr/>
-          <p:nvPr/>
-        </p:nvGrpSpPr>
-        <p:grpSpPr>
-          <a:xfrm>
-            <a:off x="11585256" y="6110895"/>
-            <a:ext cx="387670" cy="699480"/>
-            <a:chOff x="5479730" y="1917703"/>
-            <a:chExt cx="1488861" cy="2686379"/>
-          </a:xfrm>
-        </p:grpSpPr>
-        <p:pic>
-          <p:nvPicPr>
-            <p:cNvPr id="19" name="그림 18">
-              <a:extLst>
-                <a:ext uri="{FF2B5EF4-FFF2-40B4-BE49-F238E27FC236}">
-                  <a16:creationId xmlns:a16="http://schemas.microsoft.com/office/drawing/2014/main" xmlns="" id="{5E6D51A9-BA62-4876-83B4-2EBD80AC33F2}"/>
-                </a:ext>
-              </a:extLst>
-            </p:cNvPr>
-            <p:cNvPicPr>
-              <a:picLocks noChangeAspect="1"/>
-            </p:cNvPicPr>
-            <p:nvPr/>
-          </p:nvPicPr>
-          <p:blipFill>
-            <a:blip r:embed="rId6" cstate="print">
-              <a:biLevel thresh="25000"/>
-              <a:extLst>
-                <a:ext uri="{28A0092B-C50C-407E-A947-70E740481C1C}">
-                  <a14:useLocalDpi xmlns:a14="http://schemas.microsoft.com/office/drawing/2010/main" val="0"/>
-                </a:ext>
-              </a:extLst>
-            </a:blip>
-            <a:stretch>
-              <a:fillRect/>
-            </a:stretch>
-          </p:blipFill>
-          <p:spPr>
-            <a:xfrm>
-              <a:off x="5945295" y="1917703"/>
-              <a:ext cx="588660" cy="954343"/>
-            </a:xfrm>
-            <a:prstGeom prst="rect">
-              <a:avLst/>
-            </a:prstGeom>
-          </p:spPr>
-        </p:pic>
-        <p:grpSp>
-          <p:nvGrpSpPr>
-            <p:cNvPr id="20" name="그룹 19">
-              <a:extLst>
-                <a:ext uri="{FF2B5EF4-FFF2-40B4-BE49-F238E27FC236}">
-                  <a16:creationId xmlns:a16="http://schemas.microsoft.com/office/drawing/2014/main" xmlns="" id="{1476DE7F-FD5A-4025-923C-5A2ACABE130F}"/>
-                </a:ext>
-              </a:extLst>
-            </p:cNvPr>
-            <p:cNvGrpSpPr/>
-            <p:nvPr/>
-          </p:nvGrpSpPr>
-          <p:grpSpPr>
-            <a:xfrm>
-              <a:off x="5479730" y="2931603"/>
-              <a:ext cx="1488861" cy="1672479"/>
-              <a:chOff x="5479730" y="2931603"/>
-              <a:chExt cx="1488861" cy="1672479"/>
-            </a:xfrm>
-          </p:grpSpPr>
-          <p:pic>
-            <p:nvPicPr>
-              <p:cNvPr id="21" name="그림 20">
-                <a:extLst>
-                  <a:ext uri="{FF2B5EF4-FFF2-40B4-BE49-F238E27FC236}">
-                    <a16:creationId xmlns:a16="http://schemas.microsoft.com/office/drawing/2014/main" xmlns="" id="{B5515AC8-55CE-4E7B-BBF2-3258D64521F0}"/>
-                  </a:ext>
-                </a:extLst>
-              </p:cNvPr>
-              <p:cNvPicPr>
-                <a:picLocks noChangeAspect="1"/>
-              </p:cNvPicPr>
-              <p:nvPr/>
-            </p:nvPicPr>
-            <p:blipFill rotWithShape="1">
-              <a:blip r:embed="rId7" cstate="print">
-                <a:extLst>
-                  <a:ext uri="{28A0092B-C50C-407E-A947-70E740481C1C}">
-                    <a14:useLocalDpi xmlns:a14="http://schemas.microsoft.com/office/drawing/2010/main" val="0"/>
-                  </a:ext>
-                </a:extLst>
-              </a:blip>
-              <a:srcRect t="88318"/>
-              <a:stretch/>
-            </p:blipFill>
-            <p:spPr>
-              <a:xfrm>
-                <a:off x="5571177" y="4320359"/>
-                <a:ext cx="1336897" cy="283723"/>
-              </a:xfrm>
-              <a:prstGeom prst="rect">
-                <a:avLst/>
-              </a:prstGeom>
-              <a:solidFill>
-                <a:srgbClr val="446897"/>
-              </a:solidFill>
-            </p:spPr>
-          </p:pic>
-          <p:pic>
-            <p:nvPicPr>
-              <p:cNvPr id="22" name="그림 21">
-                <a:extLst>
-                  <a:ext uri="{FF2B5EF4-FFF2-40B4-BE49-F238E27FC236}">
-                    <a16:creationId xmlns:a16="http://schemas.microsoft.com/office/drawing/2014/main" xmlns="" id="{98CF109D-0B35-4A01-95B2-3C58FC6AF8AC}"/>
-                  </a:ext>
-                </a:extLst>
-              </p:cNvPr>
-              <p:cNvPicPr>
-                <a:picLocks noChangeAspect="1"/>
-              </p:cNvPicPr>
-              <p:nvPr/>
-            </p:nvPicPr>
-            <p:blipFill>
-              <a:blip r:embed="rId8" cstate="print">
-                <a:biLevel thresh="25000"/>
-                <a:extLst>
-                  <a:ext uri="{28A0092B-C50C-407E-A947-70E740481C1C}">
-                    <a14:useLocalDpi xmlns:a14="http://schemas.microsoft.com/office/drawing/2010/main" val="0"/>
-                  </a:ext>
-                </a:extLst>
-              </a:blip>
-              <a:stretch>
-                <a:fillRect/>
-              </a:stretch>
-            </p:blipFill>
-            <p:spPr>
-              <a:xfrm>
-                <a:off x="5479730" y="2931603"/>
-                <a:ext cx="1488861" cy="1269642"/>
-              </a:xfrm>
-              <a:prstGeom prst="rect">
-                <a:avLst/>
-              </a:prstGeom>
-              <a:noFill/>
-            </p:spPr>
-          </p:pic>
-        </p:grpSp>
-      </p:grpSp>
-      <p:pic>
-        <p:nvPicPr>
-          <p:cNvPr id="23559" name="Picture 7" descr="C:\Users\jrk81\Desktop\text_datalist.JPG"/>
-          <p:cNvPicPr>
-            <a:picLocks noChangeAspect="1" noChangeArrowheads="1"/>
-          </p:cNvPicPr>
-          <p:nvPr/>
-        </p:nvPicPr>
-        <p:blipFill>
-          <a:blip r:embed="rId9">
-            <a:extLst>
-              <a:ext uri="{28A0092B-C50C-407E-A947-70E740481C1C}">
-                <a14:useLocalDpi xmlns:a14="http://schemas.microsoft.com/office/drawing/2010/main" val="0"/>
-              </a:ext>
-            </a:extLst>
-          </a:blip>
-          <a:srcRect/>
-          <a:stretch>
-            <a:fillRect/>
-          </a:stretch>
-        </p:blipFill>
-        <p:spPr bwMode="auto">
-          <a:xfrm>
-            <a:off x="467741" y="109052"/>
-            <a:ext cx="2827909" cy="697551"/>
-          </a:xfrm>
-          <a:prstGeom prst="rect">
-            <a:avLst/>
-          </a:prstGeom>
-          <a:noFill/>
-          <a:extLst>
-            <a:ext uri="{909E8E84-426E-40DD-AFC4-6F175D3DCCD1}">
-              <a14:hiddenFill xmlns:a14="http://schemas.microsoft.com/office/drawing/2010/main">
-                <a:solidFill>
-                  <a:srgbClr val="FFFFFF"/>
-                </a:solidFill>
-              </a14:hiddenFill>
-            </a:ext>
-          </a:extLst>
-        </p:spPr>
-      </p:pic>
-      <p:pic>
-        <p:nvPicPr>
-          <p:cNvPr id="23561" name="Picture 9" descr="C:\Users\jrk81\Desktop\list1.JPG"/>
-          <p:cNvPicPr>
-            <a:picLocks noChangeAspect="1" noChangeArrowheads="1"/>
-          </p:cNvPicPr>
-          <p:nvPr/>
-        </p:nvPicPr>
-        <p:blipFill>
-          <a:blip r:embed="rId10">
-            <a:extLst>
-              <a:ext uri="{28A0092B-C50C-407E-A947-70E740481C1C}">
-                <a14:useLocalDpi xmlns:a14="http://schemas.microsoft.com/office/drawing/2010/main" val="0"/>
-              </a:ext>
-            </a:extLst>
-          </a:blip>
-          <a:srcRect/>
-          <a:stretch>
-            <a:fillRect/>
-          </a:stretch>
-        </p:blipFill>
-        <p:spPr bwMode="auto">
-          <a:xfrm>
-            <a:off x="0" y="910606"/>
-            <a:ext cx="12192000" cy="1021570"/>
-          </a:xfrm>
-          <a:prstGeom prst="rect">
-            <a:avLst/>
-          </a:prstGeom>
-          <a:noFill/>
-          <a:extLst>
-            <a:ext uri="{909E8E84-426E-40DD-AFC4-6F175D3DCCD1}">
-              <a14:hiddenFill xmlns:a14="http://schemas.microsoft.com/office/drawing/2010/main">
-                <a:solidFill>
-                  <a:srgbClr val="FFFFFF"/>
-                </a:solidFill>
-              </a14:hiddenFill>
-            </a:ext>
-          </a:extLst>
-        </p:spPr>
-      </p:pic>
-      <p:pic>
-        <p:nvPicPr>
-          <p:cNvPr id="23562" name="Picture 10" descr="C:\Users\jrk81\Desktop\list2.JPG"/>
-          <p:cNvPicPr>
-            <a:picLocks noChangeAspect="1" noChangeArrowheads="1"/>
-          </p:cNvPicPr>
-          <p:nvPr/>
-        </p:nvPicPr>
-        <p:blipFill>
-          <a:blip r:embed="rId11">
-            <a:extLst>
-              <a:ext uri="{28A0092B-C50C-407E-A947-70E740481C1C}">
-                <a14:useLocalDpi xmlns:a14="http://schemas.microsoft.com/office/drawing/2010/main" val="0"/>
-              </a:ext>
-            </a:extLst>
-          </a:blip>
-          <a:srcRect/>
-          <a:stretch>
-            <a:fillRect/>
-          </a:stretch>
-        </p:blipFill>
-        <p:spPr bwMode="auto">
-          <a:xfrm>
-            <a:off x="33337" y="1932176"/>
-            <a:ext cx="12125325" cy="1027086"/>
-          </a:xfrm>
-          <a:prstGeom prst="rect">
-            <a:avLst/>
-          </a:prstGeom>
-          <a:noFill/>
-          <a:extLst>
-            <a:ext uri="{909E8E84-426E-40DD-AFC4-6F175D3DCCD1}">
-              <a14:hiddenFill xmlns:a14="http://schemas.microsoft.com/office/drawing/2010/main">
-                <a:solidFill>
-                  <a:srgbClr val="FFFFFF"/>
-                </a:solidFill>
-              </a14:hiddenFill>
-            </a:ext>
-          </a:extLst>
-        </p:spPr>
-      </p:pic>
-      <p:pic>
-        <p:nvPicPr>
-          <p:cNvPr id="23563" name="Picture 11" descr="C:\Users\jrk81\Desktop\list3.JPG"/>
-          <p:cNvPicPr>
-            <a:picLocks noChangeAspect="1" noChangeArrowheads="1"/>
-          </p:cNvPicPr>
-          <p:nvPr/>
-        </p:nvPicPr>
-        <p:blipFill>
-          <a:blip r:embed="rId12">
-            <a:extLst>
-              <a:ext uri="{28A0092B-C50C-407E-A947-70E740481C1C}">
-                <a14:useLocalDpi xmlns:a14="http://schemas.microsoft.com/office/drawing/2010/main" val="0"/>
-              </a:ext>
-            </a:extLst>
-          </a:blip>
-          <a:srcRect/>
-          <a:stretch>
-            <a:fillRect/>
-          </a:stretch>
-        </p:blipFill>
-        <p:spPr bwMode="auto">
-          <a:xfrm>
-            <a:off x="33336" y="3086100"/>
-            <a:ext cx="12158663" cy="1029102"/>
-          </a:xfrm>
-          <a:prstGeom prst="rect">
-            <a:avLst/>
-          </a:prstGeom>
-          <a:noFill/>
-          <a:extLst>
-            <a:ext uri="{909E8E84-426E-40DD-AFC4-6F175D3DCCD1}">
-              <a14:hiddenFill xmlns:a14="http://schemas.microsoft.com/office/drawing/2010/main">
-                <a:solidFill>
-                  <a:srgbClr val="FFFFFF"/>
-                </a:solidFill>
-              </a14:hiddenFill>
-            </a:ext>
-          </a:extLst>
-        </p:spPr>
-      </p:pic>
-      <p:pic>
-        <p:nvPicPr>
-          <p:cNvPr id="23564" name="Picture 12" descr="C:\Users\jrk81\Desktop\list4.JPG"/>
-          <p:cNvPicPr>
-            <a:picLocks noChangeAspect="1" noChangeArrowheads="1"/>
-          </p:cNvPicPr>
-          <p:nvPr/>
-        </p:nvPicPr>
-        <p:blipFill>
-          <a:blip r:embed="rId13">
-            <a:extLst>
-              <a:ext uri="{28A0092B-C50C-407E-A947-70E740481C1C}">
-                <a14:useLocalDpi xmlns:a14="http://schemas.microsoft.com/office/drawing/2010/main" val="0"/>
-              </a:ext>
-            </a:extLst>
-          </a:blip>
-          <a:srcRect/>
-          <a:stretch>
-            <a:fillRect/>
-          </a:stretch>
-        </p:blipFill>
-        <p:spPr bwMode="auto">
-          <a:xfrm>
-            <a:off x="33336" y="4032249"/>
-            <a:ext cx="12158663" cy="1048160"/>
-          </a:xfrm>
-          <a:prstGeom prst="rect">
-            <a:avLst/>
-          </a:prstGeom>
-          <a:noFill/>
-          <a:extLst>
-            <a:ext uri="{909E8E84-426E-40DD-AFC4-6F175D3DCCD1}">
-              <a14:hiddenFill xmlns:a14="http://schemas.microsoft.com/office/drawing/2010/main">
-                <a:solidFill>
-                  <a:srgbClr val="FFFFFF"/>
-                </a:solidFill>
-              </a14:hiddenFill>
-            </a:ext>
-          </a:extLst>
-        </p:spPr>
-      </p:pic>
-      <p:pic>
-        <p:nvPicPr>
-          <p:cNvPr id="23565" name="Picture 13" descr="C:\Users\jrk81\Desktop\list5.JPG"/>
-          <p:cNvPicPr>
-            <a:picLocks noChangeAspect="1" noChangeArrowheads="1"/>
-          </p:cNvPicPr>
-          <p:nvPr/>
-        </p:nvPicPr>
-        <p:blipFill>
-          <a:blip r:embed="rId14">
-            <a:extLst>
-              <a:ext uri="{28A0092B-C50C-407E-A947-70E740481C1C}">
-                <a14:useLocalDpi xmlns:a14="http://schemas.microsoft.com/office/drawing/2010/main" val="0"/>
-              </a:ext>
-            </a:extLst>
-          </a:blip>
-          <a:srcRect/>
-          <a:stretch>
-            <a:fillRect/>
-          </a:stretch>
-        </p:blipFill>
-        <p:spPr bwMode="auto">
-          <a:xfrm>
-            <a:off x="33336" y="5083283"/>
-            <a:ext cx="12158663" cy="947801"/>
-          </a:xfrm>
-          <a:prstGeom prst="rect">
-            <a:avLst/>
-          </a:prstGeom>
-          <a:noFill/>
-          <a:extLst>
-            <a:ext uri="{909E8E84-426E-40DD-AFC4-6F175D3DCCD1}">
-              <a14:hiddenFill xmlns:a14="http://schemas.microsoft.com/office/drawing/2010/main">
-                <a:solidFill>
-                  <a:srgbClr val="FFFFFF"/>
-                </a:solidFill>
-              </a14:hiddenFill>
-            </a:ext>
-          </a:extLst>
-        </p:spPr>
-      </p:pic>
-    </p:spTree>
-    <p:extLst>
-      <p:ext uri="{BB962C8B-B14F-4D97-AF65-F5344CB8AC3E}">
-        <p14:creationId xmlns:p14="http://schemas.microsoft.com/office/powerpoint/2010/main" val="3128240187"/>
-      </p:ext>
-    </p:extLst>
-  </p:cSld>
-  <p:clrMapOvr>
-    <a:masterClrMapping/>
-  </p:clrMapOvr>
-  <p:timing>
-    <p:tnLst>
-      <p:par>
-        <p:cTn id="1" dur="indefinite" restart="never" nodeType="tmRoot">
-          <p:childTnLst>
-            <p:seq concurrent="1" nextAc="seek">
-              <p:cTn id="2" dur="indefinite" nodeType="mainSeq">
-                <p:childTnLst>
-                  <p:par>
-                    <p:cTn id="3" fill="hold">
-                      <p:stCondLst>
-                        <p:cond delay="indefinite"/>
-                      </p:stCondLst>
-                      <p:childTnLst>
-                        <p:par>
-                          <p:cTn id="4" fill="hold">
-                            <p:stCondLst>
-                              <p:cond delay="0"/>
-                            </p:stCondLst>
-                            <p:childTnLst>
-                              <p:par>
-                                <p:cTn id="5" presetID="22" presetClass="entr" presetSubtype="4" fill="hold" nodeType="clickEffect">
-                                  <p:stCondLst>
-                                    <p:cond delay="0"/>
-                                  </p:stCondLst>
-                                  <p:childTnLst>
-                                    <p:set>
-                                      <p:cBhvr>
-                                        <p:cTn id="6" dur="1" fill="hold">
-                                          <p:stCondLst>
-                                            <p:cond delay="0"/>
-                                          </p:stCondLst>
-                                        </p:cTn>
-                                        <p:tgtEl>
-                                          <p:spTgt spid="23561"/>
-                                        </p:tgtEl>
-                                        <p:attrNameLst>
-                                          <p:attrName>style.visibility</p:attrName>
-                                        </p:attrNameLst>
-                                      </p:cBhvr>
-                                      <p:to>
-                                        <p:strVal val="visible"/>
-                                      </p:to>
-                                    </p:set>
-                                    <p:animEffect transition="in" filter="wipe(down)">
-                                      <p:cBhvr>
-                                        <p:cTn id="7" dur="500"/>
-                                        <p:tgtEl>
-                                          <p:spTgt spid="23561"/>
-                                        </p:tgtEl>
-                                      </p:cBhvr>
-                                    </p:animEffect>
-                                  </p:childTnLst>
-                                </p:cTn>
-                              </p:par>
-                            </p:childTnLst>
-                          </p:cTn>
-                        </p:par>
-                      </p:childTnLst>
-                    </p:cTn>
-                  </p:par>
-                  <p:par>
-                    <p:cTn id="8" fill="hold">
-                      <p:stCondLst>
-                        <p:cond delay="indefinite"/>
-                      </p:stCondLst>
-                      <p:childTnLst>
-                        <p:par>
-                          <p:cTn id="9" fill="hold">
-                            <p:stCondLst>
-                              <p:cond delay="0"/>
-                            </p:stCondLst>
-                            <p:childTnLst>
-                              <p:par>
-                                <p:cTn id="10" presetID="22" presetClass="entr" presetSubtype="4" fill="hold" nodeType="clickEffect">
-                                  <p:stCondLst>
-                                    <p:cond delay="0"/>
-                                  </p:stCondLst>
-                                  <p:childTnLst>
-                                    <p:set>
-                                      <p:cBhvr>
-                                        <p:cTn id="11" dur="1" fill="hold">
-                                          <p:stCondLst>
-                                            <p:cond delay="0"/>
-                                          </p:stCondLst>
-                                        </p:cTn>
-                                        <p:tgtEl>
-                                          <p:spTgt spid="23562"/>
-                                        </p:tgtEl>
-                                        <p:attrNameLst>
-                                          <p:attrName>style.visibility</p:attrName>
-                                        </p:attrNameLst>
-                                      </p:cBhvr>
-                                      <p:to>
-                                        <p:strVal val="visible"/>
-                                      </p:to>
-                                    </p:set>
-                                    <p:animEffect transition="in" filter="wipe(down)">
-                                      <p:cBhvr>
-                                        <p:cTn id="12" dur="500"/>
-                                        <p:tgtEl>
-                                          <p:spTgt spid="23562"/>
-                                        </p:tgtEl>
-                                      </p:cBhvr>
-                                    </p:animEffect>
-                                  </p:childTnLst>
-                                </p:cTn>
-                              </p:par>
-                            </p:childTnLst>
-                          </p:cTn>
-                        </p:par>
-                      </p:childTnLst>
-                    </p:cTn>
-                  </p:par>
-                  <p:par>
-                    <p:cTn id="13" fill="hold">
-                      <p:stCondLst>
-                        <p:cond delay="indefinite"/>
-                      </p:stCondLst>
-                      <p:childTnLst>
-                        <p:par>
-                          <p:cTn id="14" fill="hold">
-                            <p:stCondLst>
-                              <p:cond delay="0"/>
-                            </p:stCondLst>
-                            <p:childTnLst>
-                              <p:par>
-                                <p:cTn id="15" presetID="22" presetClass="entr" presetSubtype="4" fill="hold" nodeType="clickEffect">
-                                  <p:stCondLst>
-                                    <p:cond delay="0"/>
-                                  </p:stCondLst>
-                                  <p:childTnLst>
-                                    <p:set>
-                                      <p:cBhvr>
-                                        <p:cTn id="16" dur="1" fill="hold">
-                                          <p:stCondLst>
-                                            <p:cond delay="0"/>
-                                          </p:stCondLst>
-                                        </p:cTn>
-                                        <p:tgtEl>
-                                          <p:spTgt spid="23563"/>
-                                        </p:tgtEl>
-                                        <p:attrNameLst>
-                                          <p:attrName>style.visibility</p:attrName>
-                                        </p:attrNameLst>
-                                      </p:cBhvr>
-                                      <p:to>
-                                        <p:strVal val="visible"/>
-                                      </p:to>
-                                    </p:set>
-                                    <p:animEffect transition="in" filter="wipe(down)">
-                                      <p:cBhvr>
-                                        <p:cTn id="17" dur="500"/>
-                                        <p:tgtEl>
-                                          <p:spTgt spid="23563"/>
-                                        </p:tgtEl>
-                                      </p:cBhvr>
-                                    </p:animEffect>
-                                  </p:childTnLst>
-                                </p:cTn>
-                              </p:par>
-                            </p:childTnLst>
-                          </p:cTn>
-                        </p:par>
-                      </p:childTnLst>
-                    </p:cTn>
-                  </p:par>
-                  <p:par>
-                    <p:cTn id="18" fill="hold">
-                      <p:stCondLst>
-                        <p:cond delay="indefinite"/>
-                      </p:stCondLst>
-                      <p:childTnLst>
-                        <p:par>
-                          <p:cTn id="19" fill="hold">
-                            <p:stCondLst>
-                              <p:cond delay="0"/>
-                            </p:stCondLst>
-                            <p:childTnLst>
-                              <p:par>
-                                <p:cTn id="20" presetID="22" presetClass="entr" presetSubtype="4" fill="hold" nodeType="clickEffect">
-                                  <p:stCondLst>
-                                    <p:cond delay="0"/>
-                                  </p:stCondLst>
-                                  <p:childTnLst>
-                                    <p:set>
-                                      <p:cBhvr>
-                                        <p:cTn id="21" dur="1" fill="hold">
-                                          <p:stCondLst>
-                                            <p:cond delay="0"/>
-                                          </p:stCondLst>
-                                        </p:cTn>
-                                        <p:tgtEl>
-                                          <p:spTgt spid="23564"/>
-                                        </p:tgtEl>
-                                        <p:attrNameLst>
-                                          <p:attrName>style.visibility</p:attrName>
-                                        </p:attrNameLst>
-                                      </p:cBhvr>
-                                      <p:to>
-                                        <p:strVal val="visible"/>
-                                      </p:to>
-                                    </p:set>
-                                    <p:animEffect transition="in" filter="wipe(down)">
-                                      <p:cBhvr>
-                                        <p:cTn id="22" dur="500"/>
-                                        <p:tgtEl>
-                                          <p:spTgt spid="23564"/>
-                                        </p:tgtEl>
-                                      </p:cBhvr>
-                                    </p:animEffect>
-                                  </p:childTnLst>
-                                </p:cTn>
-                              </p:par>
-                            </p:childTnLst>
-                          </p:cTn>
-                        </p:par>
-                      </p:childTnLst>
-                    </p:cTn>
-                  </p:par>
-                  <p:par>
-                    <p:cTn id="23" fill="hold">
-                      <p:stCondLst>
-                        <p:cond delay="indefinite"/>
-                      </p:stCondLst>
-                      <p:childTnLst>
-                        <p:par>
-                          <p:cTn id="24" fill="hold">
-                            <p:stCondLst>
-                              <p:cond delay="0"/>
-                            </p:stCondLst>
-                            <p:childTnLst>
-                              <p:par>
-                                <p:cTn id="25" presetID="22" presetClass="entr" presetSubtype="4" fill="hold" nodeType="clickEffect">
-                                  <p:stCondLst>
-                                    <p:cond delay="0"/>
-                                  </p:stCondLst>
-                                  <p:childTnLst>
-                                    <p:set>
-                                      <p:cBhvr>
-                                        <p:cTn id="26" dur="1" fill="hold">
-                                          <p:stCondLst>
-                                            <p:cond delay="0"/>
-                                          </p:stCondLst>
-                                        </p:cTn>
-                                        <p:tgtEl>
-                                          <p:spTgt spid="23565"/>
-                                        </p:tgtEl>
-                                        <p:attrNameLst>
-                                          <p:attrName>style.visibility</p:attrName>
-                                        </p:attrNameLst>
-                                      </p:cBhvr>
-                                      <p:to>
-                                        <p:strVal val="visible"/>
-                                      </p:to>
-                                    </p:set>
-                                    <p:animEffect transition="in" filter="wipe(down)">
-                                      <p:cBhvr>
-                                        <p:cTn id="27" dur="500"/>
-                                        <p:tgtEl>
-                                          <p:spTgt spid="23565"/>
-                                        </p:tgtEl>
-                                      </p:cBhvr>
-                                    </p:animEffect>
-                                  </p:childTnLst>
-                                </p:cTn>
-                              </p:par>
-                            </p:childTnLst>
-                          </p:cTn>
-                        </p:par>
-                      </p:childTnLst>
-                    </p:cTn>
-                  </p:par>
-                </p:childTnLst>
-              </p:cTn>
-              <p:prevCondLst>
-                <p:cond evt="onPrev" delay="0">
-                  <p:tgtEl>
-                    <p:sldTgt/>
-                  </p:tgtEl>
-                </p:cond>
-              </p:prevCondLst>
-              <p:nextCondLst>
-                <p:cond evt="onNext" delay="0">
-                  <p:tgtEl>
-                    <p:sldTgt/>
-                  </p:tgtEl>
-                </p:cond>
-              </p:nextCondLst>
-            </p:seq>
-          </p:childTnLst>
-        </p:cTn>
-      </p:par>
-    </p:tnLst>
-  </p:timing>
-</p:sld>
-</file>
-
 <file path=ppt/theme/theme1.xml><?xml version="1.0" encoding="utf-8"?>
 <a:theme xmlns:a="http://schemas.openxmlformats.org/drawingml/2006/main" name="Office 테마">
   <a:themeElements>
@@ -13257,7 +13693,7 @@
   <a:extraClrSchemeLst/>
   <a:extLst>
     <a:ext uri="{05A4C25C-085E-4340-85A3-A5531E510DB2}">
-      <thm15:themeFamily xmlns:thm15="http://schemas.microsoft.com/office/thememl/2012/main" xmlns="" name="Office Theme" id="{62F939B6-93AF-4DB8-9C6B-D6C7DFDC589F}" vid="{4A3C46E8-61CC-4603-A589-7422A47A8E4A}"/>
+      <thm15:themeFamily xmlns:thm15="http://schemas.microsoft.com/office/thememl/2012/main" name="Office Theme" id="{62F939B6-93AF-4DB8-9C6B-D6C7DFDC589F}" vid="{4A3C46E8-61CC-4603-A589-7422A47A8E4A}"/>
     </a:ext>
   </a:extLst>
 </a:theme>
